--- a/01 Introduction to React.pptx
+++ b/01 Introduction to React.pptx
@@ -226,7 +226,7 @@
           <a:p>
             <a:fld id="{B376EE29-1A90-1146-96FE-FD5979F1AFC2}" type="datetimeFigureOut">
               <a:rPr lang="en-US" smtClean="0"/>
-              <a:t>12/10/19</a:t>
+              <a:t>3/9/2020</a:t>
             </a:fld>
             <a:endParaRPr lang="en-US"/>
           </a:p>
@@ -2488,7 +2488,7 @@
           <a:p>
             <a:fld id="{FAC8553D-62A4-B94A-B303-E17560B89933}" type="datetimeFigureOut">
               <a:rPr lang="en-US" smtClean="0"/>
-              <a:t>12/10/19</a:t>
+              <a:t>3/9/2020</a:t>
             </a:fld>
             <a:endParaRPr lang="en-US"/>
           </a:p>
@@ -2686,7 +2686,7 @@
           <a:p>
             <a:fld id="{FAC8553D-62A4-B94A-B303-E17560B89933}" type="datetimeFigureOut">
               <a:rPr lang="en-US" smtClean="0"/>
-              <a:t>12/10/19</a:t>
+              <a:t>3/9/2020</a:t>
             </a:fld>
             <a:endParaRPr lang="en-US"/>
           </a:p>
@@ -2894,7 +2894,7 @@
           <a:p>
             <a:fld id="{FAC8553D-62A4-B94A-B303-E17560B89933}" type="datetimeFigureOut">
               <a:rPr lang="en-US" smtClean="0"/>
-              <a:t>12/10/19</a:t>
+              <a:t>3/9/2020</a:t>
             </a:fld>
             <a:endParaRPr lang="en-US"/>
           </a:p>
@@ -5819,7 +5819,7 @@
           <a:p>
             <a:fld id="{FAC8553D-62A4-B94A-B303-E17560B89933}" type="datetimeFigureOut">
               <a:rPr lang="en-US" smtClean="0"/>
-              <a:t>12/10/19</a:t>
+              <a:t>3/9/2020</a:t>
             </a:fld>
             <a:endParaRPr lang="en-US"/>
           </a:p>
@@ -6488,7 +6488,7 @@
           <a:p>
             <a:fld id="{FAC8553D-62A4-B94A-B303-E17560B89933}" type="datetimeFigureOut">
               <a:rPr lang="en-US" smtClean="0"/>
-              <a:t>12/10/19</a:t>
+              <a:t>3/9/2020</a:t>
             </a:fld>
             <a:endParaRPr lang="en-US"/>
           </a:p>
@@ -6753,7 +6753,7 @@
           <a:p>
             <a:fld id="{FAC8553D-62A4-B94A-B303-E17560B89933}" type="datetimeFigureOut">
               <a:rPr lang="en-US" smtClean="0"/>
-              <a:t>12/10/19</a:t>
+              <a:t>3/9/2020</a:t>
             </a:fld>
             <a:endParaRPr lang="en-US"/>
           </a:p>
@@ -7165,7 +7165,7 @@
           <a:p>
             <a:fld id="{FAC8553D-62A4-B94A-B303-E17560B89933}" type="datetimeFigureOut">
               <a:rPr lang="en-US" smtClean="0"/>
-              <a:t>12/10/19</a:t>
+              <a:t>3/9/2020</a:t>
             </a:fld>
             <a:endParaRPr lang="en-US"/>
           </a:p>
@@ -7306,7 +7306,7 @@
           <a:p>
             <a:fld id="{FAC8553D-62A4-B94A-B303-E17560B89933}" type="datetimeFigureOut">
               <a:rPr lang="en-US" smtClean="0"/>
-              <a:t>12/10/19</a:t>
+              <a:t>3/9/2020</a:t>
             </a:fld>
             <a:endParaRPr lang="en-US"/>
           </a:p>
@@ -7419,7 +7419,7 @@
           <a:p>
             <a:fld id="{FAC8553D-62A4-B94A-B303-E17560B89933}" type="datetimeFigureOut">
               <a:rPr lang="en-US" smtClean="0"/>
-              <a:t>12/10/19</a:t>
+              <a:t>3/9/2020</a:t>
             </a:fld>
             <a:endParaRPr lang="en-US"/>
           </a:p>
@@ -7730,7 +7730,7 @@
           <a:p>
             <a:fld id="{FAC8553D-62A4-B94A-B303-E17560B89933}" type="datetimeFigureOut">
               <a:rPr lang="en-US" smtClean="0"/>
-              <a:t>12/10/19</a:t>
+              <a:t>3/9/2020</a:t>
             </a:fld>
             <a:endParaRPr lang="en-US"/>
           </a:p>
@@ -8018,7 +8018,7 @@
           <a:p>
             <a:fld id="{FAC8553D-62A4-B94A-B303-E17560B89933}" type="datetimeFigureOut">
               <a:rPr lang="en-US" smtClean="0"/>
-              <a:t>12/10/19</a:t>
+              <a:t>3/9/2020</a:t>
             </a:fld>
             <a:endParaRPr lang="en-US"/>
           </a:p>
@@ -8271,7 +8271,7 @@
           <a:p>
             <a:fld id="{FAC8553D-62A4-B94A-B303-E17560B89933}" type="datetimeFigureOut">
               <a:rPr lang="en-US" smtClean="0"/>
-              <a:t>12/10/19</a:t>
+              <a:t>3/9/2020</a:t>
             </a:fld>
             <a:endParaRPr lang="en-US"/>
           </a:p>
@@ -21573,7 +21573,7 @@
         </p:nvSpPr>
         <p:spPr>
           <a:xfrm>
-            <a:off x="1110104" y="4599225"/>
+            <a:off x="684923" y="4635339"/>
             <a:ext cx="6611496" cy="1436612"/>
           </a:xfrm>
           <a:prstGeom prst="rect">
@@ -21669,71 +21669,70 @@
           </a:p>
         </p:txBody>
       </p:sp>
+      <p:sp>
+        <p:nvSpPr>
+          <p:cNvPr id="8" name="TextBox 7"/>
+          <p:cNvSpPr txBox="1"/>
+          <p:nvPr/>
+        </p:nvSpPr>
+        <p:spPr>
+          <a:xfrm>
+            <a:off x="680506" y="1100035"/>
+            <a:ext cx="5329380" cy="369332"/>
+          </a:xfrm>
+          <a:prstGeom prst="rect">
+            <a:avLst/>
+          </a:prstGeom>
+        </p:spPr>
+        <p:txBody>
+          <a:bodyPr wrap="square" lIns="0" tIns="0" rIns="0" bIns="0" rtlCol="0">
+            <a:spAutoFit/>
+          </a:bodyPr>
+          <a:lstStyle/>
+          <a:p>
+            <a:pPr algn="l"/>
+            <a:r>
+              <a:rPr lang="en-US" sz="2400" b="1" dirty="0">
+                <a:solidFill>
+                  <a:schemeClr val="bg1">
+                    <a:lumMod val="85000"/>
+                  </a:schemeClr>
+                </a:solidFill>
+              </a:rPr>
+              <a:t>Online code playgrounds:</a:t>
+            </a:r>
+          </a:p>
+        </p:txBody>
+      </p:sp>
       <p:pic>
         <p:nvPicPr>
-          <p:cNvPr id="7" name="Picture 6"/>
+          <p:cNvPr id="10" name="Picture 9" descr="A picture containing npm commands for creating and launching a React app&#10;">
+            <a:extLst>
+              <a:ext uri="{FF2B5EF4-FFF2-40B4-BE49-F238E27FC236}">
+                <a16:creationId xmlns:a16="http://schemas.microsoft.com/office/drawing/2014/main" id="{2D0826B1-ADA7-4CE9-BD23-BD0EB6CB21FE}"/>
+              </a:ext>
+            </a:extLst>
+          </p:cNvPr>
           <p:cNvPicPr>
             <a:picLocks noChangeAspect="1"/>
           </p:cNvPicPr>
           <p:nvPr/>
         </p:nvPicPr>
-        <p:blipFill>
-          <a:blip r:embed="rId4">
-            <a:extLst>
-              <a:ext uri="{28A0092B-C50C-407E-A947-70E740481C1C}">
-                <a14:useLocalDpi xmlns:a14="http://schemas.microsoft.com/office/drawing/2010/main" val="0"/>
-              </a:ext>
-            </a:extLst>
-          </a:blip>
-          <a:stretch>
-            <a:fillRect/>
-          </a:stretch>
+        <p:blipFill rotWithShape="1">
+          <a:blip r:embed="rId4"/>
+          <a:srcRect b="5078"/>
+          <a:stretch/>
         </p:blipFill>
         <p:spPr>
           <a:xfrm>
-            <a:off x="8229600" y="4054258"/>
-            <a:ext cx="3657600" cy="1841073"/>
+            <a:off x="6914474" y="3882474"/>
+            <a:ext cx="4871126" cy="2326360"/>
           </a:xfrm>
           <a:prstGeom prst="rect">
             <a:avLst/>
           </a:prstGeom>
         </p:spPr>
       </p:pic>
-      <p:sp>
-        <p:nvSpPr>
-          <p:cNvPr id="8" name="TextBox 7"/>
-          <p:cNvSpPr txBox="1"/>
-          <p:nvPr/>
-        </p:nvSpPr>
-        <p:spPr>
-          <a:xfrm>
-            <a:off x="680506" y="1100035"/>
-            <a:ext cx="5329380" cy="369332"/>
-          </a:xfrm>
-          <a:prstGeom prst="rect">
-            <a:avLst/>
-          </a:prstGeom>
-        </p:spPr>
-        <p:txBody>
-          <a:bodyPr wrap="square" lIns="0" tIns="0" rIns="0" bIns="0" rtlCol="0">
-            <a:spAutoFit/>
-          </a:bodyPr>
-          <a:lstStyle/>
-          <a:p>
-            <a:pPr algn="l"/>
-            <a:r>
-              <a:rPr lang="en-US" sz="2400" b="1" dirty="0">
-                <a:solidFill>
-                  <a:schemeClr val="bg1">
-                    <a:lumMod val="85000"/>
-                  </a:schemeClr>
-                </a:solidFill>
-              </a:rPr>
-              <a:t>Online code playgrounds:</a:t>
-            </a:r>
-          </a:p>
-        </p:txBody>
-      </p:sp>
     </p:spTree>
     <p:custDataLst>
       <p:tags r:id="rId1"/>

--- a/01 Introduction to React.pptx
+++ b/01 Introduction to React.pptx
@@ -226,7 +226,7 @@
           <a:p>
             <a:fld id="{B376EE29-1A90-1146-96FE-FD5979F1AFC2}" type="datetimeFigureOut">
               <a:rPr lang="en-US" smtClean="0"/>
-              <a:t>3/9/2020</a:t>
+              <a:t>4/13/20</a:t>
             </a:fld>
             <a:endParaRPr lang="en-US"/>
           </a:p>
@@ -2488,7 +2488,7 @@
           <a:p>
             <a:fld id="{FAC8553D-62A4-B94A-B303-E17560B89933}" type="datetimeFigureOut">
               <a:rPr lang="en-US" smtClean="0"/>
-              <a:t>3/9/2020</a:t>
+              <a:t>4/13/20</a:t>
             </a:fld>
             <a:endParaRPr lang="en-US"/>
           </a:p>
@@ -2686,7 +2686,7 @@
           <a:p>
             <a:fld id="{FAC8553D-62A4-B94A-B303-E17560B89933}" type="datetimeFigureOut">
               <a:rPr lang="en-US" smtClean="0"/>
-              <a:t>3/9/2020</a:t>
+              <a:t>4/13/20</a:t>
             </a:fld>
             <a:endParaRPr lang="en-US"/>
           </a:p>
@@ -2894,7 +2894,7 @@
           <a:p>
             <a:fld id="{FAC8553D-62A4-B94A-B303-E17560B89933}" type="datetimeFigureOut">
               <a:rPr lang="en-US" smtClean="0"/>
-              <a:t>3/9/2020</a:t>
+              <a:t>4/13/20</a:t>
             </a:fld>
             <a:endParaRPr lang="en-US"/>
           </a:p>
@@ -5819,7 +5819,7 @@
           <a:p>
             <a:fld id="{FAC8553D-62A4-B94A-B303-E17560B89933}" type="datetimeFigureOut">
               <a:rPr lang="en-US" smtClean="0"/>
-              <a:t>3/9/2020</a:t>
+              <a:t>4/13/20</a:t>
             </a:fld>
             <a:endParaRPr lang="en-US"/>
           </a:p>
@@ -6488,7 +6488,7 @@
           <a:p>
             <a:fld id="{FAC8553D-62A4-B94A-B303-E17560B89933}" type="datetimeFigureOut">
               <a:rPr lang="en-US" smtClean="0"/>
-              <a:t>3/9/2020</a:t>
+              <a:t>4/13/20</a:t>
             </a:fld>
             <a:endParaRPr lang="en-US"/>
           </a:p>
@@ -6753,7 +6753,7 @@
           <a:p>
             <a:fld id="{FAC8553D-62A4-B94A-B303-E17560B89933}" type="datetimeFigureOut">
               <a:rPr lang="en-US" smtClean="0"/>
-              <a:t>3/9/2020</a:t>
+              <a:t>4/13/20</a:t>
             </a:fld>
             <a:endParaRPr lang="en-US"/>
           </a:p>
@@ -7165,7 +7165,7 @@
           <a:p>
             <a:fld id="{FAC8553D-62A4-B94A-B303-E17560B89933}" type="datetimeFigureOut">
               <a:rPr lang="en-US" smtClean="0"/>
-              <a:t>3/9/2020</a:t>
+              <a:t>4/13/20</a:t>
             </a:fld>
             <a:endParaRPr lang="en-US"/>
           </a:p>
@@ -7306,7 +7306,7 @@
           <a:p>
             <a:fld id="{FAC8553D-62A4-B94A-B303-E17560B89933}" type="datetimeFigureOut">
               <a:rPr lang="en-US" smtClean="0"/>
-              <a:t>3/9/2020</a:t>
+              <a:t>4/13/20</a:t>
             </a:fld>
             <a:endParaRPr lang="en-US"/>
           </a:p>
@@ -7419,7 +7419,7 @@
           <a:p>
             <a:fld id="{FAC8553D-62A4-B94A-B303-E17560B89933}" type="datetimeFigureOut">
               <a:rPr lang="en-US" smtClean="0"/>
-              <a:t>3/9/2020</a:t>
+              <a:t>4/13/20</a:t>
             </a:fld>
             <a:endParaRPr lang="en-US"/>
           </a:p>
@@ -7730,7 +7730,7 @@
           <a:p>
             <a:fld id="{FAC8553D-62A4-B94A-B303-E17560B89933}" type="datetimeFigureOut">
               <a:rPr lang="en-US" smtClean="0"/>
-              <a:t>3/9/2020</a:t>
+              <a:t>4/13/20</a:t>
             </a:fld>
             <a:endParaRPr lang="en-US"/>
           </a:p>
@@ -8018,7 +8018,7 @@
           <a:p>
             <a:fld id="{FAC8553D-62A4-B94A-B303-E17560B89933}" type="datetimeFigureOut">
               <a:rPr lang="en-US" smtClean="0"/>
-              <a:t>3/9/2020</a:t>
+              <a:t>4/13/20</a:t>
             </a:fld>
             <a:endParaRPr lang="en-US"/>
           </a:p>
@@ -8271,7 +8271,7 @@
           <a:p>
             <a:fld id="{FAC8553D-62A4-B94A-B303-E17560B89933}" type="datetimeFigureOut">
               <a:rPr lang="en-US" smtClean="0"/>
-              <a:t>3/9/2020</a:t>
+              <a:t>4/13/20</a:t>
             </a:fld>
             <a:endParaRPr lang="en-US"/>
           </a:p>
@@ -21574,7 +21574,7 @@
         <p:spPr>
           <a:xfrm>
             <a:off x="684923" y="4635339"/>
-            <a:ext cx="6611496" cy="1436612"/>
+            <a:ext cx="6091434" cy="1436612"/>
           </a:xfrm>
           <a:prstGeom prst="rect">
             <a:avLst/>
@@ -21725,7 +21725,7 @@
         </p:blipFill>
         <p:spPr>
           <a:xfrm>
-            <a:off x="6914474" y="3882474"/>
+            <a:off x="6914474" y="4054257"/>
             <a:ext cx="4871126" cy="2326360"/>
           </a:xfrm>
           <a:prstGeom prst="rect">
@@ -21733,6 +21733,69 @@
           </a:prstGeom>
         </p:spPr>
       </p:pic>
+      <p:sp>
+        <p:nvSpPr>
+          <p:cNvPr id="6" name="TextBox 5">
+            <a:extLst>
+              <a:ext uri="{FF2B5EF4-FFF2-40B4-BE49-F238E27FC236}">
+                <a16:creationId xmlns:a16="http://schemas.microsoft.com/office/drawing/2014/main" id="{0E653F86-A65D-7E40-9667-A2AA45588C70}"/>
+              </a:ext>
+            </a:extLst>
+          </p:cNvPr>
+          <p:cNvSpPr txBox="1"/>
+          <p:nvPr/>
+        </p:nvSpPr>
+        <p:spPr>
+          <a:xfrm>
+            <a:off x="2183304" y="6471516"/>
+            <a:ext cx="9186106" cy="369332"/>
+          </a:xfrm>
+          <a:prstGeom prst="rect">
+            <a:avLst/>
+          </a:prstGeom>
+          <a:noFill/>
+        </p:spPr>
+        <p:txBody>
+          <a:bodyPr wrap="square" rtlCol="0">
+            <a:spAutoFit/>
+          </a:bodyPr>
+          <a:lstStyle/>
+          <a:p>
+            <a:r>
+              <a:rPr lang="en-US" dirty="0">
+                <a:solidFill>
+                  <a:schemeClr val="bg1"/>
+                </a:solidFill>
+              </a:rPr>
+              <a:t>*If create-react-app my-app doesn’t work, try </a:t>
+            </a:r>
+            <a:r>
+              <a:rPr lang="en-US" dirty="0" err="1">
+                <a:solidFill>
+                  <a:srgbClr val="FFFF00"/>
+                </a:solidFill>
+              </a:rPr>
+              <a:t>npx</a:t>
+            </a:r>
+            <a:r>
+              <a:rPr lang="en-US" dirty="0">
+                <a:solidFill>
+                  <a:srgbClr val="FFFF00"/>
+                </a:solidFill>
+              </a:rPr>
+              <a:t> create-react-app </a:t>
+            </a:r>
+            <a:r>
+              <a:rPr lang="en-US" dirty="0">
+                <a:solidFill>
+                  <a:schemeClr val="bg1"/>
+                </a:solidFill>
+              </a:rPr>
+              <a:t>my-app</a:t>
+            </a:r>
+          </a:p>
+        </p:txBody>
+      </p:sp>
     </p:spTree>
     <p:custDataLst>
       <p:tags r:id="rId1"/>

--- a/01 Introduction to React.pptx
+++ b/01 Introduction to React.pptx
@@ -5,39 +5,40 @@
     <p:sldMasterId id="2147483648" r:id="rId1"/>
   </p:sldMasterIdLst>
   <p:notesMasterIdLst>
-    <p:notesMasterId r:id="rId32"/>
+    <p:notesMasterId r:id="rId33"/>
   </p:notesMasterIdLst>
   <p:sldIdLst>
     <p:sldId id="272" r:id="rId2"/>
-    <p:sldId id="396" r:id="rId3"/>
-    <p:sldId id="259" r:id="rId4"/>
-    <p:sldId id="387" r:id="rId5"/>
-    <p:sldId id="260" r:id="rId6"/>
-    <p:sldId id="373" r:id="rId7"/>
-    <p:sldId id="346" r:id="rId8"/>
-    <p:sldId id="347" r:id="rId9"/>
-    <p:sldId id="399" r:id="rId10"/>
-    <p:sldId id="400" r:id="rId11"/>
-    <p:sldId id="402" r:id="rId12"/>
-    <p:sldId id="403" r:id="rId13"/>
-    <p:sldId id="401" r:id="rId14"/>
-    <p:sldId id="371" r:id="rId15"/>
-    <p:sldId id="261" r:id="rId16"/>
-    <p:sldId id="343" r:id="rId17"/>
-    <p:sldId id="344" r:id="rId18"/>
-    <p:sldId id="345" r:id="rId19"/>
-    <p:sldId id="325" r:id="rId20"/>
-    <p:sldId id="326" r:id="rId21"/>
-    <p:sldId id="327" r:id="rId22"/>
-    <p:sldId id="341" r:id="rId23"/>
-    <p:sldId id="342" r:id="rId24"/>
-    <p:sldId id="397" r:id="rId25"/>
-    <p:sldId id="398" r:id="rId26"/>
-    <p:sldId id="328" r:id="rId27"/>
-    <p:sldId id="382" r:id="rId28"/>
-    <p:sldId id="404" r:id="rId29"/>
-    <p:sldId id="267" r:id="rId30"/>
-    <p:sldId id="268" r:id="rId31"/>
+    <p:sldId id="405" r:id="rId3"/>
+    <p:sldId id="396" r:id="rId4"/>
+    <p:sldId id="259" r:id="rId5"/>
+    <p:sldId id="387" r:id="rId6"/>
+    <p:sldId id="260" r:id="rId7"/>
+    <p:sldId id="373" r:id="rId8"/>
+    <p:sldId id="346" r:id="rId9"/>
+    <p:sldId id="347" r:id="rId10"/>
+    <p:sldId id="399" r:id="rId11"/>
+    <p:sldId id="400" r:id="rId12"/>
+    <p:sldId id="402" r:id="rId13"/>
+    <p:sldId id="403" r:id="rId14"/>
+    <p:sldId id="401" r:id="rId15"/>
+    <p:sldId id="371" r:id="rId16"/>
+    <p:sldId id="261" r:id="rId17"/>
+    <p:sldId id="343" r:id="rId18"/>
+    <p:sldId id="344" r:id="rId19"/>
+    <p:sldId id="345" r:id="rId20"/>
+    <p:sldId id="325" r:id="rId21"/>
+    <p:sldId id="326" r:id="rId22"/>
+    <p:sldId id="327" r:id="rId23"/>
+    <p:sldId id="341" r:id="rId24"/>
+    <p:sldId id="342" r:id="rId25"/>
+    <p:sldId id="397" r:id="rId26"/>
+    <p:sldId id="398" r:id="rId27"/>
+    <p:sldId id="328" r:id="rId28"/>
+    <p:sldId id="382" r:id="rId29"/>
+    <p:sldId id="404" r:id="rId30"/>
+    <p:sldId id="267" r:id="rId31"/>
+    <p:sldId id="268" r:id="rId32"/>
   </p:sldIdLst>
   <p:sldSz cx="12192000" cy="6858000"/>
   <p:notesSz cx="6858000" cy="9144000"/>
@@ -226,7 +227,7 @@
           <a:p>
             <a:fld id="{B376EE29-1A90-1146-96FE-FD5979F1AFC2}" type="datetimeFigureOut">
               <a:rPr lang="en-US" smtClean="0"/>
-              <a:t>4/13/20</a:t>
+              <a:t>6/8/20</a:t>
             </a:fld>
             <a:endParaRPr lang="en-US"/>
           </a:p>
@@ -642,7 +643,7 @@
           <a:p>
             <a:fld id="{53FFCFF5-268C-450A-90CA-A9303B69089F}" type="slidenum">
               <a:rPr lang="en-US" smtClean="0"/>
-              <a:t>14</a:t>
+              <a:t>11</a:t>
             </a:fld>
             <a:endParaRPr lang="en-US"/>
           </a:p>
@@ -651,7 +652,7 @@
     </p:spTree>
     <p:extLst>
       <p:ext uri="{BB962C8B-B14F-4D97-AF65-F5344CB8AC3E}">
-        <p14:creationId xmlns:p14="http://schemas.microsoft.com/office/powerpoint/2010/main" val="985263471"/>
+        <p14:creationId xmlns:p14="http://schemas.microsoft.com/office/powerpoint/2010/main" val="69850680"/>
       </p:ext>
     </p:extLst>
   </p:cSld>
@@ -735,7 +736,7 @@
     </p:spTree>
     <p:extLst>
       <p:ext uri="{BB962C8B-B14F-4D97-AF65-F5344CB8AC3E}">
-        <p14:creationId xmlns:p14="http://schemas.microsoft.com/office/powerpoint/2010/main" val="2315298915"/>
+        <p14:creationId xmlns:p14="http://schemas.microsoft.com/office/powerpoint/2010/main" val="985263471"/>
       </p:ext>
     </p:extLst>
   </p:cSld>
@@ -819,7 +820,7 @@
     </p:spTree>
     <p:extLst>
       <p:ext uri="{BB962C8B-B14F-4D97-AF65-F5344CB8AC3E}">
-        <p14:creationId xmlns:p14="http://schemas.microsoft.com/office/powerpoint/2010/main" val="2182140771"/>
+        <p14:creationId xmlns:p14="http://schemas.microsoft.com/office/powerpoint/2010/main" val="2315298915"/>
       </p:ext>
     </p:extLst>
   </p:cSld>
@@ -884,7 +885,7 @@
             <a:spLocks noGrp="1"/>
           </p:cNvSpPr>
           <p:nvPr>
-            <p:ph type="sldNum" sz="quarter" idx="5"/>
+            <p:ph type="sldNum" sz="quarter" idx="10"/>
           </p:nvPr>
         </p:nvSpPr>
         <p:spPr/>
@@ -903,7 +904,7 @@
     </p:spTree>
     <p:extLst>
       <p:ext uri="{BB962C8B-B14F-4D97-AF65-F5344CB8AC3E}">
-        <p14:creationId xmlns:p14="http://schemas.microsoft.com/office/powerpoint/2010/main" val="3811949504"/>
+        <p14:creationId xmlns:p14="http://schemas.microsoft.com/office/powerpoint/2010/main" val="2182140771"/>
       </p:ext>
     </p:extLst>
   </p:cSld>
@@ -968,7 +969,7 @@
             <a:spLocks noGrp="1"/>
           </p:cNvSpPr>
           <p:nvPr>
-            <p:ph type="sldNum" sz="quarter" idx="10"/>
+            <p:ph type="sldNum" sz="quarter" idx="5"/>
           </p:nvPr>
         </p:nvSpPr>
         <p:spPr/>
@@ -987,7 +988,7 @@
     </p:spTree>
     <p:extLst>
       <p:ext uri="{BB962C8B-B14F-4D97-AF65-F5344CB8AC3E}">
-        <p14:creationId xmlns:p14="http://schemas.microsoft.com/office/powerpoint/2010/main" val="1322900751"/>
+        <p14:creationId xmlns:p14="http://schemas.microsoft.com/office/powerpoint/2010/main" val="3811949504"/>
       </p:ext>
     </p:extLst>
   </p:cSld>
@@ -1071,7 +1072,7 @@
     </p:spTree>
     <p:extLst>
       <p:ext uri="{BB962C8B-B14F-4D97-AF65-F5344CB8AC3E}">
-        <p14:creationId xmlns:p14="http://schemas.microsoft.com/office/powerpoint/2010/main" val="214263583"/>
+        <p14:creationId xmlns:p14="http://schemas.microsoft.com/office/powerpoint/2010/main" val="1322900751"/>
       </p:ext>
     </p:extLst>
   </p:cSld>
@@ -1136,7 +1137,7 @@
             <a:spLocks noGrp="1"/>
           </p:cNvSpPr>
           <p:nvPr>
-            <p:ph type="sldNum" sz="quarter" idx="5"/>
+            <p:ph type="sldNum" sz="quarter" idx="10"/>
           </p:nvPr>
         </p:nvSpPr>
         <p:spPr/>
@@ -1146,7 +1147,7 @@
           <a:p>
             <a:fld id="{53FFCFF5-268C-450A-90CA-A9303B69089F}" type="slidenum">
               <a:rPr lang="en-US" smtClean="0"/>
-              <a:t>22</a:t>
+              <a:t>20</a:t>
             </a:fld>
             <a:endParaRPr lang="en-US"/>
           </a:p>
@@ -1155,7 +1156,7 @@
     </p:spTree>
     <p:extLst>
       <p:ext uri="{BB962C8B-B14F-4D97-AF65-F5344CB8AC3E}">
-        <p14:creationId xmlns:p14="http://schemas.microsoft.com/office/powerpoint/2010/main" val="1627621866"/>
+        <p14:creationId xmlns:p14="http://schemas.microsoft.com/office/powerpoint/2010/main" val="214263583"/>
       </p:ext>
     </p:extLst>
   </p:cSld>
@@ -1220,7 +1221,7 @@
             <a:spLocks noGrp="1"/>
           </p:cNvSpPr>
           <p:nvPr>
-            <p:ph type="sldNum" sz="quarter" idx="10"/>
+            <p:ph type="sldNum" sz="quarter" idx="5"/>
           </p:nvPr>
         </p:nvSpPr>
         <p:spPr/>
@@ -1239,7 +1240,7 @@
     </p:spTree>
     <p:extLst>
       <p:ext uri="{BB962C8B-B14F-4D97-AF65-F5344CB8AC3E}">
-        <p14:creationId xmlns:p14="http://schemas.microsoft.com/office/powerpoint/2010/main" val="4070186531"/>
+        <p14:creationId xmlns:p14="http://schemas.microsoft.com/office/powerpoint/2010/main" val="1627621866"/>
       </p:ext>
     </p:extLst>
   </p:cSld>
@@ -1323,7 +1324,7 @@
     </p:spTree>
     <p:extLst>
       <p:ext uri="{BB962C8B-B14F-4D97-AF65-F5344CB8AC3E}">
-        <p14:creationId xmlns:p14="http://schemas.microsoft.com/office/powerpoint/2010/main" val="2950197774"/>
+        <p14:creationId xmlns:p14="http://schemas.microsoft.com/office/powerpoint/2010/main" val="4070186531"/>
       </p:ext>
     </p:extLst>
   </p:cSld>
@@ -1407,7 +1408,7 @@
     </p:spTree>
     <p:extLst>
       <p:ext uri="{BB962C8B-B14F-4D97-AF65-F5344CB8AC3E}">
-        <p14:creationId xmlns:p14="http://schemas.microsoft.com/office/powerpoint/2010/main" val="56201157"/>
+        <p14:creationId xmlns:p14="http://schemas.microsoft.com/office/powerpoint/2010/main" val="2950197774"/>
       </p:ext>
     </p:extLst>
   </p:cSld>
@@ -1491,7 +1492,7 @@
     </p:spTree>
     <p:extLst>
       <p:ext uri="{BB962C8B-B14F-4D97-AF65-F5344CB8AC3E}">
-        <p14:creationId xmlns:p14="http://schemas.microsoft.com/office/powerpoint/2010/main" val="4022196201"/>
+        <p14:creationId xmlns:p14="http://schemas.microsoft.com/office/powerpoint/2010/main" val="858243604"/>
       </p:ext>
     </p:extLst>
   </p:cSld>
@@ -1566,16 +1567,16 @@
           <a:p>
             <a:fld id="{53FFCFF5-268C-450A-90CA-A9303B69089F}" type="slidenum">
               <a:rPr lang="en-US" smtClean="0"/>
-              <a:t>27</a:t>
+              <a:t>26</a:t>
             </a:fld>
-            <a:endParaRPr lang="en-US" dirty="0"/>
+            <a:endParaRPr lang="en-US"/>
           </a:p>
         </p:txBody>
       </p:sp>
     </p:spTree>
     <p:extLst>
       <p:ext uri="{BB962C8B-B14F-4D97-AF65-F5344CB8AC3E}">
-        <p14:creationId xmlns:p14="http://schemas.microsoft.com/office/powerpoint/2010/main" val="1643139071"/>
+        <p14:creationId xmlns:p14="http://schemas.microsoft.com/office/powerpoint/2010/main" val="56201157"/>
       </p:ext>
     </p:extLst>
   </p:cSld>
@@ -1659,7 +1660,7 @@
     </p:spTree>
     <p:extLst>
       <p:ext uri="{BB962C8B-B14F-4D97-AF65-F5344CB8AC3E}">
-        <p14:creationId xmlns:p14="http://schemas.microsoft.com/office/powerpoint/2010/main" val="3974904611"/>
+        <p14:creationId xmlns:p14="http://schemas.microsoft.com/office/powerpoint/2010/main" val="1643139071"/>
       </p:ext>
     </p:extLst>
   </p:cSld>
@@ -1734,7 +1735,91 @@
           <a:p>
             <a:fld id="{53FFCFF5-268C-450A-90CA-A9303B69089F}" type="slidenum">
               <a:rPr lang="en-US" smtClean="0"/>
-              <a:t>30</a:t>
+              <a:t>29</a:t>
+            </a:fld>
+            <a:endParaRPr lang="en-US" dirty="0"/>
+          </a:p>
+        </p:txBody>
+      </p:sp>
+    </p:spTree>
+    <p:extLst>
+      <p:ext uri="{BB962C8B-B14F-4D97-AF65-F5344CB8AC3E}">
+        <p14:creationId xmlns:p14="http://schemas.microsoft.com/office/powerpoint/2010/main" val="3974904611"/>
+      </p:ext>
+    </p:extLst>
+  </p:cSld>
+  <p:clrMapOvr>
+    <a:masterClrMapping/>
+  </p:clrMapOvr>
+</p:notes>
+</file>
+
+<file path=ppt/notesSlides/notesSlide23.xml><?xml version="1.0" encoding="utf-8"?>
+<p:notes xmlns:a="http://schemas.openxmlformats.org/drawingml/2006/main" xmlns:r="http://schemas.openxmlformats.org/officeDocument/2006/relationships" xmlns:p="http://schemas.openxmlformats.org/presentationml/2006/main">
+  <p:cSld>
+    <p:spTree>
+      <p:nvGrpSpPr>
+        <p:cNvPr id="1" name=""/>
+        <p:cNvGrpSpPr/>
+        <p:nvPr/>
+      </p:nvGrpSpPr>
+      <p:grpSpPr>
+        <a:xfrm>
+          <a:off x="0" y="0"/>
+          <a:ext cx="0" cy="0"/>
+          <a:chOff x="0" y="0"/>
+          <a:chExt cx="0" cy="0"/>
+        </a:xfrm>
+      </p:grpSpPr>
+      <p:sp>
+        <p:nvSpPr>
+          <p:cNvPr id="2" name="Slide Image Placeholder 1"/>
+          <p:cNvSpPr>
+            <a:spLocks noGrp="1" noRot="1" noChangeAspect="1"/>
+          </p:cNvSpPr>
+          <p:nvPr>
+            <p:ph type="sldImg"/>
+          </p:nvPr>
+        </p:nvSpPr>
+        <p:spPr/>
+      </p:sp>
+      <p:sp>
+        <p:nvSpPr>
+          <p:cNvPr id="3" name="Notes Placeholder 2"/>
+          <p:cNvSpPr>
+            <a:spLocks noGrp="1"/>
+          </p:cNvSpPr>
+          <p:nvPr>
+            <p:ph type="body" idx="1"/>
+          </p:nvPr>
+        </p:nvSpPr>
+        <p:spPr/>
+        <p:txBody>
+          <a:bodyPr/>
+          <a:lstStyle/>
+          <a:p>
+            <a:endParaRPr lang="en-US" dirty="0"/>
+          </a:p>
+        </p:txBody>
+      </p:sp>
+      <p:sp>
+        <p:nvSpPr>
+          <p:cNvPr id="4" name="Slide Number Placeholder 3"/>
+          <p:cNvSpPr>
+            <a:spLocks noGrp="1"/>
+          </p:cNvSpPr>
+          <p:nvPr>
+            <p:ph type="sldNum" sz="quarter" idx="10"/>
+          </p:nvPr>
+        </p:nvSpPr>
+        <p:spPr/>
+        <p:txBody>
+          <a:bodyPr/>
+          <a:lstStyle/>
+          <a:p>
+            <a:fld id="{53FFCFF5-268C-450A-90CA-A9303B69089F}" type="slidenum">
+              <a:rPr lang="en-US" smtClean="0"/>
+              <a:t>31</a:t>
             </a:fld>
             <a:endParaRPr lang="en-US"/>
           </a:p>
@@ -1827,7 +1912,7 @@
     </p:spTree>
     <p:extLst>
       <p:ext uri="{BB962C8B-B14F-4D97-AF65-F5344CB8AC3E}">
-        <p14:creationId xmlns:p14="http://schemas.microsoft.com/office/powerpoint/2010/main" val="762881775"/>
+        <p14:creationId xmlns:p14="http://schemas.microsoft.com/office/powerpoint/2010/main" val="4022196201"/>
       </p:ext>
     </p:extLst>
   </p:cSld>
@@ -1911,7 +1996,7 @@
     </p:spTree>
     <p:extLst>
       <p:ext uri="{BB962C8B-B14F-4D97-AF65-F5344CB8AC3E}">
-        <p14:creationId xmlns:p14="http://schemas.microsoft.com/office/powerpoint/2010/main" val="4145018713"/>
+        <p14:creationId xmlns:p14="http://schemas.microsoft.com/office/powerpoint/2010/main" val="762881775"/>
       </p:ext>
     </p:extLst>
   </p:cSld>
@@ -1995,7 +2080,7 @@
     </p:spTree>
     <p:extLst>
       <p:ext uri="{BB962C8B-B14F-4D97-AF65-F5344CB8AC3E}">
-        <p14:creationId xmlns:p14="http://schemas.microsoft.com/office/powerpoint/2010/main" val="3033905606"/>
+        <p14:creationId xmlns:p14="http://schemas.microsoft.com/office/powerpoint/2010/main" val="4145018713"/>
       </p:ext>
     </p:extLst>
   </p:cSld>
@@ -2079,7 +2164,7 @@
     </p:spTree>
     <p:extLst>
       <p:ext uri="{BB962C8B-B14F-4D97-AF65-F5344CB8AC3E}">
-        <p14:creationId xmlns:p14="http://schemas.microsoft.com/office/powerpoint/2010/main" val="4264224527"/>
+        <p14:creationId xmlns:p14="http://schemas.microsoft.com/office/powerpoint/2010/main" val="3033905606"/>
       </p:ext>
     </p:extLst>
   </p:cSld>
@@ -2163,7 +2248,7 @@
     </p:spTree>
     <p:extLst>
       <p:ext uri="{BB962C8B-B14F-4D97-AF65-F5344CB8AC3E}">
-        <p14:creationId xmlns:p14="http://schemas.microsoft.com/office/powerpoint/2010/main" val="771030349"/>
+        <p14:creationId xmlns:p14="http://schemas.microsoft.com/office/powerpoint/2010/main" val="4264224527"/>
       </p:ext>
     </p:extLst>
   </p:cSld>
@@ -2247,7 +2332,7 @@
     </p:spTree>
     <p:extLst>
       <p:ext uri="{BB962C8B-B14F-4D97-AF65-F5344CB8AC3E}">
-        <p14:creationId xmlns:p14="http://schemas.microsoft.com/office/powerpoint/2010/main" val="3966304485"/>
+        <p14:creationId xmlns:p14="http://schemas.microsoft.com/office/powerpoint/2010/main" val="771030349"/>
       </p:ext>
     </p:extLst>
   </p:cSld>
@@ -2322,7 +2407,7 @@
           <a:p>
             <a:fld id="{53FFCFF5-268C-450A-90CA-A9303B69089F}" type="slidenum">
               <a:rPr lang="en-US" smtClean="0"/>
-              <a:t>10</a:t>
+              <a:t>9</a:t>
             </a:fld>
             <a:endParaRPr lang="en-US"/>
           </a:p>
@@ -2331,7 +2416,7 @@
     </p:spTree>
     <p:extLst>
       <p:ext uri="{BB962C8B-B14F-4D97-AF65-F5344CB8AC3E}">
-        <p14:creationId xmlns:p14="http://schemas.microsoft.com/office/powerpoint/2010/main" val="69850680"/>
+        <p14:creationId xmlns:p14="http://schemas.microsoft.com/office/powerpoint/2010/main" val="3966304485"/>
       </p:ext>
     </p:extLst>
   </p:cSld>
@@ -2488,7 +2573,7 @@
           <a:p>
             <a:fld id="{FAC8553D-62A4-B94A-B303-E17560B89933}" type="datetimeFigureOut">
               <a:rPr lang="en-US" smtClean="0"/>
-              <a:t>4/13/20</a:t>
+              <a:t>6/8/20</a:t>
             </a:fld>
             <a:endParaRPr lang="en-US"/>
           </a:p>
@@ -2686,7 +2771,7 @@
           <a:p>
             <a:fld id="{FAC8553D-62A4-B94A-B303-E17560B89933}" type="datetimeFigureOut">
               <a:rPr lang="en-US" smtClean="0"/>
-              <a:t>4/13/20</a:t>
+              <a:t>6/8/20</a:t>
             </a:fld>
             <a:endParaRPr lang="en-US"/>
           </a:p>
@@ -2894,7 +2979,7 @@
           <a:p>
             <a:fld id="{FAC8553D-62A4-B94A-B303-E17560B89933}" type="datetimeFigureOut">
               <a:rPr lang="en-US" smtClean="0"/>
-              <a:t>4/13/20</a:t>
+              <a:t>6/8/20</a:t>
             </a:fld>
             <a:endParaRPr lang="en-US"/>
           </a:p>
@@ -5819,7 +5904,7 @@
           <a:p>
             <a:fld id="{FAC8553D-62A4-B94A-B303-E17560B89933}" type="datetimeFigureOut">
               <a:rPr lang="en-US" smtClean="0"/>
-              <a:t>4/13/20</a:t>
+              <a:t>6/8/20</a:t>
             </a:fld>
             <a:endParaRPr lang="en-US"/>
           </a:p>
@@ -6488,7 +6573,7 @@
           <a:p>
             <a:fld id="{FAC8553D-62A4-B94A-B303-E17560B89933}" type="datetimeFigureOut">
               <a:rPr lang="en-US" smtClean="0"/>
-              <a:t>4/13/20</a:t>
+              <a:t>6/8/20</a:t>
             </a:fld>
             <a:endParaRPr lang="en-US"/>
           </a:p>
@@ -6753,7 +6838,7 @@
           <a:p>
             <a:fld id="{FAC8553D-62A4-B94A-B303-E17560B89933}" type="datetimeFigureOut">
               <a:rPr lang="en-US" smtClean="0"/>
-              <a:t>4/13/20</a:t>
+              <a:t>6/8/20</a:t>
             </a:fld>
             <a:endParaRPr lang="en-US"/>
           </a:p>
@@ -7165,7 +7250,7 @@
           <a:p>
             <a:fld id="{FAC8553D-62A4-B94A-B303-E17560B89933}" type="datetimeFigureOut">
               <a:rPr lang="en-US" smtClean="0"/>
-              <a:t>4/13/20</a:t>
+              <a:t>6/8/20</a:t>
             </a:fld>
             <a:endParaRPr lang="en-US"/>
           </a:p>
@@ -7306,7 +7391,7 @@
           <a:p>
             <a:fld id="{FAC8553D-62A4-B94A-B303-E17560B89933}" type="datetimeFigureOut">
               <a:rPr lang="en-US" smtClean="0"/>
-              <a:t>4/13/20</a:t>
+              <a:t>6/8/20</a:t>
             </a:fld>
             <a:endParaRPr lang="en-US"/>
           </a:p>
@@ -7419,7 +7504,7 @@
           <a:p>
             <a:fld id="{FAC8553D-62A4-B94A-B303-E17560B89933}" type="datetimeFigureOut">
               <a:rPr lang="en-US" smtClean="0"/>
-              <a:t>4/13/20</a:t>
+              <a:t>6/8/20</a:t>
             </a:fld>
             <a:endParaRPr lang="en-US"/>
           </a:p>
@@ -7730,7 +7815,7 @@
           <a:p>
             <a:fld id="{FAC8553D-62A4-B94A-B303-E17560B89933}" type="datetimeFigureOut">
               <a:rPr lang="en-US" smtClean="0"/>
-              <a:t>4/13/20</a:t>
+              <a:t>6/8/20</a:t>
             </a:fld>
             <a:endParaRPr lang="en-US"/>
           </a:p>
@@ -8018,7 +8103,7 @@
           <a:p>
             <a:fld id="{FAC8553D-62A4-B94A-B303-E17560B89933}" type="datetimeFigureOut">
               <a:rPr lang="en-US" smtClean="0"/>
-              <a:t>4/13/20</a:t>
+              <a:t>6/8/20</a:t>
             </a:fld>
             <a:endParaRPr lang="en-US"/>
           </a:p>
@@ -8271,7 +8356,7 @@
           <a:p>
             <a:fld id="{FAC8553D-62A4-B94A-B303-E17560B89933}" type="datetimeFigureOut">
               <a:rPr lang="en-US" smtClean="0"/>
-              <a:t>4/13/20</a:t>
+              <a:t>6/8/20</a:t>
             </a:fld>
             <a:endParaRPr lang="en-US"/>
           </a:p>
@@ -8849,6 +8934,95 @@
       </p:grpSpPr>
       <p:sp>
         <p:nvSpPr>
+          <p:cNvPr id="2" name="Title 1">
+            <a:extLst>
+              <a:ext uri="{FF2B5EF4-FFF2-40B4-BE49-F238E27FC236}">
+                <a16:creationId xmlns:a16="http://schemas.microsoft.com/office/drawing/2014/main" id="{6A7D502C-2218-1441-9745-80FC9D3C9DD2}"/>
+              </a:ext>
+            </a:extLst>
+          </p:cNvPr>
+          <p:cNvSpPr>
+            <a:spLocks noGrp="1"/>
+          </p:cNvSpPr>
+          <p:nvPr>
+            <p:ph type="title"/>
+          </p:nvPr>
+        </p:nvSpPr>
+        <p:spPr/>
+        <p:txBody>
+          <a:bodyPr/>
+          <a:lstStyle/>
+          <a:p>
+            <a:pPr algn="ctr"/>
+            <a:r>
+              <a:rPr lang="en-US" dirty="0"/>
+              <a:t>Hello React!</a:t>
+            </a:r>
+          </a:p>
+        </p:txBody>
+      </p:sp>
+      <p:pic>
+        <p:nvPicPr>
+          <p:cNvPr id="4" name="Picture 3">
+            <a:extLst>
+              <a:ext uri="{FF2B5EF4-FFF2-40B4-BE49-F238E27FC236}">
+                <a16:creationId xmlns:a16="http://schemas.microsoft.com/office/drawing/2014/main" id="{1FF7DFA9-58B3-BE40-B0E5-03711620FA12}"/>
+              </a:ext>
+            </a:extLst>
+          </p:cNvPr>
+          <p:cNvPicPr>
+            <a:picLocks noChangeAspect="1"/>
+          </p:cNvPicPr>
+          <p:nvPr/>
+        </p:nvPicPr>
+        <p:blipFill>
+          <a:blip r:embed="rId2"/>
+          <a:stretch>
+            <a:fillRect/>
+          </a:stretch>
+        </p:blipFill>
+        <p:spPr>
+          <a:xfrm>
+            <a:off x="608996" y="518984"/>
+            <a:ext cx="11301813" cy="6858000"/>
+          </a:xfrm>
+          <a:prstGeom prst="rect">
+            <a:avLst/>
+          </a:prstGeom>
+        </p:spPr>
+      </p:pic>
+    </p:spTree>
+    <p:extLst>
+      <p:ext uri="{BB962C8B-B14F-4D97-AF65-F5344CB8AC3E}">
+        <p14:creationId xmlns:p14="http://schemas.microsoft.com/office/powerpoint/2010/main" val="4045679828"/>
+      </p:ext>
+    </p:extLst>
+  </p:cSld>
+  <p:clrMapOvr>
+    <a:masterClrMapping/>
+  </p:clrMapOvr>
+</p:sld>
+</file>
+
+<file path=ppt/slides/slide11.xml><?xml version="1.0" encoding="utf-8"?>
+<p:sld xmlns:a="http://schemas.openxmlformats.org/drawingml/2006/main" xmlns:r="http://schemas.openxmlformats.org/officeDocument/2006/relationships" xmlns:p="http://schemas.openxmlformats.org/presentationml/2006/main">
+  <p:cSld>
+    <p:spTree>
+      <p:nvGrpSpPr>
+        <p:cNvPr id="1" name=""/>
+        <p:cNvGrpSpPr/>
+        <p:nvPr/>
+      </p:nvGrpSpPr>
+      <p:grpSpPr>
+        <a:xfrm>
+          <a:off x="0" y="0"/>
+          <a:ext cx="0" cy="0"/>
+          <a:chOff x="0" y="0"/>
+          <a:chExt cx="0" cy="0"/>
+        </a:xfrm>
+      </p:grpSpPr>
+      <p:sp>
+        <p:nvSpPr>
           <p:cNvPr id="2" name="Text Placeholder 1"/>
           <p:cNvSpPr>
             <a:spLocks noGrp="1"/>
@@ -8890,7 +9064,7 @@
 </p:sld>
 </file>
 
-<file path=ppt/slides/slide11.xml><?xml version="1.0" encoding="utf-8"?>
+<file path=ppt/slides/slide12.xml><?xml version="1.0" encoding="utf-8"?>
 <p:sld xmlns:a="http://schemas.openxmlformats.org/drawingml/2006/main" xmlns:r="http://schemas.openxmlformats.org/officeDocument/2006/relationships" xmlns:p="http://schemas.openxmlformats.org/presentationml/2006/main">
   <p:cSld>
     <p:spTree>
@@ -10261,7 +10435,7 @@
 </p:sld>
 </file>
 
-<file path=ppt/slides/slide12.xml><?xml version="1.0" encoding="utf-8"?>
+<file path=ppt/slides/slide13.xml><?xml version="1.0" encoding="utf-8"?>
 <p:sld xmlns:a="http://schemas.openxmlformats.org/drawingml/2006/main" xmlns:r="http://schemas.openxmlformats.org/officeDocument/2006/relationships" xmlns:p="http://schemas.openxmlformats.org/presentationml/2006/main">
   <p:cSld>
     <p:spTree>
@@ -10914,7 +11088,7 @@
 </p:sld>
 </file>
 
-<file path=ppt/slides/slide13.xml><?xml version="1.0" encoding="utf-8"?>
+<file path=ppt/slides/slide14.xml><?xml version="1.0" encoding="utf-8"?>
 <p:sld xmlns:a="http://schemas.openxmlformats.org/drawingml/2006/main" xmlns:r="http://schemas.openxmlformats.org/officeDocument/2006/relationships" xmlns:p="http://schemas.openxmlformats.org/presentationml/2006/main">
   <p:cSld>
     <p:spTree>
@@ -10972,7 +11146,7 @@
 </p:sld>
 </file>
 
-<file path=ppt/slides/slide14.xml><?xml version="1.0" encoding="utf-8"?>
+<file path=ppt/slides/slide15.xml><?xml version="1.0" encoding="utf-8"?>
 <p:sld xmlns:a="http://schemas.openxmlformats.org/drawingml/2006/main" xmlns:r="http://schemas.openxmlformats.org/officeDocument/2006/relationships" xmlns:p="http://schemas.openxmlformats.org/presentationml/2006/main">
   <p:cSld>
     <p:spTree>
@@ -11417,7 +11591,7 @@
 </p:sld>
 </file>
 
-<file path=ppt/slides/slide15.xml><?xml version="1.0" encoding="utf-8"?>
+<file path=ppt/slides/slide16.xml><?xml version="1.0" encoding="utf-8"?>
 <p:sld xmlns:a="http://schemas.openxmlformats.org/drawingml/2006/main" xmlns:r="http://schemas.openxmlformats.org/officeDocument/2006/relationships" xmlns:p="http://schemas.openxmlformats.org/presentationml/2006/main">
   <p:cSld>
     <p:spTree>
@@ -11725,7 +11899,7 @@
 </p:sld>
 </file>
 
-<file path=ppt/slides/slide16.xml><?xml version="1.0" encoding="utf-8"?>
+<file path=ppt/slides/slide17.xml><?xml version="1.0" encoding="utf-8"?>
 <p:sld xmlns:a="http://schemas.openxmlformats.org/drawingml/2006/main" xmlns:r="http://schemas.openxmlformats.org/officeDocument/2006/relationships" xmlns:p="http://schemas.openxmlformats.org/presentationml/2006/main">
   <p:cSld>
     <p:spTree>
@@ -12930,7 +13104,7 @@
 </p:sld>
 </file>
 
-<file path=ppt/slides/slide17.xml><?xml version="1.0" encoding="utf-8"?>
+<file path=ppt/slides/slide18.xml><?xml version="1.0" encoding="utf-8"?>
 <p:sld xmlns:a="http://schemas.openxmlformats.org/drawingml/2006/main" xmlns:r="http://schemas.openxmlformats.org/officeDocument/2006/relationships" xmlns:p="http://schemas.openxmlformats.org/presentationml/2006/main">
   <p:cSld>
     <p:spTree>
@@ -16157,7 +16331,7 @@
 </p:sld>
 </file>
 
-<file path=ppt/slides/slide18.xml><?xml version="1.0" encoding="utf-8"?>
+<file path=ppt/slides/slide19.xml><?xml version="1.0" encoding="utf-8"?>
 <p:sld xmlns:a="http://schemas.openxmlformats.org/drawingml/2006/main" xmlns:r="http://schemas.openxmlformats.org/officeDocument/2006/relationships" xmlns:p="http://schemas.openxmlformats.org/presentationml/2006/main">
   <p:cSld>
     <p:spTree>
@@ -16479,7 +16653,208 @@
 </p:sld>
 </file>
 
-<file path=ppt/slides/slide19.xml><?xml version="1.0" encoding="utf-8"?>
+<file path=ppt/slides/slide2.xml><?xml version="1.0" encoding="utf-8"?>
+<p:sld xmlns:a="http://schemas.openxmlformats.org/drawingml/2006/main" xmlns:r="http://schemas.openxmlformats.org/officeDocument/2006/relationships" xmlns:p="http://schemas.openxmlformats.org/presentationml/2006/main">
+  <p:cSld>
+    <p:spTree>
+      <p:nvGrpSpPr>
+        <p:cNvPr id="1" name=""/>
+        <p:cNvGrpSpPr/>
+        <p:nvPr/>
+      </p:nvGrpSpPr>
+      <p:grpSpPr>
+        <a:xfrm>
+          <a:off x="0" y="0"/>
+          <a:ext cx="0" cy="0"/>
+          <a:chOff x="0" y="0"/>
+          <a:chExt cx="0" cy="0"/>
+        </a:xfrm>
+      </p:grpSpPr>
+      <p:sp>
+        <p:nvSpPr>
+          <p:cNvPr id="2" name="Title 1"/>
+          <p:cNvSpPr>
+            <a:spLocks noGrp="1"/>
+          </p:cNvSpPr>
+          <p:nvPr>
+            <p:ph type="title"/>
+          </p:nvPr>
+        </p:nvSpPr>
+        <p:spPr/>
+        <p:txBody>
+          <a:bodyPr/>
+          <a:lstStyle/>
+          <a:p>
+            <a:r>
+              <a:rPr lang="en-US" dirty="0"/>
+              <a:t>Course Outline:</a:t>
+            </a:r>
+          </a:p>
+        </p:txBody>
+      </p:sp>
+      <p:sp>
+        <p:nvSpPr>
+          <p:cNvPr id="3" name="Text Placeholder 2"/>
+          <p:cNvSpPr>
+            <a:spLocks noGrp="1"/>
+          </p:cNvSpPr>
+          <p:nvPr>
+            <p:ph type="body" sz="quarter" idx="13"/>
+          </p:nvPr>
+        </p:nvSpPr>
+        <p:spPr>
+          <a:xfrm>
+            <a:off x="507999" y="1137830"/>
+            <a:ext cx="11176004" cy="5038118"/>
+          </a:xfrm>
+        </p:spPr>
+        <p:txBody>
+          <a:bodyPr>
+            <a:normAutofit fontScale="25000" lnSpcReduction="20000"/>
+          </a:bodyPr>
+          <a:lstStyle/>
+          <a:p>
+            <a:pPr lvl="0"/>
+            <a:r>
+              <a:rPr lang="en-US" sz="8000" dirty="0"/>
+              <a:t>Intro</a:t>
+            </a:r>
+          </a:p>
+          <a:p>
+            <a:pPr lvl="1"/>
+            <a:r>
+              <a:rPr lang="en-US" sz="8000" dirty="0"/>
+              <a:t>Installation; Create-react-app</a:t>
+            </a:r>
+          </a:p>
+          <a:p>
+            <a:pPr lvl="1"/>
+            <a:r>
+              <a:rPr lang="en-US" sz="8000" dirty="0"/>
+              <a:t>Project structure; SPA</a:t>
+            </a:r>
+          </a:p>
+          <a:p>
+            <a:pPr lvl="1"/>
+            <a:r>
+              <a:rPr lang="en-US" sz="8000" dirty="0"/>
+              <a:t>Virtual DOM; One Way data flow; JSX</a:t>
+            </a:r>
+          </a:p>
+          <a:p>
+            <a:pPr lvl="0"/>
+            <a:r>
+              <a:rPr lang="en-US" sz="8000" dirty="0"/>
+              <a:t>Components, Props, and State</a:t>
+            </a:r>
+          </a:p>
+          <a:p>
+            <a:pPr lvl="0"/>
+            <a:r>
+              <a:rPr lang="en-US" sz="8000" dirty="0"/>
+              <a:t>Event Handling, </a:t>
+            </a:r>
+            <a:r>
+              <a:rPr lang="en-US" sz="8000" dirty="0" err="1"/>
+              <a:t>setState</a:t>
+            </a:r>
+            <a:r>
+              <a:rPr lang="en-US" sz="8000" dirty="0"/>
+              <a:t>, Binding and ‘this’, Controlled Component Forms</a:t>
+            </a:r>
+          </a:p>
+          <a:p>
+            <a:pPr lvl="0"/>
+            <a:r>
+              <a:rPr lang="en-US" sz="8000" dirty="0"/>
+              <a:t>React Routing, Component Lifecycle Methods, fetch from live API</a:t>
+            </a:r>
+          </a:p>
+          <a:p>
+            <a:pPr lvl="0"/>
+            <a:r>
+              <a:rPr lang="en-US" sz="8000" dirty="0"/>
+              <a:t>Flux and Redux</a:t>
+            </a:r>
+          </a:p>
+          <a:p>
+            <a:pPr lvl="1"/>
+            <a:r>
+              <a:rPr lang="en-US" sz="8000" dirty="0"/>
+              <a:t>React-redux; React-actions;</a:t>
+            </a:r>
+          </a:p>
+          <a:p>
+            <a:pPr lvl="1"/>
+            <a:r>
+              <a:rPr lang="en-US" sz="8000" dirty="0"/>
+              <a:t>Action Creators; Reducers; Connect; Robust Objects</a:t>
+            </a:r>
+          </a:p>
+          <a:p>
+            <a:pPr lvl="0"/>
+            <a:r>
+              <a:rPr lang="en-US" sz="8000" dirty="0" err="1"/>
+              <a:t>GraphQL</a:t>
+            </a:r>
+            <a:endParaRPr lang="en-US" sz="8000" dirty="0"/>
+          </a:p>
+          <a:p>
+            <a:pPr lvl="1"/>
+            <a:r>
+              <a:rPr lang="en-US" sz="8000" dirty="0"/>
+              <a:t>Writing queries; querying from React</a:t>
+            </a:r>
+          </a:p>
+          <a:p>
+            <a:pPr lvl="0"/>
+            <a:r>
+              <a:rPr lang="en-US" sz="8000" dirty="0"/>
+              <a:t>Testing with Jest</a:t>
+            </a:r>
+          </a:p>
+          <a:p>
+            <a:pPr lvl="1"/>
+            <a:r>
+              <a:rPr lang="en-US" sz="8000" dirty="0"/>
+              <a:t>Snapshot testing</a:t>
+            </a:r>
+          </a:p>
+          <a:p>
+            <a:pPr lvl="1"/>
+            <a:r>
+              <a:rPr lang="en-US" sz="8000" dirty="0" err="1"/>
+              <a:t>Jest.SpyOn</a:t>
+            </a:r>
+            <a:r>
+              <a:rPr lang="en-US" sz="8000" dirty="0"/>
+              <a:t>; </a:t>
+            </a:r>
+            <a:r>
+              <a:rPr lang="en-US" sz="8000" dirty="0" err="1"/>
+              <a:t>mockImplementation</a:t>
+            </a:r>
+            <a:endParaRPr lang="en-US" sz="8000" dirty="0"/>
+          </a:p>
+          <a:p>
+            <a:endParaRPr lang="en-US" dirty="0"/>
+          </a:p>
+        </p:txBody>
+      </p:sp>
+    </p:spTree>
+    <p:extLst>
+      <p:ext uri="{BB962C8B-B14F-4D97-AF65-F5344CB8AC3E}">
+        <p14:creationId xmlns:p14="http://schemas.microsoft.com/office/powerpoint/2010/main" val="1742779824"/>
+      </p:ext>
+    </p:extLst>
+  </p:cSld>
+  <p:clrMapOvr>
+    <a:masterClrMapping/>
+  </p:clrMapOvr>
+</p:sld>
+</file>
+
+<file path=ppt/slides/slide20.xml><?xml version="1.0" encoding="utf-8"?>
 <p:sld xmlns:a="http://schemas.openxmlformats.org/drawingml/2006/main" xmlns:r="http://schemas.openxmlformats.org/officeDocument/2006/relationships" xmlns:p="http://schemas.openxmlformats.org/presentationml/2006/main">
   <p:cSld>
     <p:spTree>
@@ -16749,134 +17124,7 @@
 </p:sld>
 </file>
 
-<file path=ppt/slides/slide2.xml><?xml version="1.0" encoding="utf-8"?>
-<p:sld xmlns:a="http://schemas.openxmlformats.org/drawingml/2006/main" xmlns:r="http://schemas.openxmlformats.org/officeDocument/2006/relationships" xmlns:p="http://schemas.openxmlformats.org/presentationml/2006/main">
-  <p:cSld>
-    <p:spTree>
-      <p:nvGrpSpPr>
-        <p:cNvPr id="1" name=""/>
-        <p:cNvGrpSpPr/>
-        <p:nvPr/>
-      </p:nvGrpSpPr>
-      <p:grpSpPr>
-        <a:xfrm>
-          <a:off x="0" y="0"/>
-          <a:ext cx="0" cy="0"/>
-          <a:chOff x="0" y="0"/>
-          <a:chExt cx="0" cy="0"/>
-        </a:xfrm>
-      </p:grpSpPr>
-      <p:sp>
-        <p:nvSpPr>
-          <p:cNvPr id="2" name="Title 1"/>
-          <p:cNvSpPr>
-            <a:spLocks noGrp="1"/>
-          </p:cNvSpPr>
-          <p:nvPr>
-            <p:ph type="title"/>
-          </p:nvPr>
-        </p:nvSpPr>
-        <p:spPr/>
-        <p:txBody>
-          <a:bodyPr/>
-          <a:lstStyle/>
-          <a:p>
-            <a:r>
-              <a:rPr lang="en-US" dirty="0"/>
-              <a:t>Course Objective:</a:t>
-            </a:r>
-          </a:p>
-        </p:txBody>
-      </p:sp>
-      <p:sp>
-        <p:nvSpPr>
-          <p:cNvPr id="3" name="Text Placeholder 2"/>
-          <p:cNvSpPr>
-            <a:spLocks noGrp="1"/>
-          </p:cNvSpPr>
-          <p:nvPr>
-            <p:ph type="body" sz="quarter" idx="13"/>
-          </p:nvPr>
-        </p:nvSpPr>
-        <p:spPr>
-          <a:xfrm>
-            <a:off x="507999" y="1137830"/>
-            <a:ext cx="11176004" cy="3638451"/>
-          </a:xfrm>
-        </p:spPr>
-        <p:txBody>
-          <a:bodyPr>
-            <a:normAutofit/>
-          </a:bodyPr>
-          <a:lstStyle/>
-          <a:p>
-            <a:r>
-              <a:rPr lang="en-US" sz="2400" dirty="0"/>
-              <a:t>At the end this 45 min session, you will be able to</a:t>
-            </a:r>
-          </a:p>
-          <a:p>
-            <a:endParaRPr lang="en-US" sz="2400" dirty="0"/>
-          </a:p>
-          <a:p>
-            <a:pPr marL="609585" indent="-609585">
-              <a:buFont typeface="Wingdings" panose="05000000000000000000" pitchFamily="2" charset="2"/>
-              <a:buChar char="Ø"/>
-            </a:pPr>
-            <a:r>
-              <a:rPr lang="en-US" sz="2400" dirty="0"/>
-              <a:t>Demonstrate Installation  and configuration of  ReactJS</a:t>
-            </a:r>
-          </a:p>
-          <a:p>
-            <a:pPr marL="609585" indent="-609585">
-              <a:buFont typeface="Wingdings" panose="05000000000000000000" pitchFamily="2" charset="2"/>
-              <a:buChar char="Ø"/>
-            </a:pPr>
-            <a:r>
-              <a:rPr lang="en-US" sz="2400" dirty="0"/>
-              <a:t>Create a React app using create-react-app command</a:t>
-            </a:r>
-          </a:p>
-          <a:p>
-            <a:pPr marL="609585" indent="-609585">
-              <a:buFont typeface="Wingdings" panose="05000000000000000000" pitchFamily="2" charset="2"/>
-              <a:buChar char="Ø"/>
-            </a:pPr>
-            <a:r>
-              <a:rPr lang="en-US" sz="2400" dirty="0"/>
-              <a:t>Summarize the basic structure of a React app</a:t>
-            </a:r>
-          </a:p>
-          <a:p>
-            <a:pPr marL="609585" indent="-609585">
-              <a:buFont typeface="Wingdings" panose="05000000000000000000" pitchFamily="2" charset="2"/>
-              <a:buChar char="Ø"/>
-            </a:pPr>
-            <a:r>
-              <a:rPr lang="en-US" sz="2400" dirty="0"/>
-              <a:t>Summarize the features of React</a:t>
-            </a:r>
-          </a:p>
-          <a:p>
-            <a:endParaRPr lang="en-US" dirty="0"/>
-          </a:p>
-        </p:txBody>
-      </p:sp>
-    </p:spTree>
-    <p:extLst>
-      <p:ext uri="{BB962C8B-B14F-4D97-AF65-F5344CB8AC3E}">
-        <p14:creationId xmlns:p14="http://schemas.microsoft.com/office/powerpoint/2010/main" val="252395893"/>
-      </p:ext>
-    </p:extLst>
-  </p:cSld>
-  <p:clrMapOvr>
-    <a:masterClrMapping/>
-  </p:clrMapOvr>
-</p:sld>
-</file>
-
-<file path=ppt/slides/slide20.xml><?xml version="1.0" encoding="utf-8"?>
+<file path=ppt/slides/slide21.xml><?xml version="1.0" encoding="utf-8"?>
 <p:sld xmlns:a="http://schemas.openxmlformats.org/drawingml/2006/main" xmlns:r="http://schemas.openxmlformats.org/officeDocument/2006/relationships" xmlns:p="http://schemas.openxmlformats.org/presentationml/2006/main">
   <p:cSld>
     <p:spTree>
@@ -17058,315 +17306,6 @@
 </p:sld>
 </file>
 
-<file path=ppt/slides/slide21.xml><?xml version="1.0" encoding="utf-8"?>
-<p:sld xmlns:a="http://schemas.openxmlformats.org/drawingml/2006/main" xmlns:r="http://schemas.openxmlformats.org/officeDocument/2006/relationships" xmlns:p="http://schemas.openxmlformats.org/presentationml/2006/main">
-  <p:cSld>
-    <p:spTree>
-      <p:nvGrpSpPr>
-        <p:cNvPr id="1" name=""/>
-        <p:cNvGrpSpPr/>
-        <p:nvPr/>
-      </p:nvGrpSpPr>
-      <p:grpSpPr>
-        <a:xfrm>
-          <a:off x="0" y="0"/>
-          <a:ext cx="0" cy="0"/>
-          <a:chOff x="0" y="0"/>
-          <a:chExt cx="0" cy="0"/>
-        </a:xfrm>
-      </p:grpSpPr>
-      <p:sp>
-        <p:nvSpPr>
-          <p:cNvPr id="4" name="Title 6"/>
-          <p:cNvSpPr>
-            <a:spLocks noGrp="1"/>
-          </p:cNvSpPr>
-          <p:nvPr>
-            <p:ph type="title"/>
-          </p:nvPr>
-        </p:nvSpPr>
-        <p:spPr>
-          <a:xfrm>
-            <a:off x="512064" y="365760"/>
-            <a:ext cx="11180064" cy="1060704"/>
-          </a:xfrm>
-        </p:spPr>
-        <p:txBody>
-          <a:bodyPr/>
-          <a:lstStyle/>
-          <a:p>
-            <a:r>
-              <a:rPr lang="en-IN" dirty="0"/>
-              <a:t>How does JSX benefit ?</a:t>
-            </a:r>
-            <a:endParaRPr lang="en-US" dirty="0"/>
-          </a:p>
-        </p:txBody>
-      </p:sp>
-      <p:sp>
-        <p:nvSpPr>
-          <p:cNvPr id="5" name="Content Placeholder 7"/>
-          <p:cNvSpPr txBox="1">
-            <a:spLocks/>
-          </p:cNvSpPr>
-          <p:nvPr/>
-        </p:nvSpPr>
-        <p:spPr>
-          <a:xfrm>
-            <a:off x="512064" y="1682496"/>
-            <a:ext cx="11180064" cy="3575304"/>
-          </a:xfrm>
-          <a:prstGeom prst="rect">
-            <a:avLst/>
-          </a:prstGeom>
-        </p:spPr>
-        <p:txBody>
-          <a:bodyPr>
-            <a:normAutofit/>
-          </a:bodyPr>
-          <a:lstStyle>
-            <a:lvl1pPr marL="342900" indent="-342900" algn="l" defTabSz="457200" rtl="0" eaLnBrk="1" latinLnBrk="0" hangingPunct="1">
-              <a:spcBef>
-                <a:spcPct val="20000"/>
-              </a:spcBef>
-              <a:buFont typeface="Arial"/>
-              <a:buChar char="•"/>
-              <a:defRPr sz="3200" kern="1200">
-                <a:solidFill>
-                  <a:schemeClr val="tx1"/>
-                </a:solidFill>
-                <a:latin typeface="+mn-lt"/>
-                <a:ea typeface="+mn-ea"/>
-                <a:cs typeface="+mn-cs"/>
-              </a:defRPr>
-            </a:lvl1pPr>
-            <a:lvl2pPr marL="742950" indent="-285750" algn="l" defTabSz="457200" rtl="0" eaLnBrk="1" latinLnBrk="0" hangingPunct="1">
-              <a:spcBef>
-                <a:spcPct val="20000"/>
-              </a:spcBef>
-              <a:buFont typeface="Arial"/>
-              <a:buChar char="–"/>
-              <a:defRPr sz="2800" kern="1200">
-                <a:solidFill>
-                  <a:schemeClr val="tx1"/>
-                </a:solidFill>
-                <a:latin typeface="+mn-lt"/>
-                <a:ea typeface="+mn-ea"/>
-                <a:cs typeface="+mn-cs"/>
-              </a:defRPr>
-            </a:lvl2pPr>
-            <a:lvl3pPr marL="1143000" indent="-228600" algn="l" defTabSz="457200" rtl="0" eaLnBrk="1" latinLnBrk="0" hangingPunct="1">
-              <a:spcBef>
-                <a:spcPct val="20000"/>
-              </a:spcBef>
-              <a:buFont typeface="Arial"/>
-              <a:buChar char="•"/>
-              <a:defRPr sz="2400" kern="1200">
-                <a:solidFill>
-                  <a:schemeClr val="tx1"/>
-                </a:solidFill>
-                <a:latin typeface="+mn-lt"/>
-                <a:ea typeface="+mn-ea"/>
-                <a:cs typeface="+mn-cs"/>
-              </a:defRPr>
-            </a:lvl3pPr>
-            <a:lvl4pPr marL="1600200" indent="-228600" algn="l" defTabSz="457200" rtl="0" eaLnBrk="1" latinLnBrk="0" hangingPunct="1">
-              <a:spcBef>
-                <a:spcPct val="20000"/>
-              </a:spcBef>
-              <a:buFont typeface="Arial"/>
-              <a:buChar char="–"/>
-              <a:defRPr sz="2000" kern="1200">
-                <a:solidFill>
-                  <a:schemeClr val="tx1"/>
-                </a:solidFill>
-                <a:latin typeface="+mn-lt"/>
-                <a:ea typeface="+mn-ea"/>
-                <a:cs typeface="+mn-cs"/>
-              </a:defRPr>
-            </a:lvl4pPr>
-            <a:lvl5pPr marL="2057400" indent="-228600" algn="l" defTabSz="457200" rtl="0" eaLnBrk="1" latinLnBrk="0" hangingPunct="1">
-              <a:spcBef>
-                <a:spcPct val="20000"/>
-              </a:spcBef>
-              <a:buFont typeface="Arial"/>
-              <a:buChar char="»"/>
-              <a:defRPr sz="2000" kern="1200">
-                <a:solidFill>
-                  <a:schemeClr val="tx1"/>
-                </a:solidFill>
-                <a:latin typeface="+mn-lt"/>
-                <a:ea typeface="+mn-ea"/>
-                <a:cs typeface="+mn-cs"/>
-              </a:defRPr>
-            </a:lvl5pPr>
-            <a:lvl6pPr marL="2514600" indent="-228600" algn="l" defTabSz="457200" rtl="0" eaLnBrk="1" latinLnBrk="0" hangingPunct="1">
-              <a:spcBef>
-                <a:spcPct val="20000"/>
-              </a:spcBef>
-              <a:buFont typeface="Arial"/>
-              <a:buChar char="•"/>
-              <a:defRPr sz="2000" kern="1200">
-                <a:solidFill>
-                  <a:schemeClr val="tx1"/>
-                </a:solidFill>
-                <a:latin typeface="+mn-lt"/>
-                <a:ea typeface="+mn-ea"/>
-                <a:cs typeface="+mn-cs"/>
-              </a:defRPr>
-            </a:lvl6pPr>
-            <a:lvl7pPr marL="2971800" indent="-228600" algn="l" defTabSz="457200" rtl="0" eaLnBrk="1" latinLnBrk="0" hangingPunct="1">
-              <a:spcBef>
-                <a:spcPct val="20000"/>
-              </a:spcBef>
-              <a:buFont typeface="Arial"/>
-              <a:buChar char="•"/>
-              <a:defRPr sz="2000" kern="1200">
-                <a:solidFill>
-                  <a:schemeClr val="tx1"/>
-                </a:solidFill>
-                <a:latin typeface="+mn-lt"/>
-                <a:ea typeface="+mn-ea"/>
-                <a:cs typeface="+mn-cs"/>
-              </a:defRPr>
-            </a:lvl7pPr>
-            <a:lvl8pPr marL="3429000" indent="-228600" algn="l" defTabSz="457200" rtl="0" eaLnBrk="1" latinLnBrk="0" hangingPunct="1">
-              <a:spcBef>
-                <a:spcPct val="20000"/>
-              </a:spcBef>
-              <a:buFont typeface="Arial"/>
-              <a:buChar char="•"/>
-              <a:defRPr sz="2000" kern="1200">
-                <a:solidFill>
-                  <a:schemeClr val="tx1"/>
-                </a:solidFill>
-                <a:latin typeface="+mn-lt"/>
-                <a:ea typeface="+mn-ea"/>
-                <a:cs typeface="+mn-cs"/>
-              </a:defRPr>
-            </a:lvl8pPr>
-            <a:lvl9pPr marL="3886200" indent="-228600" algn="l" defTabSz="457200" rtl="0" eaLnBrk="1" latinLnBrk="0" hangingPunct="1">
-              <a:spcBef>
-                <a:spcPct val="20000"/>
-              </a:spcBef>
-              <a:buFont typeface="Arial"/>
-              <a:buChar char="•"/>
-              <a:defRPr sz="2000" kern="1200">
-                <a:solidFill>
-                  <a:schemeClr val="tx1"/>
-                </a:solidFill>
-                <a:latin typeface="+mn-lt"/>
-                <a:ea typeface="+mn-ea"/>
-                <a:cs typeface="+mn-cs"/>
-              </a:defRPr>
-            </a:lvl9pPr>
-          </a:lstStyle>
-          <a:p>
-            <a:pPr fontAlgn="base">
-              <a:buFont typeface="Arial" panose="020B0604020202020204" pitchFamily="34" charset="0"/>
-              <a:buChar char="•"/>
-            </a:pPr>
-            <a:r>
-              <a:rPr lang="en-US" sz="2133" dirty="0">
-                <a:solidFill>
-                  <a:srgbClr val="C4E3B0"/>
-                </a:solidFill>
-              </a:rPr>
-              <a:t>It is faster than normal JavaScript as it performs optimizations while translating to regular JavaScript.</a:t>
-            </a:r>
-          </a:p>
-          <a:p>
-            <a:pPr fontAlgn="base">
-              <a:buFont typeface="Arial" panose="020B0604020202020204" pitchFamily="34" charset="0"/>
-              <a:buChar char="•"/>
-            </a:pPr>
-            <a:endParaRPr lang="en-US" sz="2133" dirty="0">
-              <a:solidFill>
-                <a:srgbClr val="C4E3B0"/>
-              </a:solidFill>
-            </a:endParaRPr>
-          </a:p>
-          <a:p>
-            <a:pPr fontAlgn="base">
-              <a:buFont typeface="Arial" panose="020B0604020202020204" pitchFamily="34" charset="0"/>
-              <a:buChar char="•"/>
-            </a:pPr>
-            <a:r>
-              <a:rPr lang="en-US" sz="2133" dirty="0">
-                <a:solidFill>
-                  <a:srgbClr val="C4E3B0"/>
-                </a:solidFill>
-              </a:rPr>
-              <a:t>It makes easier for us to create templates.</a:t>
-            </a:r>
-          </a:p>
-          <a:p>
-            <a:pPr fontAlgn="base">
-              <a:buFont typeface="Arial" panose="020B0604020202020204" pitchFamily="34" charset="0"/>
-              <a:buChar char="•"/>
-            </a:pPr>
-            <a:endParaRPr lang="en-US" sz="2133" dirty="0">
-              <a:solidFill>
-                <a:srgbClr val="C4E3B0"/>
-              </a:solidFill>
-            </a:endParaRPr>
-          </a:p>
-          <a:p>
-            <a:pPr fontAlgn="base">
-              <a:buFont typeface="Arial" panose="020B0604020202020204" pitchFamily="34" charset="0"/>
-              <a:buChar char="•"/>
-            </a:pPr>
-            <a:r>
-              <a:rPr lang="en-US" sz="2133" dirty="0">
-                <a:solidFill>
-                  <a:srgbClr val="C4E3B0"/>
-                </a:solidFill>
-              </a:rPr>
-              <a:t>Instead of separating the markup and logic in separated files, React uses </a:t>
-            </a:r>
-            <a:r>
-              <a:rPr lang="en-US" sz="2133" i="1" dirty="0">
-                <a:solidFill>
-                  <a:srgbClr val="C4E3B0"/>
-                </a:solidFill>
-              </a:rPr>
-              <a:t>components</a:t>
-            </a:r>
-            <a:r>
-              <a:rPr lang="en-US" sz="2133" dirty="0">
-                <a:solidFill>
-                  <a:srgbClr val="C4E3B0"/>
-                </a:solidFill>
-              </a:rPr>
-              <a:t> for this purpose. We will learn about components in details in further articles.</a:t>
-            </a:r>
-          </a:p>
-          <a:p>
-            <a:pPr marL="380990" indent="-380990">
-              <a:buFont typeface="Arial" panose="020B0604020202020204" pitchFamily="34" charset="0"/>
-              <a:buChar char="•"/>
-            </a:pPr>
-            <a:endParaRPr lang="en-US" sz="2133" dirty="0">
-              <a:solidFill>
-                <a:srgbClr val="C4E3B0"/>
-              </a:solidFill>
-            </a:endParaRPr>
-          </a:p>
-        </p:txBody>
-      </p:sp>
-    </p:spTree>
-    <p:extLst>
-      <p:ext uri="{BB962C8B-B14F-4D97-AF65-F5344CB8AC3E}">
-        <p14:creationId xmlns:p14="http://schemas.microsoft.com/office/powerpoint/2010/main" val="1347809589"/>
-      </p:ext>
-    </p:extLst>
-  </p:cSld>
-  <p:clrMapOvr>
-    <a:masterClrMapping/>
-  </p:clrMapOvr>
-</p:sld>
-</file>
-
 <file path=ppt/slides/slide22.xml><?xml version="1.0" encoding="utf-8"?>
 <p:sld xmlns:a="http://schemas.openxmlformats.org/drawingml/2006/main" xmlns:r="http://schemas.openxmlformats.org/officeDocument/2006/relationships" xmlns:p="http://schemas.openxmlformats.org/presentationml/2006/main">
   <p:cSld>
@@ -17386,7 +17325,35 @@
       </p:grpSpPr>
       <p:sp>
         <p:nvSpPr>
-          <p:cNvPr id="5" name="Content Placeholder 2"/>
+          <p:cNvPr id="4" name="Title 6"/>
+          <p:cNvSpPr>
+            <a:spLocks noGrp="1"/>
+          </p:cNvSpPr>
+          <p:nvPr>
+            <p:ph type="title"/>
+          </p:nvPr>
+        </p:nvSpPr>
+        <p:spPr>
+          <a:xfrm>
+            <a:off x="512064" y="365760"/>
+            <a:ext cx="11180064" cy="1060704"/>
+          </a:xfrm>
+        </p:spPr>
+        <p:txBody>
+          <a:bodyPr/>
+          <a:lstStyle/>
+          <a:p>
+            <a:r>
+              <a:rPr lang="en-IN" dirty="0"/>
+              <a:t>How does JSX benefit ?</a:t>
+            </a:r>
+            <a:endParaRPr lang="en-US" dirty="0"/>
+          </a:p>
+        </p:txBody>
+      </p:sp>
+      <p:sp>
+        <p:nvSpPr>
+          <p:cNvPr id="5" name="Content Placeholder 7"/>
           <p:cNvSpPr txBox="1">
             <a:spLocks/>
           </p:cNvSpPr>
@@ -17394,13 +17361,16 @@
         </p:nvSpPr>
         <p:spPr>
           <a:xfrm>
-            <a:off x="512064" y="1513490"/>
-            <a:ext cx="6074419" cy="4594703"/>
-          </a:xfrm>
+            <a:off x="512064" y="1682496"/>
+            <a:ext cx="11180064" cy="3575304"/>
+          </a:xfrm>
+          <a:prstGeom prst="rect">
+            <a:avLst/>
+          </a:prstGeom>
         </p:spPr>
         <p:txBody>
           <a:bodyPr>
-            <a:noAutofit/>
+            <a:normAutofit/>
           </a:bodyPr>
           <a:lstStyle>
             <a:lvl1pPr marL="342900" indent="-342900" algn="l" defTabSz="457200" rtl="0" eaLnBrk="1" latinLnBrk="0" hangingPunct="1">
@@ -17540,49 +17510,24 @@
             </a:lvl9pPr>
           </a:lstStyle>
           <a:p>
+            <a:pPr fontAlgn="base">
+              <a:buFont typeface="Arial" panose="020B0604020202020204" pitchFamily="34" charset="0"/>
+              <a:buChar char="•"/>
+            </a:pPr>
             <a:r>
               <a:rPr lang="en-US" sz="2133" dirty="0">
                 <a:solidFill>
                   <a:srgbClr val="C4E3B0"/>
                 </a:solidFill>
               </a:rPr>
-              <a:t>React apps are organized as a series of nested components. These components are functional in nature: that is, they receive information through arguments (the  </a:t>
-            </a:r>
-            <a:r>
-              <a:rPr lang="en-US" sz="2133" i="1" dirty="0">
-                <a:solidFill>
-                  <a:srgbClr val="C4E3B0"/>
-                </a:solidFill>
-              </a:rPr>
-              <a:t>props</a:t>
-            </a:r>
-            <a:r>
-              <a:rPr lang="en-US" sz="2133" dirty="0">
-                <a:solidFill>
-                  <a:srgbClr val="C4E3B0"/>
-                </a:solidFill>
-              </a:rPr>
-              <a:t>) and pass information via their return values (the return value of the  </a:t>
-            </a:r>
-            <a:r>
-              <a:rPr lang="en-US" sz="2133" i="1" dirty="0">
-                <a:solidFill>
-                  <a:srgbClr val="C4E3B0"/>
-                </a:solidFill>
-              </a:rPr>
-              <a:t>render</a:t>
-            </a:r>
-            <a:r>
-              <a:rPr lang="en-US" sz="2133" dirty="0">
-                <a:solidFill>
-                  <a:srgbClr val="C4E3B0"/>
-                </a:solidFill>
-              </a:rPr>
-              <a:t>  function). </a:t>
-            </a:r>
-          </a:p>
-          <a:p>
-            <a:pPr algn="just"/>
+              <a:t>It is faster than normal JavaScript as it performs optimizations while translating to regular JavaScript.</a:t>
+            </a:r>
+          </a:p>
+          <a:p>
+            <a:pPr fontAlgn="base">
+              <a:buFont typeface="Arial" panose="020B0604020202020204" pitchFamily="34" charset="0"/>
+              <a:buChar char="•"/>
+            </a:pPr>
             <a:endParaRPr lang="en-US" sz="2133" dirty="0">
               <a:solidFill>
                 <a:srgbClr val="C4E3B0"/>
@@ -17590,18 +17535,24 @@
             </a:endParaRPr>
           </a:p>
           <a:p>
-            <a:pPr algn="just"/>
+            <a:pPr fontAlgn="base">
+              <a:buFont typeface="Arial" panose="020B0604020202020204" pitchFamily="34" charset="0"/>
+              <a:buChar char="•"/>
+            </a:pPr>
             <a:r>
               <a:rPr lang="en-US" sz="2133" dirty="0">
                 <a:solidFill>
                   <a:srgbClr val="C4E3B0"/>
                 </a:solidFill>
               </a:rPr>
-              <a:t>This is called unidirectional data flow. </a:t>
-            </a:r>
-          </a:p>
-          <a:p>
-            <a:pPr algn="just"/>
+              <a:t>It makes easier for us to create templates.</a:t>
+            </a:r>
+          </a:p>
+          <a:p>
+            <a:pPr fontAlgn="base">
+              <a:buFont typeface="Arial" panose="020B0604020202020204" pitchFamily="34" charset="0"/>
+              <a:buChar char="•"/>
+            </a:pPr>
             <a:endParaRPr lang="en-US" sz="2133" dirty="0">
               <a:solidFill>
                 <a:srgbClr val="C4E3B0"/>
@@ -17609,27 +17560,40 @@
             </a:endParaRPr>
           </a:p>
           <a:p>
-            <a:pPr algn="just"/>
+            <a:pPr fontAlgn="base">
+              <a:buFont typeface="Arial" panose="020B0604020202020204" pitchFamily="34" charset="0"/>
+              <a:buChar char="•"/>
+            </a:pPr>
             <a:r>
               <a:rPr lang="en-US" sz="2133" dirty="0">
                 <a:solidFill>
                   <a:srgbClr val="C4E3B0"/>
                 </a:solidFill>
               </a:rPr>
-              <a:t>Data is passed down from components to their children via props.</a:t>
-            </a:r>
-          </a:p>
-          <a:p>
-            <a:pPr marL="0" indent="0">
-              <a:buNone/>
+              <a:t>Instead of separating the markup and logic in separated files, React uses </a:t>
+            </a:r>
+            <a:r>
+              <a:rPr lang="en-US" sz="2133" i="1" dirty="0">
+                <a:solidFill>
+                  <a:srgbClr val="C4E3B0"/>
+                </a:solidFill>
+              </a:rPr>
+              <a:t>components</a:t>
+            </a:r>
+            <a:r>
+              <a:rPr lang="en-US" sz="2133" dirty="0">
+                <a:solidFill>
+                  <a:srgbClr val="C4E3B0"/>
+                </a:solidFill>
+              </a:rPr>
+              <a:t> for this purpose. We will learn about components in details in further articles.</a:t>
+            </a:r>
+          </a:p>
+          <a:p>
+            <a:pPr marL="380990" indent="-380990">
+              <a:buFont typeface="Arial" panose="020B0604020202020204" pitchFamily="34" charset="0"/>
+              <a:buChar char="•"/>
             </a:pPr>
-            <a:br>
-              <a:rPr lang="en-US" sz="2133" dirty="0">
-                <a:solidFill>
-                  <a:srgbClr val="C4E3B0"/>
-                </a:solidFill>
-              </a:rPr>
-            </a:br>
             <a:endParaRPr lang="en-US" sz="2133" dirty="0">
               <a:solidFill>
                 <a:srgbClr val="C4E3B0"/>
@@ -17638,457 +17602,10 @@
           </a:p>
         </p:txBody>
       </p:sp>
-      <p:sp>
-        <p:nvSpPr>
-          <p:cNvPr id="7" name="Title 1"/>
-          <p:cNvSpPr txBox="1">
-            <a:spLocks/>
-          </p:cNvSpPr>
-          <p:nvPr/>
-        </p:nvSpPr>
-        <p:spPr>
-          <a:xfrm>
-            <a:off x="512064" y="365760"/>
-            <a:ext cx="11180064" cy="1060704"/>
-          </a:xfrm>
-          <a:prstGeom prst="rect">
-            <a:avLst/>
-          </a:prstGeom>
-        </p:spPr>
-        <p:txBody>
-          <a:bodyPr/>
-          <a:lstStyle>
-            <a:lvl1pPr algn="l" defTabSz="457200" rtl="0" eaLnBrk="1" latinLnBrk="0" hangingPunct="1">
-              <a:spcBef>
-                <a:spcPct val="0"/>
-              </a:spcBef>
-              <a:buNone/>
-              <a:defRPr sz="2000" b="1" kern="1200" baseline="0">
-                <a:solidFill>
-                  <a:schemeClr val="bg1"/>
-                </a:solidFill>
-                <a:latin typeface="+mj-lt"/>
-                <a:ea typeface="+mj-ea"/>
-                <a:cs typeface="+mj-cs"/>
-              </a:defRPr>
-            </a:lvl1pPr>
-          </a:lstStyle>
-          <a:p>
-            <a:r>
-              <a:rPr lang="en-IN" sz="2667" dirty="0"/>
-              <a:t>One way data binding</a:t>
-            </a:r>
-            <a:endParaRPr lang="en-US" sz="2667" dirty="0"/>
-          </a:p>
-        </p:txBody>
-      </p:sp>
-      <p:sp>
-        <p:nvSpPr>
-          <p:cNvPr id="2" name="Oval 1">
-            <a:extLst>
-              <a:ext uri="{FF2B5EF4-FFF2-40B4-BE49-F238E27FC236}">
-                <a16:creationId xmlns:a16="http://schemas.microsoft.com/office/drawing/2014/main" id="{02878E61-EC24-5149-856F-078D50E6EC2A}"/>
-              </a:ext>
-            </a:extLst>
-          </p:cNvPr>
-          <p:cNvSpPr/>
-          <p:nvPr/>
-        </p:nvSpPr>
-        <p:spPr>
-          <a:xfrm>
-            <a:off x="8636000" y="1295400"/>
-            <a:ext cx="1930400" cy="1930400"/>
-          </a:xfrm>
-          <a:prstGeom prst="ellipse">
-            <a:avLst/>
-          </a:prstGeom>
-          <a:solidFill>
-            <a:srgbClr val="FF5757"/>
-          </a:solidFill>
-          <a:ln>
-            <a:noFill/>
-          </a:ln>
-          <a:effectLst/>
-        </p:spPr>
-        <p:style>
-          <a:lnRef idx="1">
-            <a:schemeClr val="accent1"/>
-          </a:lnRef>
-          <a:fillRef idx="3">
-            <a:schemeClr val="accent1"/>
-          </a:fillRef>
-          <a:effectRef idx="2">
-            <a:schemeClr val="accent1"/>
-          </a:effectRef>
-          <a:fontRef idx="minor">
-            <a:schemeClr val="lt1"/>
-          </a:fontRef>
-        </p:style>
-        <p:txBody>
-          <a:bodyPr rtlCol="0" anchor="ctr"/>
-          <a:lstStyle/>
-          <a:p>
-            <a:pPr algn="ctr"/>
-            <a:endParaRPr lang="en-US" sz="2400"/>
-          </a:p>
-        </p:txBody>
-      </p:sp>
-      <p:sp>
-        <p:nvSpPr>
-          <p:cNvPr id="8" name="Oval 7">
-            <a:extLst>
-              <a:ext uri="{FF2B5EF4-FFF2-40B4-BE49-F238E27FC236}">
-                <a16:creationId xmlns:a16="http://schemas.microsoft.com/office/drawing/2014/main" id="{2341F12F-7A3D-CC4E-8C3D-7B202C2209E8}"/>
-              </a:ext>
-            </a:extLst>
-          </p:cNvPr>
-          <p:cNvSpPr/>
-          <p:nvPr/>
-        </p:nvSpPr>
-        <p:spPr>
-          <a:xfrm>
-            <a:off x="8636000" y="4100789"/>
-            <a:ext cx="1930400" cy="1930400"/>
-          </a:xfrm>
-          <a:prstGeom prst="ellipse">
-            <a:avLst/>
-          </a:prstGeom>
-          <a:solidFill>
-            <a:schemeClr val="accent5">
-              <a:lumMod val="60000"/>
-              <a:lumOff val="40000"/>
-            </a:schemeClr>
-          </a:solidFill>
-          <a:ln>
-            <a:noFill/>
-          </a:ln>
-          <a:effectLst/>
-        </p:spPr>
-        <p:style>
-          <a:lnRef idx="1">
-            <a:schemeClr val="accent1"/>
-          </a:lnRef>
-          <a:fillRef idx="3">
-            <a:schemeClr val="accent1"/>
-          </a:fillRef>
-          <a:effectRef idx="2">
-            <a:schemeClr val="accent1"/>
-          </a:effectRef>
-          <a:fontRef idx="minor">
-            <a:schemeClr val="lt1"/>
-          </a:fontRef>
-        </p:style>
-        <p:txBody>
-          <a:bodyPr rtlCol="0" anchor="ctr"/>
-          <a:lstStyle/>
-          <a:p>
-            <a:pPr algn="ctr"/>
-            <a:endParaRPr lang="en-US" sz="2400"/>
-          </a:p>
-        </p:txBody>
-      </p:sp>
-      <p:sp>
-        <p:nvSpPr>
-          <p:cNvPr id="10" name="Circular Arrow 9">
-            <a:extLst>
-              <a:ext uri="{FF2B5EF4-FFF2-40B4-BE49-F238E27FC236}">
-                <a16:creationId xmlns:a16="http://schemas.microsoft.com/office/drawing/2014/main" id="{59F11EC4-7545-BC4E-B7C2-58FE0F7DAB8C}"/>
-              </a:ext>
-            </a:extLst>
-          </p:cNvPr>
-          <p:cNvSpPr/>
-          <p:nvPr/>
-        </p:nvSpPr>
-        <p:spPr>
-          <a:xfrm rot="5400000">
-            <a:off x="9338843" y="2746540"/>
-            <a:ext cx="2189372" cy="1676400"/>
-          </a:xfrm>
-          <a:prstGeom prst="circularArrow">
-            <a:avLst>
-              <a:gd name="adj1" fmla="val 5486"/>
-              <a:gd name="adj2" fmla="val 898254"/>
-              <a:gd name="adj3" fmla="val 20501761"/>
-              <a:gd name="adj4" fmla="val 11337777"/>
-              <a:gd name="adj5" fmla="val 14496"/>
-            </a:avLst>
-          </a:prstGeom>
-          <a:solidFill>
-            <a:schemeClr val="bg1">
-              <a:lumMod val="85000"/>
-            </a:schemeClr>
-          </a:solidFill>
-          <a:ln>
-            <a:noFill/>
-          </a:ln>
-          <a:effectLst/>
-        </p:spPr>
-        <p:style>
-          <a:lnRef idx="1">
-            <a:schemeClr val="accent1"/>
-          </a:lnRef>
-          <a:fillRef idx="3">
-            <a:schemeClr val="accent1"/>
-          </a:fillRef>
-          <a:effectRef idx="2">
-            <a:schemeClr val="accent1"/>
-          </a:effectRef>
-          <a:fontRef idx="minor">
-            <a:schemeClr val="lt1"/>
-          </a:fontRef>
-        </p:style>
-        <p:txBody>
-          <a:bodyPr rtlCol="0" anchor="ctr"/>
-          <a:lstStyle/>
-          <a:p>
-            <a:pPr algn="ctr"/>
-            <a:endParaRPr lang="en-US" sz="2400">
-              <a:solidFill>
-                <a:schemeClr val="tx1"/>
-              </a:solidFill>
-            </a:endParaRPr>
-          </a:p>
-        </p:txBody>
-      </p:sp>
-      <p:sp>
-        <p:nvSpPr>
-          <p:cNvPr id="11" name="Circular Arrow 10">
-            <a:extLst>
-              <a:ext uri="{FF2B5EF4-FFF2-40B4-BE49-F238E27FC236}">
-                <a16:creationId xmlns:a16="http://schemas.microsoft.com/office/drawing/2014/main" id="{5CBE4D87-7711-D642-9637-A34970708A86}"/>
-              </a:ext>
-            </a:extLst>
-          </p:cNvPr>
-          <p:cNvSpPr/>
-          <p:nvPr/>
-        </p:nvSpPr>
-        <p:spPr>
-          <a:xfrm rot="16200000">
-            <a:off x="7674184" y="2777772"/>
-            <a:ext cx="2189373" cy="1676400"/>
-          </a:xfrm>
-          <a:prstGeom prst="circularArrow">
-            <a:avLst>
-              <a:gd name="adj1" fmla="val 5486"/>
-              <a:gd name="adj2" fmla="val 898254"/>
-              <a:gd name="adj3" fmla="val 20501761"/>
-              <a:gd name="adj4" fmla="val 11337777"/>
-              <a:gd name="adj5" fmla="val 14496"/>
-            </a:avLst>
-          </a:prstGeom>
-          <a:solidFill>
-            <a:schemeClr val="bg1">
-              <a:lumMod val="85000"/>
-            </a:schemeClr>
-          </a:solidFill>
-          <a:ln>
-            <a:noFill/>
-          </a:ln>
-          <a:effectLst/>
-        </p:spPr>
-        <p:style>
-          <a:lnRef idx="1">
-            <a:schemeClr val="accent1"/>
-          </a:lnRef>
-          <a:fillRef idx="3">
-            <a:schemeClr val="accent1"/>
-          </a:fillRef>
-          <a:effectRef idx="2">
-            <a:schemeClr val="accent1"/>
-          </a:effectRef>
-          <a:fontRef idx="minor">
-            <a:schemeClr val="lt1"/>
-          </a:fontRef>
-        </p:style>
-        <p:txBody>
-          <a:bodyPr rtlCol="0" anchor="ctr"/>
-          <a:lstStyle/>
-          <a:p>
-            <a:pPr algn="ctr"/>
-            <a:endParaRPr lang="en-US" sz="2400">
-              <a:solidFill>
-                <a:schemeClr val="tx1"/>
-              </a:solidFill>
-            </a:endParaRPr>
-          </a:p>
-        </p:txBody>
-      </p:sp>
-      <p:sp>
-        <p:nvSpPr>
-          <p:cNvPr id="12" name="TextBox 11">
-            <a:extLst>
-              <a:ext uri="{FF2B5EF4-FFF2-40B4-BE49-F238E27FC236}">
-                <a16:creationId xmlns:a16="http://schemas.microsoft.com/office/drawing/2014/main" id="{FCBE449A-6066-A345-BEF0-D1B02291CA4B}"/>
-              </a:ext>
-            </a:extLst>
-          </p:cNvPr>
-          <p:cNvSpPr txBox="1"/>
-          <p:nvPr/>
-        </p:nvSpPr>
-        <p:spPr>
-          <a:xfrm>
-            <a:off x="8940277" y="1997478"/>
-            <a:ext cx="1676400" cy="461665"/>
-          </a:xfrm>
-          <a:prstGeom prst="rect">
-            <a:avLst/>
-          </a:prstGeom>
-          <a:noFill/>
-        </p:spPr>
-        <p:txBody>
-          <a:bodyPr wrap="square" rtlCol="0">
-            <a:spAutoFit/>
-          </a:bodyPr>
-          <a:lstStyle/>
-          <a:p>
-            <a:r>
-              <a:rPr lang="en-US" sz="2400" dirty="0">
-                <a:solidFill>
-                  <a:schemeClr val="bg2"/>
-                </a:solidFill>
-              </a:rPr>
-              <a:t>Parent</a:t>
-            </a:r>
-          </a:p>
-        </p:txBody>
-      </p:sp>
-      <p:sp>
-        <p:nvSpPr>
-          <p:cNvPr id="13" name="TextBox 12">
-            <a:extLst>
-              <a:ext uri="{FF2B5EF4-FFF2-40B4-BE49-F238E27FC236}">
-                <a16:creationId xmlns:a16="http://schemas.microsoft.com/office/drawing/2014/main" id="{749E9993-06D3-4145-88A6-13C42DCFD0D9}"/>
-              </a:ext>
-            </a:extLst>
-          </p:cNvPr>
-          <p:cNvSpPr txBox="1"/>
-          <p:nvPr/>
-        </p:nvSpPr>
-        <p:spPr>
-          <a:xfrm>
-            <a:off x="9144000" y="4836668"/>
-            <a:ext cx="1168400" cy="420564"/>
-          </a:xfrm>
-          <a:prstGeom prst="rect">
-            <a:avLst/>
-          </a:prstGeom>
-          <a:noFill/>
-        </p:spPr>
-        <p:txBody>
-          <a:bodyPr wrap="square" rtlCol="0">
-            <a:spAutoFit/>
-          </a:bodyPr>
-          <a:lstStyle/>
-          <a:p>
-            <a:r>
-              <a:rPr lang="en-US" sz="2133" dirty="0">
-                <a:solidFill>
-                  <a:schemeClr val="bg2"/>
-                </a:solidFill>
-              </a:rPr>
-              <a:t>Child</a:t>
-            </a:r>
-          </a:p>
-        </p:txBody>
-      </p:sp>
-      <p:sp>
-        <p:nvSpPr>
-          <p:cNvPr id="14" name="TextBox 13">
-            <a:extLst>
-              <a:ext uri="{FF2B5EF4-FFF2-40B4-BE49-F238E27FC236}">
-                <a16:creationId xmlns:a16="http://schemas.microsoft.com/office/drawing/2014/main" id="{B91FA3D6-1F5E-5244-BD40-469FD3F259FF}"/>
-              </a:ext>
-            </a:extLst>
-          </p:cNvPr>
-          <p:cNvSpPr txBox="1"/>
-          <p:nvPr/>
-        </p:nvSpPr>
-        <p:spPr>
-          <a:xfrm>
-            <a:off x="7174799" y="3261271"/>
-            <a:ext cx="1293911" cy="666977"/>
-          </a:xfrm>
-          <a:prstGeom prst="rect">
-            <a:avLst/>
-          </a:prstGeom>
-          <a:noFill/>
-        </p:spPr>
-        <p:txBody>
-          <a:bodyPr wrap="square" rtlCol="0">
-            <a:spAutoFit/>
-          </a:bodyPr>
-          <a:lstStyle/>
-          <a:p>
-            <a:r>
-              <a:rPr lang="en-US" sz="1867" dirty="0">
-                <a:solidFill>
-                  <a:schemeClr val="bg1">
-                    <a:lumMod val="75000"/>
-                  </a:schemeClr>
-                </a:solidFill>
-              </a:rPr>
-              <a:t>Emit Events</a:t>
-            </a:r>
-          </a:p>
-        </p:txBody>
-      </p:sp>
-      <p:sp>
-        <p:nvSpPr>
-          <p:cNvPr id="15" name="TextBox 14">
-            <a:extLst>
-              <a:ext uri="{FF2B5EF4-FFF2-40B4-BE49-F238E27FC236}">
-                <a16:creationId xmlns:a16="http://schemas.microsoft.com/office/drawing/2014/main" id="{D6C0CE89-25ED-214C-BF75-46A2D8440728}"/>
-              </a:ext>
-            </a:extLst>
-          </p:cNvPr>
-          <p:cNvSpPr txBox="1"/>
-          <p:nvPr/>
-        </p:nvSpPr>
-        <p:spPr>
-          <a:xfrm>
-            <a:off x="11056456" y="3261271"/>
-            <a:ext cx="731098" cy="666977"/>
-          </a:xfrm>
-          <a:prstGeom prst="rect">
-            <a:avLst/>
-          </a:prstGeom>
-          <a:noFill/>
-        </p:spPr>
-        <p:txBody>
-          <a:bodyPr wrap="none" rtlCol="0">
-            <a:spAutoFit/>
-          </a:bodyPr>
-          <a:lstStyle/>
-          <a:p>
-            <a:r>
-              <a:rPr lang="en-US" sz="1867" dirty="0">
-                <a:solidFill>
-                  <a:schemeClr val="bg1">
-                    <a:lumMod val="75000"/>
-                  </a:schemeClr>
-                </a:solidFill>
-              </a:rPr>
-              <a:t>Pass </a:t>
-            </a:r>
-          </a:p>
-          <a:p>
-            <a:r>
-              <a:rPr lang="en-US" sz="1867" dirty="0">
-                <a:solidFill>
-                  <a:schemeClr val="bg1">
-                    <a:lumMod val="75000"/>
-                  </a:schemeClr>
-                </a:solidFill>
-              </a:rPr>
-              <a:t>Props</a:t>
-            </a:r>
-          </a:p>
-        </p:txBody>
-      </p:sp>
     </p:spTree>
     <p:extLst>
       <p:ext uri="{BB962C8B-B14F-4D97-AF65-F5344CB8AC3E}">
-        <p14:creationId xmlns:p14="http://schemas.microsoft.com/office/powerpoint/2010/main" val="4182992926"/>
+        <p14:creationId xmlns:p14="http://schemas.microsoft.com/office/powerpoint/2010/main" val="1347809589"/>
       </p:ext>
     </p:extLst>
   </p:cSld>
@@ -18117,34 +17634,6 @@
       </p:grpSpPr>
       <p:sp>
         <p:nvSpPr>
-          <p:cNvPr id="4" name="Title 1"/>
-          <p:cNvSpPr>
-            <a:spLocks noGrp="1"/>
-          </p:cNvSpPr>
-          <p:nvPr>
-            <p:ph type="title"/>
-          </p:nvPr>
-        </p:nvSpPr>
-        <p:spPr>
-          <a:xfrm>
-            <a:off x="512064" y="365760"/>
-            <a:ext cx="11180064" cy="1060704"/>
-          </a:xfrm>
-        </p:spPr>
-        <p:txBody>
-          <a:bodyPr/>
-          <a:lstStyle/>
-          <a:p>
-            <a:r>
-              <a:rPr lang="en-IN" dirty="0"/>
-              <a:t>How does Unidirectional Flow of data benefit ?</a:t>
-            </a:r>
-            <a:endParaRPr lang="en-US" dirty="0"/>
-          </a:p>
-        </p:txBody>
-      </p:sp>
-      <p:sp>
-        <p:nvSpPr>
           <p:cNvPr id="5" name="Content Placeholder 2"/>
           <p:cNvSpPr txBox="1">
             <a:spLocks/>
@@ -18153,16 +17642,13 @@
         </p:nvSpPr>
         <p:spPr>
           <a:xfrm>
-            <a:off x="512064" y="1682496"/>
-            <a:ext cx="11180064" cy="4425696"/>
-          </a:xfrm>
-          <a:prstGeom prst="rect">
-            <a:avLst/>
-          </a:prstGeom>
+            <a:off x="512064" y="1513490"/>
+            <a:ext cx="6074419" cy="4594703"/>
+          </a:xfrm>
         </p:spPr>
         <p:txBody>
           <a:bodyPr>
-            <a:normAutofit/>
+            <a:noAutofit/>
           </a:bodyPr>
           <a:lstStyle>
             <a:lvl1pPr marL="342900" indent="-342900" algn="l" defTabSz="457200" rtl="0" eaLnBrk="1" latinLnBrk="0" hangingPunct="1">
@@ -18303,58 +17789,554 @@
           </a:lstStyle>
           <a:p>
             <a:r>
-              <a:rPr lang="en-IN" sz="2133" dirty="0">
+              <a:rPr lang="en-US" sz="2133" dirty="0">
                 <a:solidFill>
                   <a:srgbClr val="C4E3B0"/>
                 </a:solidFill>
               </a:rPr>
-              <a:t>Data flows throughout the app in a single direction, hence the developers have a better understanding and control over it.</a:t>
-            </a:r>
-          </a:p>
-          <a:p>
-            <a:endParaRPr lang="en-IN" sz="2133" dirty="0">
+              <a:t>React apps are organized as a series of nested components. These components are functional in nature: that is, they receive information through arguments (the  </a:t>
+            </a:r>
+            <a:r>
+              <a:rPr lang="en-US" sz="2133" i="1" dirty="0">
+                <a:solidFill>
+                  <a:srgbClr val="C4E3B0"/>
+                </a:solidFill>
+              </a:rPr>
+              <a:t>props</a:t>
+            </a:r>
+            <a:r>
+              <a:rPr lang="en-US" sz="2133" dirty="0">
+                <a:solidFill>
+                  <a:srgbClr val="C4E3B0"/>
+                </a:solidFill>
+              </a:rPr>
+              <a:t>) and pass information via their return values (the return value of the  </a:t>
+            </a:r>
+            <a:r>
+              <a:rPr lang="en-US" sz="2133" i="1" dirty="0">
+                <a:solidFill>
+                  <a:srgbClr val="C4E3B0"/>
+                </a:solidFill>
+              </a:rPr>
+              <a:t>render</a:t>
+            </a:r>
+            <a:r>
+              <a:rPr lang="en-US" sz="2133" dirty="0">
+                <a:solidFill>
+                  <a:srgbClr val="C4E3B0"/>
+                </a:solidFill>
+              </a:rPr>
+              <a:t>  function). </a:t>
+            </a:r>
+          </a:p>
+          <a:p>
+            <a:pPr algn="just"/>
+            <a:endParaRPr lang="en-US" sz="2133" dirty="0">
               <a:solidFill>
                 <a:srgbClr val="C4E3B0"/>
               </a:solidFill>
             </a:endParaRPr>
           </a:p>
           <a:p>
+            <a:pPr algn="just"/>
             <a:r>
               <a:rPr lang="en-US" sz="2133" dirty="0">
                 <a:solidFill>
                   <a:srgbClr val="C4E3B0"/>
                 </a:solidFill>
               </a:rPr>
-              <a:t>Data flows in one direction </a:t>
-            </a:r>
-            <a:r>
-              <a:rPr lang="en-US" sz="2133" i="1" dirty="0">
-                <a:solidFill>
-                  <a:srgbClr val="C4E3B0"/>
-                </a:solidFill>
-              </a:rPr>
-              <a:t>after some change</a:t>
-            </a:r>
-            <a:r>
-              <a:rPr lang="en-US" sz="2133" dirty="0">
-                <a:solidFill>
-                  <a:srgbClr val="C4E3B0"/>
-                </a:solidFill>
-              </a:rPr>
-              <a:t>. This makes it easy to identify the source of the change, and then follow that change as it moves through your system.</a:t>
-            </a:r>
-            <a:endParaRPr lang="en-IN" sz="2133" dirty="0">
+              <a:t>This is called unidirectional data flow. </a:t>
+            </a:r>
+          </a:p>
+          <a:p>
+            <a:pPr algn="just"/>
+            <a:endParaRPr lang="en-US" sz="2133" dirty="0">
               <a:solidFill>
                 <a:srgbClr val="C4E3B0"/>
               </a:solidFill>
             </a:endParaRPr>
           </a:p>
+          <a:p>
+            <a:pPr algn="just"/>
+            <a:r>
+              <a:rPr lang="en-US" sz="2133" dirty="0">
+                <a:solidFill>
+                  <a:srgbClr val="C4E3B0"/>
+                </a:solidFill>
+              </a:rPr>
+              <a:t>Data is passed down from components to their children via props.</a:t>
+            </a:r>
+          </a:p>
+          <a:p>
+            <a:pPr marL="0" indent="0">
+              <a:buNone/>
+            </a:pPr>
+            <a:br>
+              <a:rPr lang="en-US" sz="2133" dirty="0">
+                <a:solidFill>
+                  <a:srgbClr val="C4E3B0"/>
+                </a:solidFill>
+              </a:rPr>
+            </a:br>
+            <a:endParaRPr lang="en-US" sz="2133" dirty="0">
+              <a:solidFill>
+                <a:srgbClr val="C4E3B0"/>
+              </a:solidFill>
+            </a:endParaRPr>
+          </a:p>
+        </p:txBody>
+      </p:sp>
+      <p:sp>
+        <p:nvSpPr>
+          <p:cNvPr id="7" name="Title 1"/>
+          <p:cNvSpPr txBox="1">
+            <a:spLocks/>
+          </p:cNvSpPr>
+          <p:nvPr/>
+        </p:nvSpPr>
+        <p:spPr>
+          <a:xfrm>
+            <a:off x="512064" y="365760"/>
+            <a:ext cx="11180064" cy="1060704"/>
+          </a:xfrm>
+          <a:prstGeom prst="rect">
+            <a:avLst/>
+          </a:prstGeom>
+        </p:spPr>
+        <p:txBody>
+          <a:bodyPr/>
+          <a:lstStyle>
+            <a:lvl1pPr algn="l" defTabSz="457200" rtl="0" eaLnBrk="1" latinLnBrk="0" hangingPunct="1">
+              <a:spcBef>
+                <a:spcPct val="0"/>
+              </a:spcBef>
+              <a:buNone/>
+              <a:defRPr sz="2000" b="1" kern="1200" baseline="0">
+                <a:solidFill>
+                  <a:schemeClr val="bg1"/>
+                </a:solidFill>
+                <a:latin typeface="+mj-lt"/>
+                <a:ea typeface="+mj-ea"/>
+                <a:cs typeface="+mj-cs"/>
+              </a:defRPr>
+            </a:lvl1pPr>
+          </a:lstStyle>
+          <a:p>
+            <a:r>
+              <a:rPr lang="en-IN" sz="2667" dirty="0"/>
+              <a:t>One way data binding</a:t>
+            </a:r>
+            <a:endParaRPr lang="en-US" sz="2667" dirty="0"/>
+          </a:p>
+        </p:txBody>
+      </p:sp>
+      <p:sp>
+        <p:nvSpPr>
+          <p:cNvPr id="2" name="Oval 1">
+            <a:extLst>
+              <a:ext uri="{FF2B5EF4-FFF2-40B4-BE49-F238E27FC236}">
+                <a16:creationId xmlns:a16="http://schemas.microsoft.com/office/drawing/2014/main" id="{02878E61-EC24-5149-856F-078D50E6EC2A}"/>
+              </a:ext>
+            </a:extLst>
+          </p:cNvPr>
+          <p:cNvSpPr/>
+          <p:nvPr/>
+        </p:nvSpPr>
+        <p:spPr>
+          <a:xfrm>
+            <a:off x="8636000" y="1295400"/>
+            <a:ext cx="1930400" cy="1930400"/>
+          </a:xfrm>
+          <a:prstGeom prst="ellipse">
+            <a:avLst/>
+          </a:prstGeom>
+          <a:solidFill>
+            <a:srgbClr val="FF5757"/>
+          </a:solidFill>
+          <a:ln>
+            <a:noFill/>
+          </a:ln>
+          <a:effectLst/>
+        </p:spPr>
+        <p:style>
+          <a:lnRef idx="1">
+            <a:schemeClr val="accent1"/>
+          </a:lnRef>
+          <a:fillRef idx="3">
+            <a:schemeClr val="accent1"/>
+          </a:fillRef>
+          <a:effectRef idx="2">
+            <a:schemeClr val="accent1"/>
+          </a:effectRef>
+          <a:fontRef idx="minor">
+            <a:schemeClr val="lt1"/>
+          </a:fontRef>
+        </p:style>
+        <p:txBody>
+          <a:bodyPr rtlCol="0" anchor="ctr"/>
+          <a:lstStyle/>
+          <a:p>
+            <a:pPr algn="ctr"/>
+            <a:endParaRPr lang="en-US" sz="2400"/>
+          </a:p>
+        </p:txBody>
+      </p:sp>
+      <p:sp>
+        <p:nvSpPr>
+          <p:cNvPr id="8" name="Oval 7">
+            <a:extLst>
+              <a:ext uri="{FF2B5EF4-FFF2-40B4-BE49-F238E27FC236}">
+                <a16:creationId xmlns:a16="http://schemas.microsoft.com/office/drawing/2014/main" id="{2341F12F-7A3D-CC4E-8C3D-7B202C2209E8}"/>
+              </a:ext>
+            </a:extLst>
+          </p:cNvPr>
+          <p:cNvSpPr/>
+          <p:nvPr/>
+        </p:nvSpPr>
+        <p:spPr>
+          <a:xfrm>
+            <a:off x="8636000" y="4100789"/>
+            <a:ext cx="1930400" cy="1930400"/>
+          </a:xfrm>
+          <a:prstGeom prst="ellipse">
+            <a:avLst/>
+          </a:prstGeom>
+          <a:solidFill>
+            <a:schemeClr val="accent5">
+              <a:lumMod val="60000"/>
+              <a:lumOff val="40000"/>
+            </a:schemeClr>
+          </a:solidFill>
+          <a:ln>
+            <a:noFill/>
+          </a:ln>
+          <a:effectLst/>
+        </p:spPr>
+        <p:style>
+          <a:lnRef idx="1">
+            <a:schemeClr val="accent1"/>
+          </a:lnRef>
+          <a:fillRef idx="3">
+            <a:schemeClr val="accent1"/>
+          </a:fillRef>
+          <a:effectRef idx="2">
+            <a:schemeClr val="accent1"/>
+          </a:effectRef>
+          <a:fontRef idx="minor">
+            <a:schemeClr val="lt1"/>
+          </a:fontRef>
+        </p:style>
+        <p:txBody>
+          <a:bodyPr rtlCol="0" anchor="ctr"/>
+          <a:lstStyle/>
+          <a:p>
+            <a:pPr algn="ctr"/>
+            <a:endParaRPr lang="en-US" sz="2400"/>
+          </a:p>
+        </p:txBody>
+      </p:sp>
+      <p:sp>
+        <p:nvSpPr>
+          <p:cNvPr id="10" name="Circular Arrow 9">
+            <a:extLst>
+              <a:ext uri="{FF2B5EF4-FFF2-40B4-BE49-F238E27FC236}">
+                <a16:creationId xmlns:a16="http://schemas.microsoft.com/office/drawing/2014/main" id="{59F11EC4-7545-BC4E-B7C2-58FE0F7DAB8C}"/>
+              </a:ext>
+            </a:extLst>
+          </p:cNvPr>
+          <p:cNvSpPr/>
+          <p:nvPr/>
+        </p:nvSpPr>
+        <p:spPr>
+          <a:xfrm rot="5400000">
+            <a:off x="9338843" y="2746540"/>
+            <a:ext cx="2189372" cy="1676400"/>
+          </a:xfrm>
+          <a:prstGeom prst="circularArrow">
+            <a:avLst>
+              <a:gd name="adj1" fmla="val 5486"/>
+              <a:gd name="adj2" fmla="val 898254"/>
+              <a:gd name="adj3" fmla="val 20501761"/>
+              <a:gd name="adj4" fmla="val 11337777"/>
+              <a:gd name="adj5" fmla="val 14496"/>
+            </a:avLst>
+          </a:prstGeom>
+          <a:solidFill>
+            <a:schemeClr val="bg1">
+              <a:lumMod val="85000"/>
+            </a:schemeClr>
+          </a:solidFill>
+          <a:ln>
+            <a:noFill/>
+          </a:ln>
+          <a:effectLst/>
+        </p:spPr>
+        <p:style>
+          <a:lnRef idx="1">
+            <a:schemeClr val="accent1"/>
+          </a:lnRef>
+          <a:fillRef idx="3">
+            <a:schemeClr val="accent1"/>
+          </a:fillRef>
+          <a:effectRef idx="2">
+            <a:schemeClr val="accent1"/>
+          </a:effectRef>
+          <a:fontRef idx="minor">
+            <a:schemeClr val="lt1"/>
+          </a:fontRef>
+        </p:style>
+        <p:txBody>
+          <a:bodyPr rtlCol="0" anchor="ctr"/>
+          <a:lstStyle/>
+          <a:p>
+            <a:pPr algn="ctr"/>
+            <a:endParaRPr lang="en-US" sz="2400">
+              <a:solidFill>
+                <a:schemeClr val="tx1"/>
+              </a:solidFill>
+            </a:endParaRPr>
+          </a:p>
+        </p:txBody>
+      </p:sp>
+      <p:sp>
+        <p:nvSpPr>
+          <p:cNvPr id="11" name="Circular Arrow 10">
+            <a:extLst>
+              <a:ext uri="{FF2B5EF4-FFF2-40B4-BE49-F238E27FC236}">
+                <a16:creationId xmlns:a16="http://schemas.microsoft.com/office/drawing/2014/main" id="{5CBE4D87-7711-D642-9637-A34970708A86}"/>
+              </a:ext>
+            </a:extLst>
+          </p:cNvPr>
+          <p:cNvSpPr/>
+          <p:nvPr/>
+        </p:nvSpPr>
+        <p:spPr>
+          <a:xfrm rot="16200000">
+            <a:off x="7674184" y="2777772"/>
+            <a:ext cx="2189373" cy="1676400"/>
+          </a:xfrm>
+          <a:prstGeom prst="circularArrow">
+            <a:avLst>
+              <a:gd name="adj1" fmla="val 5486"/>
+              <a:gd name="adj2" fmla="val 898254"/>
+              <a:gd name="adj3" fmla="val 20501761"/>
+              <a:gd name="adj4" fmla="val 11337777"/>
+              <a:gd name="adj5" fmla="val 14496"/>
+            </a:avLst>
+          </a:prstGeom>
+          <a:solidFill>
+            <a:schemeClr val="bg1">
+              <a:lumMod val="85000"/>
+            </a:schemeClr>
+          </a:solidFill>
+          <a:ln>
+            <a:noFill/>
+          </a:ln>
+          <a:effectLst/>
+        </p:spPr>
+        <p:style>
+          <a:lnRef idx="1">
+            <a:schemeClr val="accent1"/>
+          </a:lnRef>
+          <a:fillRef idx="3">
+            <a:schemeClr val="accent1"/>
+          </a:fillRef>
+          <a:effectRef idx="2">
+            <a:schemeClr val="accent1"/>
+          </a:effectRef>
+          <a:fontRef idx="minor">
+            <a:schemeClr val="lt1"/>
+          </a:fontRef>
+        </p:style>
+        <p:txBody>
+          <a:bodyPr rtlCol="0" anchor="ctr"/>
+          <a:lstStyle/>
+          <a:p>
+            <a:pPr algn="ctr"/>
+            <a:endParaRPr lang="en-US" sz="2400">
+              <a:solidFill>
+                <a:schemeClr val="tx1"/>
+              </a:solidFill>
+            </a:endParaRPr>
+          </a:p>
+        </p:txBody>
+      </p:sp>
+      <p:sp>
+        <p:nvSpPr>
+          <p:cNvPr id="12" name="TextBox 11">
+            <a:extLst>
+              <a:ext uri="{FF2B5EF4-FFF2-40B4-BE49-F238E27FC236}">
+                <a16:creationId xmlns:a16="http://schemas.microsoft.com/office/drawing/2014/main" id="{FCBE449A-6066-A345-BEF0-D1B02291CA4B}"/>
+              </a:ext>
+            </a:extLst>
+          </p:cNvPr>
+          <p:cNvSpPr txBox="1"/>
+          <p:nvPr/>
+        </p:nvSpPr>
+        <p:spPr>
+          <a:xfrm>
+            <a:off x="8940277" y="1997478"/>
+            <a:ext cx="1676400" cy="461665"/>
+          </a:xfrm>
+          <a:prstGeom prst="rect">
+            <a:avLst/>
+          </a:prstGeom>
+          <a:noFill/>
+        </p:spPr>
+        <p:txBody>
+          <a:bodyPr wrap="square" rtlCol="0">
+            <a:spAutoFit/>
+          </a:bodyPr>
+          <a:lstStyle/>
+          <a:p>
+            <a:r>
+              <a:rPr lang="en-US" sz="2400" dirty="0">
+                <a:solidFill>
+                  <a:schemeClr val="bg2"/>
+                </a:solidFill>
+              </a:rPr>
+              <a:t>Parent</a:t>
+            </a:r>
+          </a:p>
+        </p:txBody>
+      </p:sp>
+      <p:sp>
+        <p:nvSpPr>
+          <p:cNvPr id="13" name="TextBox 12">
+            <a:extLst>
+              <a:ext uri="{FF2B5EF4-FFF2-40B4-BE49-F238E27FC236}">
+                <a16:creationId xmlns:a16="http://schemas.microsoft.com/office/drawing/2014/main" id="{749E9993-06D3-4145-88A6-13C42DCFD0D9}"/>
+              </a:ext>
+            </a:extLst>
+          </p:cNvPr>
+          <p:cNvSpPr txBox="1"/>
+          <p:nvPr/>
+        </p:nvSpPr>
+        <p:spPr>
+          <a:xfrm>
+            <a:off x="9144000" y="4836668"/>
+            <a:ext cx="1168400" cy="420564"/>
+          </a:xfrm>
+          <a:prstGeom prst="rect">
+            <a:avLst/>
+          </a:prstGeom>
+          <a:noFill/>
+        </p:spPr>
+        <p:txBody>
+          <a:bodyPr wrap="square" rtlCol="0">
+            <a:spAutoFit/>
+          </a:bodyPr>
+          <a:lstStyle/>
+          <a:p>
+            <a:r>
+              <a:rPr lang="en-US" sz="2133" dirty="0">
+                <a:solidFill>
+                  <a:schemeClr val="bg2"/>
+                </a:solidFill>
+              </a:rPr>
+              <a:t>Child</a:t>
+            </a:r>
+          </a:p>
+        </p:txBody>
+      </p:sp>
+      <p:sp>
+        <p:nvSpPr>
+          <p:cNvPr id="14" name="TextBox 13">
+            <a:extLst>
+              <a:ext uri="{FF2B5EF4-FFF2-40B4-BE49-F238E27FC236}">
+                <a16:creationId xmlns:a16="http://schemas.microsoft.com/office/drawing/2014/main" id="{B91FA3D6-1F5E-5244-BD40-469FD3F259FF}"/>
+              </a:ext>
+            </a:extLst>
+          </p:cNvPr>
+          <p:cNvSpPr txBox="1"/>
+          <p:nvPr/>
+        </p:nvSpPr>
+        <p:spPr>
+          <a:xfrm>
+            <a:off x="7174799" y="3261271"/>
+            <a:ext cx="1293911" cy="666977"/>
+          </a:xfrm>
+          <a:prstGeom prst="rect">
+            <a:avLst/>
+          </a:prstGeom>
+          <a:noFill/>
+        </p:spPr>
+        <p:txBody>
+          <a:bodyPr wrap="square" rtlCol="0">
+            <a:spAutoFit/>
+          </a:bodyPr>
+          <a:lstStyle/>
+          <a:p>
+            <a:r>
+              <a:rPr lang="en-US" sz="1867" dirty="0">
+                <a:solidFill>
+                  <a:schemeClr val="bg1">
+                    <a:lumMod val="75000"/>
+                  </a:schemeClr>
+                </a:solidFill>
+              </a:rPr>
+              <a:t>Emit Events</a:t>
+            </a:r>
+          </a:p>
+        </p:txBody>
+      </p:sp>
+      <p:sp>
+        <p:nvSpPr>
+          <p:cNvPr id="15" name="TextBox 14">
+            <a:extLst>
+              <a:ext uri="{FF2B5EF4-FFF2-40B4-BE49-F238E27FC236}">
+                <a16:creationId xmlns:a16="http://schemas.microsoft.com/office/drawing/2014/main" id="{D6C0CE89-25ED-214C-BF75-46A2D8440728}"/>
+              </a:ext>
+            </a:extLst>
+          </p:cNvPr>
+          <p:cNvSpPr txBox="1"/>
+          <p:nvPr/>
+        </p:nvSpPr>
+        <p:spPr>
+          <a:xfrm>
+            <a:off x="11056456" y="3261271"/>
+            <a:ext cx="731098" cy="666977"/>
+          </a:xfrm>
+          <a:prstGeom prst="rect">
+            <a:avLst/>
+          </a:prstGeom>
+          <a:noFill/>
+        </p:spPr>
+        <p:txBody>
+          <a:bodyPr wrap="none" rtlCol="0">
+            <a:spAutoFit/>
+          </a:bodyPr>
+          <a:lstStyle/>
+          <a:p>
+            <a:r>
+              <a:rPr lang="en-US" sz="1867" dirty="0">
+                <a:solidFill>
+                  <a:schemeClr val="bg1">
+                    <a:lumMod val="75000"/>
+                  </a:schemeClr>
+                </a:solidFill>
+              </a:rPr>
+              <a:t>Pass </a:t>
+            </a:r>
+          </a:p>
+          <a:p>
+            <a:r>
+              <a:rPr lang="en-US" sz="1867" dirty="0">
+                <a:solidFill>
+                  <a:schemeClr val="bg1">
+                    <a:lumMod val="75000"/>
+                  </a:schemeClr>
+                </a:solidFill>
+              </a:rPr>
+              <a:t>Props</a:t>
+            </a:r>
+          </a:p>
         </p:txBody>
       </p:sp>
     </p:spTree>
     <p:extLst>
       <p:ext uri="{BB962C8B-B14F-4D97-AF65-F5344CB8AC3E}">
-        <p14:creationId xmlns:p14="http://schemas.microsoft.com/office/powerpoint/2010/main" val="4208521381"/>
+        <p14:creationId xmlns:p14="http://schemas.microsoft.com/office/powerpoint/2010/main" val="4182992926"/>
       </p:ext>
     </p:extLst>
   </p:cSld>
@@ -18383,7 +18365,7 @@
       </p:grpSpPr>
       <p:sp>
         <p:nvSpPr>
-          <p:cNvPr id="6" name="Title 1"/>
+          <p:cNvPr id="4" name="Title 1"/>
           <p:cNvSpPr>
             <a:spLocks noGrp="1"/>
           </p:cNvSpPr>
@@ -18402,56 +18384,183 @@
           <a:lstStyle/>
           <a:p>
             <a:r>
-              <a:rPr lang="en-US" sz="3200" spc="67" dirty="0">
-                <a:ln w="0"/>
-                <a:solidFill>
-                  <a:schemeClr val="bg2"/>
-                </a:solidFill>
-                <a:effectLst>
-                  <a:innerShdw blurRad="63500" dist="50800" dir="13500000">
-                    <a:srgbClr val="000000">
-                      <a:alpha val="50000"/>
-                    </a:srgbClr>
-                  </a:innerShdw>
-                </a:effectLst>
-              </a:rPr>
-              <a:t>Composition of Components</a:t>
-            </a:r>
-          </a:p>
-        </p:txBody>
-      </p:sp>
-      <p:sp>
-        <p:nvSpPr>
-          <p:cNvPr id="8" name="TextBox 7"/>
-          <p:cNvSpPr txBox="1"/>
+              <a:rPr lang="en-IN" dirty="0"/>
+              <a:t>How does Unidirectional Flow of data benefit ?</a:t>
+            </a:r>
+            <a:endParaRPr lang="en-US" dirty="0"/>
+          </a:p>
+        </p:txBody>
+      </p:sp>
+      <p:sp>
+        <p:nvSpPr>
+          <p:cNvPr id="5" name="Content Placeholder 2"/>
+          <p:cNvSpPr txBox="1">
+            <a:spLocks/>
+          </p:cNvSpPr>
           <p:nvPr/>
         </p:nvSpPr>
         <p:spPr>
           <a:xfrm>
-            <a:off x="711200" y="1092200"/>
-            <a:ext cx="5569923" cy="2625847"/>
+            <a:off x="512064" y="1682496"/>
+            <a:ext cx="11180064" cy="4425696"/>
           </a:xfrm>
           <a:prstGeom prst="rect">
             <a:avLst/>
           </a:prstGeom>
         </p:spPr>
         <p:txBody>
-          <a:bodyPr wrap="square" lIns="0" tIns="0" rIns="0" bIns="0" rtlCol="0">
-            <a:spAutoFit/>
+          <a:bodyPr>
+            <a:normAutofit/>
           </a:bodyPr>
-          <a:lstStyle/>
-          <a:p>
-            <a:r>
-              <a:rPr lang="en-US" sz="2133" dirty="0">
+          <a:lstStyle>
+            <a:lvl1pPr marL="342900" indent="-342900" algn="l" defTabSz="457200" rtl="0" eaLnBrk="1" latinLnBrk="0" hangingPunct="1">
+              <a:spcBef>
+                <a:spcPct val="20000"/>
+              </a:spcBef>
+              <a:buFont typeface="Arial"/>
+              <a:buChar char="•"/>
+              <a:defRPr sz="3200" kern="1200">
+                <a:solidFill>
+                  <a:schemeClr val="tx1"/>
+                </a:solidFill>
+                <a:latin typeface="+mn-lt"/>
+                <a:ea typeface="+mn-ea"/>
+                <a:cs typeface="+mn-cs"/>
+              </a:defRPr>
+            </a:lvl1pPr>
+            <a:lvl2pPr marL="742950" indent="-285750" algn="l" defTabSz="457200" rtl="0" eaLnBrk="1" latinLnBrk="0" hangingPunct="1">
+              <a:spcBef>
+                <a:spcPct val="20000"/>
+              </a:spcBef>
+              <a:buFont typeface="Arial"/>
+              <a:buChar char="–"/>
+              <a:defRPr sz="2800" kern="1200">
+                <a:solidFill>
+                  <a:schemeClr val="tx1"/>
+                </a:solidFill>
+                <a:latin typeface="+mn-lt"/>
+                <a:ea typeface="+mn-ea"/>
+                <a:cs typeface="+mn-cs"/>
+              </a:defRPr>
+            </a:lvl2pPr>
+            <a:lvl3pPr marL="1143000" indent="-228600" algn="l" defTabSz="457200" rtl="0" eaLnBrk="1" latinLnBrk="0" hangingPunct="1">
+              <a:spcBef>
+                <a:spcPct val="20000"/>
+              </a:spcBef>
+              <a:buFont typeface="Arial"/>
+              <a:buChar char="•"/>
+              <a:defRPr sz="2400" kern="1200">
+                <a:solidFill>
+                  <a:schemeClr val="tx1"/>
+                </a:solidFill>
+                <a:latin typeface="+mn-lt"/>
+                <a:ea typeface="+mn-ea"/>
+                <a:cs typeface="+mn-cs"/>
+              </a:defRPr>
+            </a:lvl3pPr>
+            <a:lvl4pPr marL="1600200" indent="-228600" algn="l" defTabSz="457200" rtl="0" eaLnBrk="1" latinLnBrk="0" hangingPunct="1">
+              <a:spcBef>
+                <a:spcPct val="20000"/>
+              </a:spcBef>
+              <a:buFont typeface="Arial"/>
+              <a:buChar char="–"/>
+              <a:defRPr sz="2000" kern="1200">
+                <a:solidFill>
+                  <a:schemeClr val="tx1"/>
+                </a:solidFill>
+                <a:latin typeface="+mn-lt"/>
+                <a:ea typeface="+mn-ea"/>
+                <a:cs typeface="+mn-cs"/>
+              </a:defRPr>
+            </a:lvl4pPr>
+            <a:lvl5pPr marL="2057400" indent="-228600" algn="l" defTabSz="457200" rtl="0" eaLnBrk="1" latinLnBrk="0" hangingPunct="1">
+              <a:spcBef>
+                <a:spcPct val="20000"/>
+              </a:spcBef>
+              <a:buFont typeface="Arial"/>
+              <a:buChar char="»"/>
+              <a:defRPr sz="2000" kern="1200">
+                <a:solidFill>
+                  <a:schemeClr val="tx1"/>
+                </a:solidFill>
+                <a:latin typeface="+mn-lt"/>
+                <a:ea typeface="+mn-ea"/>
+                <a:cs typeface="+mn-cs"/>
+              </a:defRPr>
+            </a:lvl5pPr>
+            <a:lvl6pPr marL="2514600" indent="-228600" algn="l" defTabSz="457200" rtl="0" eaLnBrk="1" latinLnBrk="0" hangingPunct="1">
+              <a:spcBef>
+                <a:spcPct val="20000"/>
+              </a:spcBef>
+              <a:buFont typeface="Arial"/>
+              <a:buChar char="•"/>
+              <a:defRPr sz="2000" kern="1200">
+                <a:solidFill>
+                  <a:schemeClr val="tx1"/>
+                </a:solidFill>
+                <a:latin typeface="+mn-lt"/>
+                <a:ea typeface="+mn-ea"/>
+                <a:cs typeface="+mn-cs"/>
+              </a:defRPr>
+            </a:lvl6pPr>
+            <a:lvl7pPr marL="2971800" indent="-228600" algn="l" defTabSz="457200" rtl="0" eaLnBrk="1" latinLnBrk="0" hangingPunct="1">
+              <a:spcBef>
+                <a:spcPct val="20000"/>
+              </a:spcBef>
+              <a:buFont typeface="Arial"/>
+              <a:buChar char="•"/>
+              <a:defRPr sz="2000" kern="1200">
+                <a:solidFill>
+                  <a:schemeClr val="tx1"/>
+                </a:solidFill>
+                <a:latin typeface="+mn-lt"/>
+                <a:ea typeface="+mn-ea"/>
+                <a:cs typeface="+mn-cs"/>
+              </a:defRPr>
+            </a:lvl7pPr>
+            <a:lvl8pPr marL="3429000" indent="-228600" algn="l" defTabSz="457200" rtl="0" eaLnBrk="1" latinLnBrk="0" hangingPunct="1">
+              <a:spcBef>
+                <a:spcPct val="20000"/>
+              </a:spcBef>
+              <a:buFont typeface="Arial"/>
+              <a:buChar char="•"/>
+              <a:defRPr sz="2000" kern="1200">
+                <a:solidFill>
+                  <a:schemeClr val="tx1"/>
+                </a:solidFill>
+                <a:latin typeface="+mn-lt"/>
+                <a:ea typeface="+mn-ea"/>
+                <a:cs typeface="+mn-cs"/>
+              </a:defRPr>
+            </a:lvl8pPr>
+            <a:lvl9pPr marL="3886200" indent="-228600" algn="l" defTabSz="457200" rtl="0" eaLnBrk="1" latinLnBrk="0" hangingPunct="1">
+              <a:spcBef>
+                <a:spcPct val="20000"/>
+              </a:spcBef>
+              <a:buFont typeface="Arial"/>
+              <a:buChar char="•"/>
+              <a:defRPr sz="2000" kern="1200">
+                <a:solidFill>
+                  <a:schemeClr val="tx1"/>
+                </a:solidFill>
+                <a:latin typeface="+mn-lt"/>
+                <a:ea typeface="+mn-ea"/>
+                <a:cs typeface="+mn-cs"/>
+              </a:defRPr>
+            </a:lvl9pPr>
+          </a:lstStyle>
+          <a:p>
+            <a:r>
+              <a:rPr lang="en-IN" sz="2133" dirty="0">
                 <a:solidFill>
                   <a:srgbClr val="C4E3B0"/>
                 </a:solidFill>
               </a:rPr>
-              <a:t>Everything in React is a component, and it follows a strong component based model promoting code reuse.</a:t>
-            </a:r>
-          </a:p>
-          <a:p>
-            <a:endParaRPr lang="en-US" sz="2133" dirty="0">
+              <a:t>Data flows throughout the app in a single direction, hence the developers have a better understanding and control over it.</a:t>
+            </a:r>
+          </a:p>
+          <a:p>
+            <a:endParaRPr lang="en-IN" sz="2133" dirty="0">
               <a:solidFill>
                 <a:srgbClr val="C4E3B0"/>
               </a:solidFill>
@@ -18464,699 +18573,36 @@
                   <a:srgbClr val="C4E3B0"/>
                 </a:solidFill>
               </a:rPr>
-              <a:t>An app composed of many small parts is more manageable than a single large monolith app.</a:t>
-            </a:r>
-          </a:p>
-          <a:p>
-            <a:pPr>
-              <a:buFont typeface="Arial" pitchFamily="34" charset="0"/>
-              <a:buChar char="•"/>
-            </a:pPr>
-            <a:endParaRPr lang="en-IN" sz="2133" b="1" dirty="0">
+              <a:t>Data flows in one direction </a:t>
+            </a:r>
+            <a:r>
+              <a:rPr lang="en-US" sz="2133" i="1" dirty="0">
+                <a:solidFill>
+                  <a:srgbClr val="C4E3B0"/>
+                </a:solidFill>
+              </a:rPr>
+              <a:t>after some change</a:t>
+            </a:r>
+            <a:r>
+              <a:rPr lang="en-US" sz="2133" dirty="0">
+                <a:solidFill>
+                  <a:srgbClr val="C4E3B0"/>
+                </a:solidFill>
+              </a:rPr>
+              <a:t>. This makes it easy to identify the source of the change, and then follow that change as it moves through your system.</a:t>
+            </a:r>
+            <a:endParaRPr lang="en-IN" sz="2133" dirty="0">
               <a:solidFill>
                 <a:srgbClr val="C4E3B0"/>
               </a:solidFill>
             </a:endParaRPr>
           </a:p>
-          <a:p>
-            <a:pPr algn="l"/>
-            <a:endParaRPr lang="en-US" sz="2133" dirty="0">
-              <a:solidFill>
-                <a:srgbClr val="C4E3B0"/>
-              </a:solidFill>
-            </a:endParaRPr>
-          </a:p>
-        </p:txBody>
-      </p:sp>
-      <p:sp>
-        <p:nvSpPr>
-          <p:cNvPr id="2" name="Rectangle 1">
-            <a:extLst>
-              <a:ext uri="{FF2B5EF4-FFF2-40B4-BE49-F238E27FC236}">
-                <a16:creationId xmlns:a16="http://schemas.microsoft.com/office/drawing/2014/main" id="{A901EB70-04A7-5740-8F67-030E5A772FCD}"/>
-              </a:ext>
-            </a:extLst>
-          </p:cNvPr>
-          <p:cNvSpPr/>
-          <p:nvPr/>
-        </p:nvSpPr>
-        <p:spPr>
-          <a:xfrm>
-            <a:off x="6502400" y="1069536"/>
-            <a:ext cx="5376000" cy="5075304"/>
-          </a:xfrm>
-          <a:prstGeom prst="rect">
-            <a:avLst/>
-          </a:prstGeom>
-          <a:noFill/>
-          <a:ln>
-            <a:solidFill>
-              <a:schemeClr val="bg1">
-                <a:lumMod val="50000"/>
-              </a:schemeClr>
-            </a:solidFill>
-          </a:ln>
-          <a:effectLst/>
-        </p:spPr>
-        <p:style>
-          <a:lnRef idx="1">
-            <a:schemeClr val="accent1"/>
-          </a:lnRef>
-          <a:fillRef idx="3">
-            <a:schemeClr val="accent1"/>
-          </a:fillRef>
-          <a:effectRef idx="2">
-            <a:schemeClr val="accent1"/>
-          </a:effectRef>
-          <a:fontRef idx="minor">
-            <a:schemeClr val="lt1"/>
-          </a:fontRef>
-        </p:style>
-        <p:txBody>
-          <a:bodyPr rtlCol="0" anchor="ctr"/>
-          <a:lstStyle/>
-          <a:p>
-            <a:pPr algn="ctr"/>
-            <a:endParaRPr lang="en-US" sz="2400">
-              <a:solidFill>
-                <a:srgbClr val="FF5757"/>
-              </a:solidFill>
-            </a:endParaRPr>
-          </a:p>
-        </p:txBody>
-      </p:sp>
-      <p:sp>
-        <p:nvSpPr>
-          <p:cNvPr id="3" name="Rectangle 2">
-            <a:extLst>
-              <a:ext uri="{FF2B5EF4-FFF2-40B4-BE49-F238E27FC236}">
-                <a16:creationId xmlns:a16="http://schemas.microsoft.com/office/drawing/2014/main" id="{EEC9C93C-41AB-2C4D-89F7-F60DDC8D0BA8}"/>
-              </a:ext>
-            </a:extLst>
-          </p:cNvPr>
-          <p:cNvSpPr/>
-          <p:nvPr/>
-        </p:nvSpPr>
-        <p:spPr>
-          <a:xfrm>
-            <a:off x="6705600" y="1742382"/>
-            <a:ext cx="4783328" cy="499669"/>
-          </a:xfrm>
-          <a:prstGeom prst="rect">
-            <a:avLst/>
-          </a:prstGeom>
-          <a:noFill/>
-          <a:ln>
-            <a:solidFill>
-              <a:schemeClr val="bg1">
-                <a:lumMod val="50000"/>
-              </a:schemeClr>
-            </a:solidFill>
-          </a:ln>
-          <a:effectLst/>
-        </p:spPr>
-        <p:style>
-          <a:lnRef idx="1">
-            <a:schemeClr val="accent1"/>
-          </a:lnRef>
-          <a:fillRef idx="3">
-            <a:schemeClr val="accent1"/>
-          </a:fillRef>
-          <a:effectRef idx="2">
-            <a:schemeClr val="accent1"/>
-          </a:effectRef>
-          <a:fontRef idx="minor">
-            <a:schemeClr val="lt1"/>
-          </a:fontRef>
-        </p:style>
-        <p:txBody>
-          <a:bodyPr rtlCol="0" anchor="ctr"/>
-          <a:lstStyle/>
-          <a:p>
-            <a:pPr algn="ctr"/>
-            <a:endParaRPr lang="en-US" sz="2400"/>
-          </a:p>
-        </p:txBody>
-      </p:sp>
-      <p:sp>
-        <p:nvSpPr>
-          <p:cNvPr id="4" name="Rectangle 3">
-            <a:extLst>
-              <a:ext uri="{FF2B5EF4-FFF2-40B4-BE49-F238E27FC236}">
-                <a16:creationId xmlns:a16="http://schemas.microsoft.com/office/drawing/2014/main" id="{E2CC7073-6FA6-8847-B962-469F3E28DE34}"/>
-              </a:ext>
-            </a:extLst>
-          </p:cNvPr>
-          <p:cNvSpPr/>
-          <p:nvPr/>
-        </p:nvSpPr>
-        <p:spPr>
-          <a:xfrm>
-            <a:off x="6705600" y="2434804"/>
-            <a:ext cx="4783328" cy="2641600"/>
-          </a:xfrm>
-          <a:prstGeom prst="rect">
-            <a:avLst/>
-          </a:prstGeom>
-          <a:noFill/>
-          <a:ln>
-            <a:solidFill>
-              <a:schemeClr val="bg1">
-                <a:lumMod val="50000"/>
-              </a:schemeClr>
-            </a:solidFill>
-          </a:ln>
-          <a:effectLst/>
-        </p:spPr>
-        <p:style>
-          <a:lnRef idx="1">
-            <a:schemeClr val="accent1"/>
-          </a:lnRef>
-          <a:fillRef idx="3">
-            <a:schemeClr val="accent1"/>
-          </a:fillRef>
-          <a:effectRef idx="2">
-            <a:schemeClr val="accent1"/>
-          </a:effectRef>
-          <a:fontRef idx="minor">
-            <a:schemeClr val="lt1"/>
-          </a:fontRef>
-        </p:style>
-        <p:txBody>
-          <a:bodyPr rtlCol="0" anchor="ctr"/>
-          <a:lstStyle/>
-          <a:p>
-            <a:pPr algn="ctr"/>
-            <a:endParaRPr lang="en-US" sz="2400"/>
-          </a:p>
-        </p:txBody>
-      </p:sp>
-      <p:sp>
-        <p:nvSpPr>
-          <p:cNvPr id="5" name="Rectangle 4">
-            <a:extLst>
-              <a:ext uri="{FF2B5EF4-FFF2-40B4-BE49-F238E27FC236}">
-                <a16:creationId xmlns:a16="http://schemas.microsoft.com/office/drawing/2014/main" id="{F696E9BB-75BF-654D-9AF5-781C9E3A551C}"/>
-              </a:ext>
-            </a:extLst>
-          </p:cNvPr>
-          <p:cNvSpPr/>
-          <p:nvPr/>
-        </p:nvSpPr>
-        <p:spPr>
-          <a:xfrm>
-            <a:off x="6705600" y="5363472"/>
-            <a:ext cx="4783328" cy="474371"/>
-          </a:xfrm>
-          <a:prstGeom prst="rect">
-            <a:avLst/>
-          </a:prstGeom>
-          <a:noFill/>
-          <a:ln>
-            <a:solidFill>
-              <a:schemeClr val="bg1">
-                <a:lumMod val="50000"/>
-              </a:schemeClr>
-            </a:solidFill>
-          </a:ln>
-          <a:effectLst/>
-        </p:spPr>
-        <p:style>
-          <a:lnRef idx="1">
-            <a:schemeClr val="accent1"/>
-          </a:lnRef>
-          <a:fillRef idx="3">
-            <a:schemeClr val="accent1"/>
-          </a:fillRef>
-          <a:effectRef idx="2">
-            <a:schemeClr val="accent1"/>
-          </a:effectRef>
-          <a:fontRef idx="minor">
-            <a:schemeClr val="lt1"/>
-          </a:fontRef>
-        </p:style>
-        <p:txBody>
-          <a:bodyPr rtlCol="0" anchor="ctr"/>
-          <a:lstStyle/>
-          <a:p>
-            <a:pPr algn="ctr"/>
-            <a:endParaRPr lang="en-US" sz="2400"/>
-          </a:p>
-        </p:txBody>
-      </p:sp>
-      <p:sp>
-        <p:nvSpPr>
-          <p:cNvPr id="10" name="Rectangle 9">
-            <a:extLst>
-              <a:ext uri="{FF2B5EF4-FFF2-40B4-BE49-F238E27FC236}">
-                <a16:creationId xmlns:a16="http://schemas.microsoft.com/office/drawing/2014/main" id="{2264F092-5CD4-D74B-A4F7-6D0AB4454F0D}"/>
-              </a:ext>
-            </a:extLst>
-          </p:cNvPr>
-          <p:cNvSpPr/>
-          <p:nvPr/>
-        </p:nvSpPr>
-        <p:spPr>
-          <a:xfrm>
-            <a:off x="6908800" y="3193772"/>
-            <a:ext cx="4515469" cy="387147"/>
-          </a:xfrm>
-          <a:prstGeom prst="rect">
-            <a:avLst/>
-          </a:prstGeom>
-          <a:noFill/>
-          <a:ln>
-            <a:solidFill>
-              <a:schemeClr val="bg1">
-                <a:lumMod val="50000"/>
-              </a:schemeClr>
-            </a:solidFill>
-          </a:ln>
-          <a:effectLst/>
-        </p:spPr>
-        <p:style>
-          <a:lnRef idx="1">
-            <a:schemeClr val="accent1"/>
-          </a:lnRef>
-          <a:fillRef idx="3">
-            <a:schemeClr val="accent1"/>
-          </a:fillRef>
-          <a:effectRef idx="2">
-            <a:schemeClr val="accent1"/>
-          </a:effectRef>
-          <a:fontRef idx="minor">
-            <a:schemeClr val="lt1"/>
-          </a:fontRef>
-        </p:style>
-        <p:txBody>
-          <a:bodyPr rtlCol="0" anchor="ctr"/>
-          <a:lstStyle/>
-          <a:p>
-            <a:pPr algn="ctr"/>
-            <a:endParaRPr lang="en-US" sz="2400"/>
-          </a:p>
-        </p:txBody>
-      </p:sp>
-      <p:sp>
-        <p:nvSpPr>
-          <p:cNvPr id="11" name="Rectangle 10">
-            <a:extLst>
-              <a:ext uri="{FF2B5EF4-FFF2-40B4-BE49-F238E27FC236}">
-                <a16:creationId xmlns:a16="http://schemas.microsoft.com/office/drawing/2014/main" id="{7CFE97F6-FB83-ED42-AD27-7A361C098D81}"/>
-              </a:ext>
-            </a:extLst>
-          </p:cNvPr>
-          <p:cNvSpPr/>
-          <p:nvPr/>
-        </p:nvSpPr>
-        <p:spPr>
-          <a:xfrm>
-            <a:off x="6908800" y="3790391"/>
-            <a:ext cx="4515469" cy="387147"/>
-          </a:xfrm>
-          <a:prstGeom prst="rect">
-            <a:avLst/>
-          </a:prstGeom>
-          <a:noFill/>
-          <a:ln>
-            <a:solidFill>
-              <a:schemeClr val="bg1">
-                <a:lumMod val="50000"/>
-              </a:schemeClr>
-            </a:solidFill>
-          </a:ln>
-          <a:effectLst/>
-        </p:spPr>
-        <p:style>
-          <a:lnRef idx="1">
-            <a:schemeClr val="accent1"/>
-          </a:lnRef>
-          <a:fillRef idx="3">
-            <a:schemeClr val="accent1"/>
-          </a:fillRef>
-          <a:effectRef idx="2">
-            <a:schemeClr val="accent1"/>
-          </a:effectRef>
-          <a:fontRef idx="minor">
-            <a:schemeClr val="lt1"/>
-          </a:fontRef>
-        </p:style>
-        <p:txBody>
-          <a:bodyPr rtlCol="0" anchor="ctr"/>
-          <a:lstStyle/>
-          <a:p>
-            <a:pPr algn="ctr"/>
-            <a:endParaRPr lang="en-US" sz="2400"/>
-          </a:p>
-        </p:txBody>
-      </p:sp>
-      <p:sp>
-        <p:nvSpPr>
-          <p:cNvPr id="12" name="Rectangle 11">
-            <a:extLst>
-              <a:ext uri="{FF2B5EF4-FFF2-40B4-BE49-F238E27FC236}">
-                <a16:creationId xmlns:a16="http://schemas.microsoft.com/office/drawing/2014/main" id="{E8ED4A1D-207E-4A41-A818-C1902B8A03D8}"/>
-              </a:ext>
-            </a:extLst>
-          </p:cNvPr>
-          <p:cNvSpPr/>
-          <p:nvPr/>
-        </p:nvSpPr>
-        <p:spPr>
-          <a:xfrm>
-            <a:off x="6908800" y="4321071"/>
-            <a:ext cx="4515469" cy="387147"/>
-          </a:xfrm>
-          <a:prstGeom prst="rect">
-            <a:avLst/>
-          </a:prstGeom>
-          <a:noFill/>
-          <a:ln>
-            <a:solidFill>
-              <a:schemeClr val="bg1">
-                <a:lumMod val="50000"/>
-              </a:schemeClr>
-            </a:solidFill>
-          </a:ln>
-          <a:effectLst/>
-        </p:spPr>
-        <p:style>
-          <a:lnRef idx="1">
-            <a:schemeClr val="accent1"/>
-          </a:lnRef>
-          <a:fillRef idx="3">
-            <a:schemeClr val="accent1"/>
-          </a:fillRef>
-          <a:effectRef idx="2">
-            <a:schemeClr val="accent1"/>
-          </a:effectRef>
-          <a:fontRef idx="minor">
-            <a:schemeClr val="lt1"/>
-          </a:fontRef>
-        </p:style>
-        <p:txBody>
-          <a:bodyPr rtlCol="0" anchor="ctr"/>
-          <a:lstStyle/>
-          <a:p>
-            <a:pPr algn="ctr"/>
-            <a:endParaRPr lang="en-US" sz="2400"/>
-          </a:p>
-        </p:txBody>
-      </p:sp>
-      <p:sp>
-        <p:nvSpPr>
-          <p:cNvPr id="13" name="TextBox 12">
-            <a:extLst>
-              <a:ext uri="{FF2B5EF4-FFF2-40B4-BE49-F238E27FC236}">
-                <a16:creationId xmlns:a16="http://schemas.microsoft.com/office/drawing/2014/main" id="{87BDA123-8629-EC43-9152-A9956470C98B}"/>
-              </a:ext>
-            </a:extLst>
-          </p:cNvPr>
-          <p:cNvSpPr txBox="1"/>
-          <p:nvPr/>
-        </p:nvSpPr>
-        <p:spPr>
-          <a:xfrm>
-            <a:off x="6807200" y="1289909"/>
-            <a:ext cx="1320800" cy="379656"/>
-          </a:xfrm>
-          <a:prstGeom prst="rect">
-            <a:avLst/>
-          </a:prstGeom>
-          <a:noFill/>
-        </p:spPr>
-        <p:txBody>
-          <a:bodyPr wrap="square" rtlCol="0">
-            <a:spAutoFit/>
-          </a:bodyPr>
-          <a:lstStyle/>
-          <a:p>
-            <a:r>
-              <a:rPr lang="en-US" sz="1867" dirty="0">
-                <a:solidFill>
-                  <a:schemeClr val="bg2">
-                    <a:lumMod val="75000"/>
-                  </a:schemeClr>
-                </a:solidFill>
-              </a:rPr>
-              <a:t>&lt;App /&gt;</a:t>
-            </a:r>
-          </a:p>
-        </p:txBody>
-      </p:sp>
-      <p:sp>
-        <p:nvSpPr>
-          <p:cNvPr id="14" name="TextBox 13">
-            <a:extLst>
-              <a:ext uri="{FF2B5EF4-FFF2-40B4-BE49-F238E27FC236}">
-                <a16:creationId xmlns:a16="http://schemas.microsoft.com/office/drawing/2014/main" id="{3A747774-FF4B-6B41-8B37-6528CA687AA5}"/>
-              </a:ext>
-            </a:extLst>
-          </p:cNvPr>
-          <p:cNvSpPr txBox="1"/>
-          <p:nvPr/>
-        </p:nvSpPr>
-        <p:spPr>
-          <a:xfrm>
-            <a:off x="8331200" y="1804055"/>
-            <a:ext cx="2743200" cy="379656"/>
-          </a:xfrm>
-          <a:prstGeom prst="rect">
-            <a:avLst/>
-          </a:prstGeom>
-          <a:noFill/>
-        </p:spPr>
-        <p:txBody>
-          <a:bodyPr wrap="square" rtlCol="0">
-            <a:spAutoFit/>
-          </a:bodyPr>
-          <a:lstStyle/>
-          <a:p>
-            <a:r>
-              <a:rPr lang="en-US" sz="1867" dirty="0">
-                <a:solidFill>
-                  <a:schemeClr val="bg2">
-                    <a:lumMod val="75000"/>
-                  </a:schemeClr>
-                </a:solidFill>
-              </a:rPr>
-              <a:t>&lt;MenuBar /&gt;</a:t>
-            </a:r>
-          </a:p>
-        </p:txBody>
-      </p:sp>
-      <p:sp>
-        <p:nvSpPr>
-          <p:cNvPr id="15" name="TextBox 14">
-            <a:extLst>
-              <a:ext uri="{FF2B5EF4-FFF2-40B4-BE49-F238E27FC236}">
-                <a16:creationId xmlns:a16="http://schemas.microsoft.com/office/drawing/2014/main" id="{478813EC-FC19-2949-B7EF-2FD58EC567E3}"/>
-              </a:ext>
-            </a:extLst>
-          </p:cNvPr>
-          <p:cNvSpPr txBox="1"/>
-          <p:nvPr/>
-        </p:nvSpPr>
-        <p:spPr>
-          <a:xfrm>
-            <a:off x="6807200" y="2529119"/>
-            <a:ext cx="2641600" cy="379656"/>
-          </a:xfrm>
-          <a:prstGeom prst="rect">
-            <a:avLst/>
-          </a:prstGeom>
-          <a:noFill/>
-        </p:spPr>
-        <p:txBody>
-          <a:bodyPr wrap="square" rtlCol="0">
-            <a:spAutoFit/>
-          </a:bodyPr>
-          <a:lstStyle/>
-          <a:p>
-            <a:r>
-              <a:rPr lang="en-US" sz="1867" dirty="0">
-                <a:solidFill>
-                  <a:schemeClr val="bg2">
-                    <a:lumMod val="75000"/>
-                  </a:schemeClr>
-                </a:solidFill>
-              </a:rPr>
-              <a:t>&lt;MainPage /&gt;</a:t>
-            </a:r>
-          </a:p>
-        </p:txBody>
-      </p:sp>
-      <p:sp>
-        <p:nvSpPr>
-          <p:cNvPr id="16" name="TextBox 15">
-            <a:extLst>
-              <a:ext uri="{FF2B5EF4-FFF2-40B4-BE49-F238E27FC236}">
-                <a16:creationId xmlns:a16="http://schemas.microsoft.com/office/drawing/2014/main" id="{804EC74A-B486-C74C-8795-549E7197DD43}"/>
-              </a:ext>
-            </a:extLst>
-          </p:cNvPr>
-          <p:cNvSpPr txBox="1"/>
-          <p:nvPr/>
-        </p:nvSpPr>
-        <p:spPr>
-          <a:xfrm>
-            <a:off x="8229600" y="3797934"/>
-            <a:ext cx="1625600" cy="379656"/>
-          </a:xfrm>
-          <a:prstGeom prst="rect">
-            <a:avLst/>
-          </a:prstGeom>
-          <a:noFill/>
-        </p:spPr>
-        <p:txBody>
-          <a:bodyPr wrap="square" rtlCol="0">
-            <a:spAutoFit/>
-          </a:bodyPr>
-          <a:lstStyle/>
-          <a:p>
-            <a:r>
-              <a:rPr lang="en-US" sz="1867" dirty="0">
-                <a:solidFill>
-                  <a:schemeClr val="bg2">
-                    <a:lumMod val="75000"/>
-                  </a:schemeClr>
-                </a:solidFill>
-              </a:rPr>
-              <a:t>&lt;ListItem /&gt;</a:t>
-            </a:r>
-          </a:p>
-        </p:txBody>
-      </p:sp>
-      <p:sp>
-        <p:nvSpPr>
-          <p:cNvPr id="17" name="TextBox 16">
-            <a:extLst>
-              <a:ext uri="{FF2B5EF4-FFF2-40B4-BE49-F238E27FC236}">
-                <a16:creationId xmlns:a16="http://schemas.microsoft.com/office/drawing/2014/main" id="{C75B4F52-A678-CD49-9068-5299AF1D3F7B}"/>
-              </a:ext>
-            </a:extLst>
-          </p:cNvPr>
-          <p:cNvSpPr txBox="1"/>
-          <p:nvPr/>
-        </p:nvSpPr>
-        <p:spPr>
-          <a:xfrm>
-            <a:off x="8229600" y="4303367"/>
-            <a:ext cx="1625600" cy="379656"/>
-          </a:xfrm>
-          <a:prstGeom prst="rect">
-            <a:avLst/>
-          </a:prstGeom>
-          <a:noFill/>
-        </p:spPr>
-        <p:txBody>
-          <a:bodyPr wrap="square" rtlCol="0">
-            <a:spAutoFit/>
-          </a:bodyPr>
-          <a:lstStyle/>
-          <a:p>
-            <a:r>
-              <a:rPr lang="en-US" sz="1867" dirty="0">
-                <a:solidFill>
-                  <a:schemeClr val="bg2">
-                    <a:lumMod val="75000"/>
-                  </a:schemeClr>
-                </a:solidFill>
-              </a:rPr>
-              <a:t>&lt;ListItem /&gt;</a:t>
-            </a:r>
-          </a:p>
-        </p:txBody>
-      </p:sp>
-      <p:sp>
-        <p:nvSpPr>
-          <p:cNvPr id="18" name="TextBox 17">
-            <a:extLst>
-              <a:ext uri="{FF2B5EF4-FFF2-40B4-BE49-F238E27FC236}">
-                <a16:creationId xmlns:a16="http://schemas.microsoft.com/office/drawing/2014/main" id="{F39BA3DF-DFB5-4343-BD50-1D8310770D01}"/>
-              </a:ext>
-            </a:extLst>
-          </p:cNvPr>
-          <p:cNvSpPr txBox="1"/>
-          <p:nvPr/>
-        </p:nvSpPr>
-        <p:spPr>
-          <a:xfrm>
-            <a:off x="8229600" y="3219910"/>
-            <a:ext cx="1625600" cy="379656"/>
-          </a:xfrm>
-          <a:prstGeom prst="rect">
-            <a:avLst/>
-          </a:prstGeom>
-          <a:noFill/>
-        </p:spPr>
-        <p:txBody>
-          <a:bodyPr wrap="square" rtlCol="0">
-            <a:spAutoFit/>
-          </a:bodyPr>
-          <a:lstStyle/>
-          <a:p>
-            <a:r>
-              <a:rPr lang="en-US" sz="1867" dirty="0">
-                <a:solidFill>
-                  <a:schemeClr val="bg2">
-                    <a:lumMod val="75000"/>
-                  </a:schemeClr>
-                </a:solidFill>
-              </a:rPr>
-              <a:t>&lt;ListItem /&gt;</a:t>
-            </a:r>
-          </a:p>
-        </p:txBody>
-      </p:sp>
-      <p:sp>
-        <p:nvSpPr>
-          <p:cNvPr id="19" name="TextBox 18">
-            <a:extLst>
-              <a:ext uri="{FF2B5EF4-FFF2-40B4-BE49-F238E27FC236}">
-                <a16:creationId xmlns:a16="http://schemas.microsoft.com/office/drawing/2014/main" id="{243C117A-DDB0-784C-92C7-958F7158E652}"/>
-              </a:ext>
-            </a:extLst>
-          </p:cNvPr>
-          <p:cNvSpPr txBox="1"/>
-          <p:nvPr/>
-        </p:nvSpPr>
-        <p:spPr>
-          <a:xfrm>
-            <a:off x="8229600" y="5425003"/>
-            <a:ext cx="2438400" cy="379656"/>
-          </a:xfrm>
-          <a:prstGeom prst="rect">
-            <a:avLst/>
-          </a:prstGeom>
-          <a:noFill/>
-        </p:spPr>
-        <p:txBody>
-          <a:bodyPr wrap="square" rtlCol="0">
-            <a:spAutoFit/>
-          </a:bodyPr>
-          <a:lstStyle/>
-          <a:p>
-            <a:r>
-              <a:rPr lang="en-US" sz="1867" dirty="0">
-                <a:solidFill>
-                  <a:schemeClr val="bg2">
-                    <a:lumMod val="75000"/>
-                  </a:schemeClr>
-                </a:solidFill>
-              </a:rPr>
-              <a:t>&lt;SiteFooter /&gt;</a:t>
-            </a:r>
-          </a:p>
         </p:txBody>
       </p:sp>
     </p:spTree>
-    <p:custDataLst>
-      <p:tags r:id="rId1"/>
-    </p:custDataLst>
     <p:extLst>
       <p:ext uri="{BB962C8B-B14F-4D97-AF65-F5344CB8AC3E}">
-        <p14:creationId xmlns:p14="http://schemas.microsoft.com/office/powerpoint/2010/main" val="2118852128"/>
+        <p14:creationId xmlns:p14="http://schemas.microsoft.com/office/powerpoint/2010/main" val="4208521381"/>
       </p:ext>
     </p:extLst>
   </p:cSld>
@@ -19185,6 +18631,808 @@
       </p:grpSpPr>
       <p:sp>
         <p:nvSpPr>
+          <p:cNvPr id="6" name="Title 1"/>
+          <p:cNvSpPr>
+            <a:spLocks noGrp="1"/>
+          </p:cNvSpPr>
+          <p:nvPr>
+            <p:ph type="title"/>
+          </p:nvPr>
+        </p:nvSpPr>
+        <p:spPr>
+          <a:xfrm>
+            <a:off x="512064" y="365760"/>
+            <a:ext cx="11180064" cy="1060704"/>
+          </a:xfrm>
+        </p:spPr>
+        <p:txBody>
+          <a:bodyPr/>
+          <a:lstStyle/>
+          <a:p>
+            <a:r>
+              <a:rPr lang="en-US" sz="3200" spc="67" dirty="0">
+                <a:ln w="0"/>
+                <a:solidFill>
+                  <a:schemeClr val="bg2"/>
+                </a:solidFill>
+                <a:effectLst>
+                  <a:innerShdw blurRad="63500" dist="50800" dir="13500000">
+                    <a:srgbClr val="000000">
+                      <a:alpha val="50000"/>
+                    </a:srgbClr>
+                  </a:innerShdw>
+                </a:effectLst>
+              </a:rPr>
+              <a:t>Composition of Components</a:t>
+            </a:r>
+          </a:p>
+        </p:txBody>
+      </p:sp>
+      <p:sp>
+        <p:nvSpPr>
+          <p:cNvPr id="8" name="TextBox 7"/>
+          <p:cNvSpPr txBox="1"/>
+          <p:nvPr/>
+        </p:nvSpPr>
+        <p:spPr>
+          <a:xfrm>
+            <a:off x="711200" y="1092200"/>
+            <a:ext cx="5569923" cy="2625847"/>
+          </a:xfrm>
+          <a:prstGeom prst="rect">
+            <a:avLst/>
+          </a:prstGeom>
+        </p:spPr>
+        <p:txBody>
+          <a:bodyPr wrap="square" lIns="0" tIns="0" rIns="0" bIns="0" rtlCol="0">
+            <a:spAutoFit/>
+          </a:bodyPr>
+          <a:lstStyle/>
+          <a:p>
+            <a:r>
+              <a:rPr lang="en-US" sz="2133" dirty="0">
+                <a:solidFill>
+                  <a:srgbClr val="C4E3B0"/>
+                </a:solidFill>
+              </a:rPr>
+              <a:t>Everything in React is a component, and it follows a strong component based model promoting code reuse.</a:t>
+            </a:r>
+          </a:p>
+          <a:p>
+            <a:endParaRPr lang="en-US" sz="2133" dirty="0">
+              <a:solidFill>
+                <a:srgbClr val="C4E3B0"/>
+              </a:solidFill>
+            </a:endParaRPr>
+          </a:p>
+          <a:p>
+            <a:r>
+              <a:rPr lang="en-US" sz="2133" dirty="0">
+                <a:solidFill>
+                  <a:srgbClr val="C4E3B0"/>
+                </a:solidFill>
+              </a:rPr>
+              <a:t>An app composed of many small parts is more manageable than a single large monolith app.</a:t>
+            </a:r>
+          </a:p>
+          <a:p>
+            <a:pPr>
+              <a:buFont typeface="Arial" pitchFamily="34" charset="0"/>
+              <a:buChar char="•"/>
+            </a:pPr>
+            <a:endParaRPr lang="en-IN" sz="2133" b="1" dirty="0">
+              <a:solidFill>
+                <a:srgbClr val="C4E3B0"/>
+              </a:solidFill>
+            </a:endParaRPr>
+          </a:p>
+          <a:p>
+            <a:pPr algn="l"/>
+            <a:endParaRPr lang="en-US" sz="2133" dirty="0">
+              <a:solidFill>
+                <a:srgbClr val="C4E3B0"/>
+              </a:solidFill>
+            </a:endParaRPr>
+          </a:p>
+        </p:txBody>
+      </p:sp>
+      <p:sp>
+        <p:nvSpPr>
+          <p:cNvPr id="2" name="Rectangle 1">
+            <a:extLst>
+              <a:ext uri="{FF2B5EF4-FFF2-40B4-BE49-F238E27FC236}">
+                <a16:creationId xmlns:a16="http://schemas.microsoft.com/office/drawing/2014/main" id="{A901EB70-04A7-5740-8F67-030E5A772FCD}"/>
+              </a:ext>
+            </a:extLst>
+          </p:cNvPr>
+          <p:cNvSpPr/>
+          <p:nvPr/>
+        </p:nvSpPr>
+        <p:spPr>
+          <a:xfrm>
+            <a:off x="6502400" y="1069536"/>
+            <a:ext cx="5376000" cy="5075304"/>
+          </a:xfrm>
+          <a:prstGeom prst="rect">
+            <a:avLst/>
+          </a:prstGeom>
+          <a:noFill/>
+          <a:ln>
+            <a:solidFill>
+              <a:schemeClr val="bg1">
+                <a:lumMod val="50000"/>
+              </a:schemeClr>
+            </a:solidFill>
+          </a:ln>
+          <a:effectLst/>
+        </p:spPr>
+        <p:style>
+          <a:lnRef idx="1">
+            <a:schemeClr val="accent1"/>
+          </a:lnRef>
+          <a:fillRef idx="3">
+            <a:schemeClr val="accent1"/>
+          </a:fillRef>
+          <a:effectRef idx="2">
+            <a:schemeClr val="accent1"/>
+          </a:effectRef>
+          <a:fontRef idx="minor">
+            <a:schemeClr val="lt1"/>
+          </a:fontRef>
+        </p:style>
+        <p:txBody>
+          <a:bodyPr rtlCol="0" anchor="ctr"/>
+          <a:lstStyle/>
+          <a:p>
+            <a:pPr algn="ctr"/>
+            <a:endParaRPr lang="en-US" sz="2400">
+              <a:solidFill>
+                <a:srgbClr val="FF5757"/>
+              </a:solidFill>
+            </a:endParaRPr>
+          </a:p>
+        </p:txBody>
+      </p:sp>
+      <p:sp>
+        <p:nvSpPr>
+          <p:cNvPr id="3" name="Rectangle 2">
+            <a:extLst>
+              <a:ext uri="{FF2B5EF4-FFF2-40B4-BE49-F238E27FC236}">
+                <a16:creationId xmlns:a16="http://schemas.microsoft.com/office/drawing/2014/main" id="{EEC9C93C-41AB-2C4D-89F7-F60DDC8D0BA8}"/>
+              </a:ext>
+            </a:extLst>
+          </p:cNvPr>
+          <p:cNvSpPr/>
+          <p:nvPr/>
+        </p:nvSpPr>
+        <p:spPr>
+          <a:xfrm>
+            <a:off x="6705600" y="1742382"/>
+            <a:ext cx="4783328" cy="499669"/>
+          </a:xfrm>
+          <a:prstGeom prst="rect">
+            <a:avLst/>
+          </a:prstGeom>
+          <a:noFill/>
+          <a:ln>
+            <a:solidFill>
+              <a:schemeClr val="bg1">
+                <a:lumMod val="50000"/>
+              </a:schemeClr>
+            </a:solidFill>
+          </a:ln>
+          <a:effectLst/>
+        </p:spPr>
+        <p:style>
+          <a:lnRef idx="1">
+            <a:schemeClr val="accent1"/>
+          </a:lnRef>
+          <a:fillRef idx="3">
+            <a:schemeClr val="accent1"/>
+          </a:fillRef>
+          <a:effectRef idx="2">
+            <a:schemeClr val="accent1"/>
+          </a:effectRef>
+          <a:fontRef idx="minor">
+            <a:schemeClr val="lt1"/>
+          </a:fontRef>
+        </p:style>
+        <p:txBody>
+          <a:bodyPr rtlCol="0" anchor="ctr"/>
+          <a:lstStyle/>
+          <a:p>
+            <a:pPr algn="ctr"/>
+            <a:endParaRPr lang="en-US" sz="2400"/>
+          </a:p>
+        </p:txBody>
+      </p:sp>
+      <p:sp>
+        <p:nvSpPr>
+          <p:cNvPr id="4" name="Rectangle 3">
+            <a:extLst>
+              <a:ext uri="{FF2B5EF4-FFF2-40B4-BE49-F238E27FC236}">
+                <a16:creationId xmlns:a16="http://schemas.microsoft.com/office/drawing/2014/main" id="{E2CC7073-6FA6-8847-B962-469F3E28DE34}"/>
+              </a:ext>
+            </a:extLst>
+          </p:cNvPr>
+          <p:cNvSpPr/>
+          <p:nvPr/>
+        </p:nvSpPr>
+        <p:spPr>
+          <a:xfrm>
+            <a:off x="6705600" y="2434804"/>
+            <a:ext cx="4783328" cy="2641600"/>
+          </a:xfrm>
+          <a:prstGeom prst="rect">
+            <a:avLst/>
+          </a:prstGeom>
+          <a:noFill/>
+          <a:ln>
+            <a:solidFill>
+              <a:schemeClr val="bg1">
+                <a:lumMod val="50000"/>
+              </a:schemeClr>
+            </a:solidFill>
+          </a:ln>
+          <a:effectLst/>
+        </p:spPr>
+        <p:style>
+          <a:lnRef idx="1">
+            <a:schemeClr val="accent1"/>
+          </a:lnRef>
+          <a:fillRef idx="3">
+            <a:schemeClr val="accent1"/>
+          </a:fillRef>
+          <a:effectRef idx="2">
+            <a:schemeClr val="accent1"/>
+          </a:effectRef>
+          <a:fontRef idx="minor">
+            <a:schemeClr val="lt1"/>
+          </a:fontRef>
+        </p:style>
+        <p:txBody>
+          <a:bodyPr rtlCol="0" anchor="ctr"/>
+          <a:lstStyle/>
+          <a:p>
+            <a:pPr algn="ctr"/>
+            <a:endParaRPr lang="en-US" sz="2400"/>
+          </a:p>
+        </p:txBody>
+      </p:sp>
+      <p:sp>
+        <p:nvSpPr>
+          <p:cNvPr id="5" name="Rectangle 4">
+            <a:extLst>
+              <a:ext uri="{FF2B5EF4-FFF2-40B4-BE49-F238E27FC236}">
+                <a16:creationId xmlns:a16="http://schemas.microsoft.com/office/drawing/2014/main" id="{F696E9BB-75BF-654D-9AF5-781C9E3A551C}"/>
+              </a:ext>
+            </a:extLst>
+          </p:cNvPr>
+          <p:cNvSpPr/>
+          <p:nvPr/>
+        </p:nvSpPr>
+        <p:spPr>
+          <a:xfrm>
+            <a:off x="6705600" y="5363472"/>
+            <a:ext cx="4783328" cy="474371"/>
+          </a:xfrm>
+          <a:prstGeom prst="rect">
+            <a:avLst/>
+          </a:prstGeom>
+          <a:noFill/>
+          <a:ln>
+            <a:solidFill>
+              <a:schemeClr val="bg1">
+                <a:lumMod val="50000"/>
+              </a:schemeClr>
+            </a:solidFill>
+          </a:ln>
+          <a:effectLst/>
+        </p:spPr>
+        <p:style>
+          <a:lnRef idx="1">
+            <a:schemeClr val="accent1"/>
+          </a:lnRef>
+          <a:fillRef idx="3">
+            <a:schemeClr val="accent1"/>
+          </a:fillRef>
+          <a:effectRef idx="2">
+            <a:schemeClr val="accent1"/>
+          </a:effectRef>
+          <a:fontRef idx="minor">
+            <a:schemeClr val="lt1"/>
+          </a:fontRef>
+        </p:style>
+        <p:txBody>
+          <a:bodyPr rtlCol="0" anchor="ctr"/>
+          <a:lstStyle/>
+          <a:p>
+            <a:pPr algn="ctr"/>
+            <a:endParaRPr lang="en-US" sz="2400"/>
+          </a:p>
+        </p:txBody>
+      </p:sp>
+      <p:sp>
+        <p:nvSpPr>
+          <p:cNvPr id="10" name="Rectangle 9">
+            <a:extLst>
+              <a:ext uri="{FF2B5EF4-FFF2-40B4-BE49-F238E27FC236}">
+                <a16:creationId xmlns:a16="http://schemas.microsoft.com/office/drawing/2014/main" id="{2264F092-5CD4-D74B-A4F7-6D0AB4454F0D}"/>
+              </a:ext>
+            </a:extLst>
+          </p:cNvPr>
+          <p:cNvSpPr/>
+          <p:nvPr/>
+        </p:nvSpPr>
+        <p:spPr>
+          <a:xfrm>
+            <a:off x="6908800" y="3193772"/>
+            <a:ext cx="4515469" cy="387147"/>
+          </a:xfrm>
+          <a:prstGeom prst="rect">
+            <a:avLst/>
+          </a:prstGeom>
+          <a:noFill/>
+          <a:ln>
+            <a:solidFill>
+              <a:schemeClr val="bg1">
+                <a:lumMod val="50000"/>
+              </a:schemeClr>
+            </a:solidFill>
+          </a:ln>
+          <a:effectLst/>
+        </p:spPr>
+        <p:style>
+          <a:lnRef idx="1">
+            <a:schemeClr val="accent1"/>
+          </a:lnRef>
+          <a:fillRef idx="3">
+            <a:schemeClr val="accent1"/>
+          </a:fillRef>
+          <a:effectRef idx="2">
+            <a:schemeClr val="accent1"/>
+          </a:effectRef>
+          <a:fontRef idx="minor">
+            <a:schemeClr val="lt1"/>
+          </a:fontRef>
+        </p:style>
+        <p:txBody>
+          <a:bodyPr rtlCol="0" anchor="ctr"/>
+          <a:lstStyle/>
+          <a:p>
+            <a:pPr algn="ctr"/>
+            <a:endParaRPr lang="en-US" sz="2400"/>
+          </a:p>
+        </p:txBody>
+      </p:sp>
+      <p:sp>
+        <p:nvSpPr>
+          <p:cNvPr id="11" name="Rectangle 10">
+            <a:extLst>
+              <a:ext uri="{FF2B5EF4-FFF2-40B4-BE49-F238E27FC236}">
+                <a16:creationId xmlns:a16="http://schemas.microsoft.com/office/drawing/2014/main" id="{7CFE97F6-FB83-ED42-AD27-7A361C098D81}"/>
+              </a:ext>
+            </a:extLst>
+          </p:cNvPr>
+          <p:cNvSpPr/>
+          <p:nvPr/>
+        </p:nvSpPr>
+        <p:spPr>
+          <a:xfrm>
+            <a:off x="6908800" y="3790391"/>
+            <a:ext cx="4515469" cy="387147"/>
+          </a:xfrm>
+          <a:prstGeom prst="rect">
+            <a:avLst/>
+          </a:prstGeom>
+          <a:noFill/>
+          <a:ln>
+            <a:solidFill>
+              <a:schemeClr val="bg1">
+                <a:lumMod val="50000"/>
+              </a:schemeClr>
+            </a:solidFill>
+          </a:ln>
+          <a:effectLst/>
+        </p:spPr>
+        <p:style>
+          <a:lnRef idx="1">
+            <a:schemeClr val="accent1"/>
+          </a:lnRef>
+          <a:fillRef idx="3">
+            <a:schemeClr val="accent1"/>
+          </a:fillRef>
+          <a:effectRef idx="2">
+            <a:schemeClr val="accent1"/>
+          </a:effectRef>
+          <a:fontRef idx="minor">
+            <a:schemeClr val="lt1"/>
+          </a:fontRef>
+        </p:style>
+        <p:txBody>
+          <a:bodyPr rtlCol="0" anchor="ctr"/>
+          <a:lstStyle/>
+          <a:p>
+            <a:pPr algn="ctr"/>
+            <a:endParaRPr lang="en-US" sz="2400"/>
+          </a:p>
+        </p:txBody>
+      </p:sp>
+      <p:sp>
+        <p:nvSpPr>
+          <p:cNvPr id="12" name="Rectangle 11">
+            <a:extLst>
+              <a:ext uri="{FF2B5EF4-FFF2-40B4-BE49-F238E27FC236}">
+                <a16:creationId xmlns:a16="http://schemas.microsoft.com/office/drawing/2014/main" id="{E8ED4A1D-207E-4A41-A818-C1902B8A03D8}"/>
+              </a:ext>
+            </a:extLst>
+          </p:cNvPr>
+          <p:cNvSpPr/>
+          <p:nvPr/>
+        </p:nvSpPr>
+        <p:spPr>
+          <a:xfrm>
+            <a:off x="6908800" y="4321071"/>
+            <a:ext cx="4515469" cy="387147"/>
+          </a:xfrm>
+          <a:prstGeom prst="rect">
+            <a:avLst/>
+          </a:prstGeom>
+          <a:noFill/>
+          <a:ln>
+            <a:solidFill>
+              <a:schemeClr val="bg1">
+                <a:lumMod val="50000"/>
+              </a:schemeClr>
+            </a:solidFill>
+          </a:ln>
+          <a:effectLst/>
+        </p:spPr>
+        <p:style>
+          <a:lnRef idx="1">
+            <a:schemeClr val="accent1"/>
+          </a:lnRef>
+          <a:fillRef idx="3">
+            <a:schemeClr val="accent1"/>
+          </a:fillRef>
+          <a:effectRef idx="2">
+            <a:schemeClr val="accent1"/>
+          </a:effectRef>
+          <a:fontRef idx="minor">
+            <a:schemeClr val="lt1"/>
+          </a:fontRef>
+        </p:style>
+        <p:txBody>
+          <a:bodyPr rtlCol="0" anchor="ctr"/>
+          <a:lstStyle/>
+          <a:p>
+            <a:pPr algn="ctr"/>
+            <a:endParaRPr lang="en-US" sz="2400"/>
+          </a:p>
+        </p:txBody>
+      </p:sp>
+      <p:sp>
+        <p:nvSpPr>
+          <p:cNvPr id="13" name="TextBox 12">
+            <a:extLst>
+              <a:ext uri="{FF2B5EF4-FFF2-40B4-BE49-F238E27FC236}">
+                <a16:creationId xmlns:a16="http://schemas.microsoft.com/office/drawing/2014/main" id="{87BDA123-8629-EC43-9152-A9956470C98B}"/>
+              </a:ext>
+            </a:extLst>
+          </p:cNvPr>
+          <p:cNvSpPr txBox="1"/>
+          <p:nvPr/>
+        </p:nvSpPr>
+        <p:spPr>
+          <a:xfrm>
+            <a:off x="6807200" y="1289909"/>
+            <a:ext cx="1320800" cy="379656"/>
+          </a:xfrm>
+          <a:prstGeom prst="rect">
+            <a:avLst/>
+          </a:prstGeom>
+          <a:noFill/>
+        </p:spPr>
+        <p:txBody>
+          <a:bodyPr wrap="square" rtlCol="0">
+            <a:spAutoFit/>
+          </a:bodyPr>
+          <a:lstStyle/>
+          <a:p>
+            <a:r>
+              <a:rPr lang="en-US" sz="1867" dirty="0">
+                <a:solidFill>
+                  <a:schemeClr val="bg2">
+                    <a:lumMod val="75000"/>
+                  </a:schemeClr>
+                </a:solidFill>
+              </a:rPr>
+              <a:t>&lt;App /&gt;</a:t>
+            </a:r>
+          </a:p>
+        </p:txBody>
+      </p:sp>
+      <p:sp>
+        <p:nvSpPr>
+          <p:cNvPr id="14" name="TextBox 13">
+            <a:extLst>
+              <a:ext uri="{FF2B5EF4-FFF2-40B4-BE49-F238E27FC236}">
+                <a16:creationId xmlns:a16="http://schemas.microsoft.com/office/drawing/2014/main" id="{3A747774-FF4B-6B41-8B37-6528CA687AA5}"/>
+              </a:ext>
+            </a:extLst>
+          </p:cNvPr>
+          <p:cNvSpPr txBox="1"/>
+          <p:nvPr/>
+        </p:nvSpPr>
+        <p:spPr>
+          <a:xfrm>
+            <a:off x="8331200" y="1804055"/>
+            <a:ext cx="2743200" cy="379656"/>
+          </a:xfrm>
+          <a:prstGeom prst="rect">
+            <a:avLst/>
+          </a:prstGeom>
+          <a:noFill/>
+        </p:spPr>
+        <p:txBody>
+          <a:bodyPr wrap="square" rtlCol="0">
+            <a:spAutoFit/>
+          </a:bodyPr>
+          <a:lstStyle/>
+          <a:p>
+            <a:r>
+              <a:rPr lang="en-US" sz="1867" dirty="0">
+                <a:solidFill>
+                  <a:schemeClr val="bg2">
+                    <a:lumMod val="75000"/>
+                  </a:schemeClr>
+                </a:solidFill>
+              </a:rPr>
+              <a:t>&lt;MenuBar /&gt;</a:t>
+            </a:r>
+          </a:p>
+        </p:txBody>
+      </p:sp>
+      <p:sp>
+        <p:nvSpPr>
+          <p:cNvPr id="15" name="TextBox 14">
+            <a:extLst>
+              <a:ext uri="{FF2B5EF4-FFF2-40B4-BE49-F238E27FC236}">
+                <a16:creationId xmlns:a16="http://schemas.microsoft.com/office/drawing/2014/main" id="{478813EC-FC19-2949-B7EF-2FD58EC567E3}"/>
+              </a:ext>
+            </a:extLst>
+          </p:cNvPr>
+          <p:cNvSpPr txBox="1"/>
+          <p:nvPr/>
+        </p:nvSpPr>
+        <p:spPr>
+          <a:xfrm>
+            <a:off x="6807200" y="2529119"/>
+            <a:ext cx="2641600" cy="379656"/>
+          </a:xfrm>
+          <a:prstGeom prst="rect">
+            <a:avLst/>
+          </a:prstGeom>
+          <a:noFill/>
+        </p:spPr>
+        <p:txBody>
+          <a:bodyPr wrap="square" rtlCol="0">
+            <a:spAutoFit/>
+          </a:bodyPr>
+          <a:lstStyle/>
+          <a:p>
+            <a:r>
+              <a:rPr lang="en-US" sz="1867" dirty="0">
+                <a:solidFill>
+                  <a:schemeClr val="bg2">
+                    <a:lumMod val="75000"/>
+                  </a:schemeClr>
+                </a:solidFill>
+              </a:rPr>
+              <a:t>&lt;MainPage /&gt;</a:t>
+            </a:r>
+          </a:p>
+        </p:txBody>
+      </p:sp>
+      <p:sp>
+        <p:nvSpPr>
+          <p:cNvPr id="16" name="TextBox 15">
+            <a:extLst>
+              <a:ext uri="{FF2B5EF4-FFF2-40B4-BE49-F238E27FC236}">
+                <a16:creationId xmlns:a16="http://schemas.microsoft.com/office/drawing/2014/main" id="{804EC74A-B486-C74C-8795-549E7197DD43}"/>
+              </a:ext>
+            </a:extLst>
+          </p:cNvPr>
+          <p:cNvSpPr txBox="1"/>
+          <p:nvPr/>
+        </p:nvSpPr>
+        <p:spPr>
+          <a:xfrm>
+            <a:off x="8229600" y="3797934"/>
+            <a:ext cx="1625600" cy="379656"/>
+          </a:xfrm>
+          <a:prstGeom prst="rect">
+            <a:avLst/>
+          </a:prstGeom>
+          <a:noFill/>
+        </p:spPr>
+        <p:txBody>
+          <a:bodyPr wrap="square" rtlCol="0">
+            <a:spAutoFit/>
+          </a:bodyPr>
+          <a:lstStyle/>
+          <a:p>
+            <a:r>
+              <a:rPr lang="en-US" sz="1867" dirty="0">
+                <a:solidFill>
+                  <a:schemeClr val="bg2">
+                    <a:lumMod val="75000"/>
+                  </a:schemeClr>
+                </a:solidFill>
+              </a:rPr>
+              <a:t>&lt;ListItem /&gt;</a:t>
+            </a:r>
+          </a:p>
+        </p:txBody>
+      </p:sp>
+      <p:sp>
+        <p:nvSpPr>
+          <p:cNvPr id="17" name="TextBox 16">
+            <a:extLst>
+              <a:ext uri="{FF2B5EF4-FFF2-40B4-BE49-F238E27FC236}">
+                <a16:creationId xmlns:a16="http://schemas.microsoft.com/office/drawing/2014/main" id="{C75B4F52-A678-CD49-9068-5299AF1D3F7B}"/>
+              </a:ext>
+            </a:extLst>
+          </p:cNvPr>
+          <p:cNvSpPr txBox="1"/>
+          <p:nvPr/>
+        </p:nvSpPr>
+        <p:spPr>
+          <a:xfrm>
+            <a:off x="8229600" y="4303367"/>
+            <a:ext cx="1625600" cy="379656"/>
+          </a:xfrm>
+          <a:prstGeom prst="rect">
+            <a:avLst/>
+          </a:prstGeom>
+          <a:noFill/>
+        </p:spPr>
+        <p:txBody>
+          <a:bodyPr wrap="square" rtlCol="0">
+            <a:spAutoFit/>
+          </a:bodyPr>
+          <a:lstStyle/>
+          <a:p>
+            <a:r>
+              <a:rPr lang="en-US" sz="1867" dirty="0">
+                <a:solidFill>
+                  <a:schemeClr val="bg2">
+                    <a:lumMod val="75000"/>
+                  </a:schemeClr>
+                </a:solidFill>
+              </a:rPr>
+              <a:t>&lt;ListItem /&gt;</a:t>
+            </a:r>
+          </a:p>
+        </p:txBody>
+      </p:sp>
+      <p:sp>
+        <p:nvSpPr>
+          <p:cNvPr id="18" name="TextBox 17">
+            <a:extLst>
+              <a:ext uri="{FF2B5EF4-FFF2-40B4-BE49-F238E27FC236}">
+                <a16:creationId xmlns:a16="http://schemas.microsoft.com/office/drawing/2014/main" id="{F39BA3DF-DFB5-4343-BD50-1D8310770D01}"/>
+              </a:ext>
+            </a:extLst>
+          </p:cNvPr>
+          <p:cNvSpPr txBox="1"/>
+          <p:nvPr/>
+        </p:nvSpPr>
+        <p:spPr>
+          <a:xfrm>
+            <a:off x="8229600" y="3219910"/>
+            <a:ext cx="1625600" cy="379656"/>
+          </a:xfrm>
+          <a:prstGeom prst="rect">
+            <a:avLst/>
+          </a:prstGeom>
+          <a:noFill/>
+        </p:spPr>
+        <p:txBody>
+          <a:bodyPr wrap="square" rtlCol="0">
+            <a:spAutoFit/>
+          </a:bodyPr>
+          <a:lstStyle/>
+          <a:p>
+            <a:r>
+              <a:rPr lang="en-US" sz="1867" dirty="0">
+                <a:solidFill>
+                  <a:schemeClr val="bg2">
+                    <a:lumMod val="75000"/>
+                  </a:schemeClr>
+                </a:solidFill>
+              </a:rPr>
+              <a:t>&lt;ListItem /&gt;</a:t>
+            </a:r>
+          </a:p>
+        </p:txBody>
+      </p:sp>
+      <p:sp>
+        <p:nvSpPr>
+          <p:cNvPr id="19" name="TextBox 18">
+            <a:extLst>
+              <a:ext uri="{FF2B5EF4-FFF2-40B4-BE49-F238E27FC236}">
+                <a16:creationId xmlns:a16="http://schemas.microsoft.com/office/drawing/2014/main" id="{243C117A-DDB0-784C-92C7-958F7158E652}"/>
+              </a:ext>
+            </a:extLst>
+          </p:cNvPr>
+          <p:cNvSpPr txBox="1"/>
+          <p:nvPr/>
+        </p:nvSpPr>
+        <p:spPr>
+          <a:xfrm>
+            <a:off x="8229600" y="5425003"/>
+            <a:ext cx="2438400" cy="379656"/>
+          </a:xfrm>
+          <a:prstGeom prst="rect">
+            <a:avLst/>
+          </a:prstGeom>
+          <a:noFill/>
+        </p:spPr>
+        <p:txBody>
+          <a:bodyPr wrap="square" rtlCol="0">
+            <a:spAutoFit/>
+          </a:bodyPr>
+          <a:lstStyle/>
+          <a:p>
+            <a:r>
+              <a:rPr lang="en-US" sz="1867" dirty="0">
+                <a:solidFill>
+                  <a:schemeClr val="bg2">
+                    <a:lumMod val="75000"/>
+                  </a:schemeClr>
+                </a:solidFill>
+              </a:rPr>
+              <a:t>&lt;SiteFooter /&gt;</a:t>
+            </a:r>
+          </a:p>
+        </p:txBody>
+      </p:sp>
+    </p:spTree>
+    <p:custDataLst>
+      <p:tags r:id="rId1"/>
+    </p:custDataLst>
+    <p:extLst>
+      <p:ext uri="{BB962C8B-B14F-4D97-AF65-F5344CB8AC3E}">
+        <p14:creationId xmlns:p14="http://schemas.microsoft.com/office/powerpoint/2010/main" val="2118852128"/>
+      </p:ext>
+    </p:extLst>
+  </p:cSld>
+  <p:clrMapOvr>
+    <a:masterClrMapping/>
+  </p:clrMapOvr>
+</p:sld>
+</file>
+
+<file path=ppt/slides/slide26.xml><?xml version="1.0" encoding="utf-8"?>
+<p:sld xmlns:a="http://schemas.openxmlformats.org/drawingml/2006/main" xmlns:r="http://schemas.openxmlformats.org/officeDocument/2006/relationships" xmlns:p="http://schemas.openxmlformats.org/presentationml/2006/main">
+  <p:cSld>
+    <p:spTree>
+      <p:nvGrpSpPr>
+        <p:cNvPr id="1" name=""/>
+        <p:cNvGrpSpPr/>
+        <p:nvPr/>
+      </p:nvGrpSpPr>
+      <p:grpSpPr>
+        <a:xfrm>
+          <a:off x="0" y="0"/>
+          <a:ext cx="0" cy="0"/>
+          <a:chOff x="0" y="0"/>
+          <a:chExt cx="0" cy="0"/>
+        </a:xfrm>
+      </p:grpSpPr>
+      <p:sp>
+        <p:nvSpPr>
           <p:cNvPr id="4" name="Title 5"/>
           <p:cNvSpPr>
             <a:spLocks noGrp="1"/>
@@ -19461,7 +19709,7 @@
 </p:sld>
 </file>
 
-<file path=ppt/slides/slide26.xml><?xml version="1.0" encoding="utf-8"?>
+<file path=ppt/slides/slide27.xml><?xml version="1.0" encoding="utf-8"?>
 <p:sld xmlns:a="http://schemas.openxmlformats.org/drawingml/2006/main" xmlns:r="http://schemas.openxmlformats.org/officeDocument/2006/relationships" xmlns:p="http://schemas.openxmlformats.org/presentationml/2006/main">
   <p:cSld>
     <p:bg>
@@ -19826,7 +20074,7 @@
 </p:sld>
 </file>
 
-<file path=ppt/slides/slide27.xml><?xml version="1.0" encoding="utf-8"?>
+<file path=ppt/slides/slide28.xml><?xml version="1.0" encoding="utf-8"?>
 <p:sld xmlns:a="http://schemas.openxmlformats.org/drawingml/2006/main" xmlns:r="http://schemas.openxmlformats.org/officeDocument/2006/relationships" xmlns:p="http://schemas.openxmlformats.org/presentationml/2006/main">
   <p:cSld>
     <p:spTree>
@@ -20117,7 +20365,7 @@
 </p:sld>
 </file>
 
-<file path=ppt/slides/slide28.xml><?xml version="1.0" encoding="utf-8"?>
+<file path=ppt/slides/slide29.xml><?xml version="1.0" encoding="utf-8"?>
 <p:sld xmlns:a="http://schemas.openxmlformats.org/drawingml/2006/main" xmlns:r="http://schemas.openxmlformats.org/officeDocument/2006/relationships" xmlns:p="http://schemas.openxmlformats.org/presentationml/2006/main">
   <p:cSld>
     <p:spTree>
@@ -20374,7 +20622,134 @@
 </p:sld>
 </file>
 
-<file path=ppt/slides/slide29.xml><?xml version="1.0" encoding="utf-8"?>
+<file path=ppt/slides/slide3.xml><?xml version="1.0" encoding="utf-8"?>
+<p:sld xmlns:a="http://schemas.openxmlformats.org/drawingml/2006/main" xmlns:r="http://schemas.openxmlformats.org/officeDocument/2006/relationships" xmlns:p="http://schemas.openxmlformats.org/presentationml/2006/main">
+  <p:cSld>
+    <p:spTree>
+      <p:nvGrpSpPr>
+        <p:cNvPr id="1" name=""/>
+        <p:cNvGrpSpPr/>
+        <p:nvPr/>
+      </p:nvGrpSpPr>
+      <p:grpSpPr>
+        <a:xfrm>
+          <a:off x="0" y="0"/>
+          <a:ext cx="0" cy="0"/>
+          <a:chOff x="0" y="0"/>
+          <a:chExt cx="0" cy="0"/>
+        </a:xfrm>
+      </p:grpSpPr>
+      <p:sp>
+        <p:nvSpPr>
+          <p:cNvPr id="2" name="Title 1"/>
+          <p:cNvSpPr>
+            <a:spLocks noGrp="1"/>
+          </p:cNvSpPr>
+          <p:nvPr>
+            <p:ph type="title"/>
+          </p:nvPr>
+        </p:nvSpPr>
+        <p:spPr/>
+        <p:txBody>
+          <a:bodyPr/>
+          <a:lstStyle/>
+          <a:p>
+            <a:r>
+              <a:rPr lang="en-US" dirty="0"/>
+              <a:t>Session Objective:</a:t>
+            </a:r>
+          </a:p>
+        </p:txBody>
+      </p:sp>
+      <p:sp>
+        <p:nvSpPr>
+          <p:cNvPr id="3" name="Text Placeholder 2"/>
+          <p:cNvSpPr>
+            <a:spLocks noGrp="1"/>
+          </p:cNvSpPr>
+          <p:nvPr>
+            <p:ph type="body" sz="quarter" idx="13"/>
+          </p:nvPr>
+        </p:nvSpPr>
+        <p:spPr>
+          <a:xfrm>
+            <a:off x="507999" y="1137830"/>
+            <a:ext cx="11176004" cy="3638451"/>
+          </a:xfrm>
+        </p:spPr>
+        <p:txBody>
+          <a:bodyPr>
+            <a:normAutofit/>
+          </a:bodyPr>
+          <a:lstStyle/>
+          <a:p>
+            <a:r>
+              <a:rPr lang="en-US" sz="2400" dirty="0"/>
+              <a:t>At the end this 45 min session, you will be able to</a:t>
+            </a:r>
+          </a:p>
+          <a:p>
+            <a:endParaRPr lang="en-US" sz="2400" dirty="0"/>
+          </a:p>
+          <a:p>
+            <a:pPr marL="609585" indent="-609585">
+              <a:buFont typeface="Wingdings" panose="05000000000000000000" pitchFamily="2" charset="2"/>
+              <a:buChar char="Ø"/>
+            </a:pPr>
+            <a:r>
+              <a:rPr lang="en-US" sz="2400" dirty="0"/>
+              <a:t>Demonstrate Installation  and configuration of  ReactJS</a:t>
+            </a:r>
+          </a:p>
+          <a:p>
+            <a:pPr marL="609585" indent="-609585">
+              <a:buFont typeface="Wingdings" panose="05000000000000000000" pitchFamily="2" charset="2"/>
+              <a:buChar char="Ø"/>
+            </a:pPr>
+            <a:r>
+              <a:rPr lang="en-US" sz="2400" dirty="0"/>
+              <a:t>Create a React app using create-react-app command</a:t>
+            </a:r>
+          </a:p>
+          <a:p>
+            <a:pPr marL="609585" indent="-609585">
+              <a:buFont typeface="Wingdings" panose="05000000000000000000" pitchFamily="2" charset="2"/>
+              <a:buChar char="Ø"/>
+            </a:pPr>
+            <a:r>
+              <a:rPr lang="en-US" sz="2400" dirty="0"/>
+              <a:t>Summarize the basic structure of a React app</a:t>
+            </a:r>
+          </a:p>
+          <a:p>
+            <a:pPr marL="609585" indent="-609585">
+              <a:buFont typeface="Wingdings" panose="05000000000000000000" pitchFamily="2" charset="2"/>
+              <a:buChar char="Ø"/>
+            </a:pPr>
+            <a:r>
+              <a:rPr lang="en-US" sz="2400" dirty="0"/>
+              <a:t>Summarize the features of React</a:t>
+            </a:r>
+          </a:p>
+          <a:p>
+            <a:endParaRPr lang="en-US" dirty="0"/>
+          </a:p>
+        </p:txBody>
+      </p:sp>
+    </p:spTree>
+    <p:extLst>
+      <p:ext uri="{BB962C8B-B14F-4D97-AF65-F5344CB8AC3E}">
+        <p14:creationId xmlns:p14="http://schemas.microsoft.com/office/powerpoint/2010/main" val="252395893"/>
+      </p:ext>
+    </p:extLst>
+  </p:cSld>
+  <p:clrMapOvr>
+    <a:masterClrMapping/>
+  </p:clrMapOvr>
+</p:sld>
+</file>
+
+<file path=ppt/slides/slide30.xml><?xml version="1.0" encoding="utf-8"?>
 <p:sld xmlns:a="http://schemas.openxmlformats.org/drawingml/2006/main" xmlns:r="http://schemas.openxmlformats.org/officeDocument/2006/relationships" xmlns:p="http://schemas.openxmlformats.org/presentationml/2006/main">
   <p:cSld>
     <p:bg>
@@ -20457,457 +20832,7 @@
 </p:sld>
 </file>
 
-<file path=ppt/slides/slide3.xml><?xml version="1.0" encoding="utf-8"?>
-<p:sld xmlns:a="http://schemas.openxmlformats.org/drawingml/2006/main" xmlns:r="http://schemas.openxmlformats.org/officeDocument/2006/relationships" xmlns:p="http://schemas.openxmlformats.org/presentationml/2006/main">
-  <p:cSld>
-    <p:spTree>
-      <p:nvGrpSpPr>
-        <p:cNvPr id="1" name=""/>
-        <p:cNvGrpSpPr/>
-        <p:nvPr/>
-      </p:nvGrpSpPr>
-      <p:grpSpPr>
-        <a:xfrm>
-          <a:off x="0" y="0"/>
-          <a:ext cx="0" cy="0"/>
-          <a:chOff x="0" y="0"/>
-          <a:chExt cx="0" cy="0"/>
-        </a:xfrm>
-      </p:grpSpPr>
-      <p:sp>
-        <p:nvSpPr>
-          <p:cNvPr id="6" name="Title 1"/>
-          <p:cNvSpPr>
-            <a:spLocks noGrp="1"/>
-          </p:cNvSpPr>
-          <p:nvPr>
-            <p:ph type="title"/>
-          </p:nvPr>
-        </p:nvSpPr>
-        <p:spPr>
-          <a:xfrm>
-            <a:off x="512064" y="365760"/>
-            <a:ext cx="11180064" cy="1060704"/>
-          </a:xfrm>
-        </p:spPr>
-        <p:txBody>
-          <a:bodyPr/>
-          <a:lstStyle/>
-          <a:p>
-            <a:r>
-              <a:rPr lang="en-US" sz="3200" dirty="0">
-                <a:solidFill>
-                  <a:schemeClr val="bg1">
-                    <a:lumMod val="85000"/>
-                  </a:schemeClr>
-                </a:solidFill>
-              </a:rPr>
-              <a:t>Introduction: What is React JS?</a:t>
-            </a:r>
-          </a:p>
-        </p:txBody>
-      </p:sp>
-      <p:sp>
-        <p:nvSpPr>
-          <p:cNvPr id="7" name="Content Placeholder 2"/>
-          <p:cNvSpPr txBox="1">
-            <a:spLocks/>
-          </p:cNvSpPr>
-          <p:nvPr/>
-        </p:nvSpPr>
-        <p:spPr>
-          <a:xfrm>
-            <a:off x="508000" y="1397000"/>
-            <a:ext cx="10875264" cy="1198032"/>
-          </a:xfrm>
-          <a:prstGeom prst="rect">
-            <a:avLst/>
-          </a:prstGeom>
-        </p:spPr>
-        <p:txBody>
-          <a:bodyPr>
-            <a:normAutofit/>
-          </a:bodyPr>
-          <a:lstStyle>
-            <a:lvl1pPr marL="342900" indent="-342900" algn="l" defTabSz="457200" rtl="0" eaLnBrk="1" latinLnBrk="0" hangingPunct="1">
-              <a:spcBef>
-                <a:spcPct val="20000"/>
-              </a:spcBef>
-              <a:buFont typeface="Arial"/>
-              <a:buChar char="•"/>
-              <a:defRPr sz="3200" kern="1200">
-                <a:solidFill>
-                  <a:schemeClr val="tx1"/>
-                </a:solidFill>
-                <a:latin typeface="+mn-lt"/>
-                <a:ea typeface="+mn-ea"/>
-                <a:cs typeface="+mn-cs"/>
-              </a:defRPr>
-            </a:lvl1pPr>
-            <a:lvl2pPr marL="742950" indent="-285750" algn="l" defTabSz="457200" rtl="0" eaLnBrk="1" latinLnBrk="0" hangingPunct="1">
-              <a:spcBef>
-                <a:spcPct val="20000"/>
-              </a:spcBef>
-              <a:buFont typeface="Arial"/>
-              <a:buChar char="–"/>
-              <a:defRPr sz="2800" kern="1200">
-                <a:solidFill>
-                  <a:schemeClr val="tx1"/>
-                </a:solidFill>
-                <a:latin typeface="+mn-lt"/>
-                <a:ea typeface="+mn-ea"/>
-                <a:cs typeface="+mn-cs"/>
-              </a:defRPr>
-            </a:lvl2pPr>
-            <a:lvl3pPr marL="1143000" indent="-228600" algn="l" defTabSz="457200" rtl="0" eaLnBrk="1" latinLnBrk="0" hangingPunct="1">
-              <a:spcBef>
-                <a:spcPct val="20000"/>
-              </a:spcBef>
-              <a:buFont typeface="Arial"/>
-              <a:buChar char="•"/>
-              <a:defRPr sz="2400" kern="1200">
-                <a:solidFill>
-                  <a:schemeClr val="tx1"/>
-                </a:solidFill>
-                <a:latin typeface="+mn-lt"/>
-                <a:ea typeface="+mn-ea"/>
-                <a:cs typeface="+mn-cs"/>
-              </a:defRPr>
-            </a:lvl3pPr>
-            <a:lvl4pPr marL="1600200" indent="-228600" algn="l" defTabSz="457200" rtl="0" eaLnBrk="1" latinLnBrk="0" hangingPunct="1">
-              <a:spcBef>
-                <a:spcPct val="20000"/>
-              </a:spcBef>
-              <a:buFont typeface="Arial"/>
-              <a:buChar char="–"/>
-              <a:defRPr sz="2000" kern="1200">
-                <a:solidFill>
-                  <a:schemeClr val="tx1"/>
-                </a:solidFill>
-                <a:latin typeface="+mn-lt"/>
-                <a:ea typeface="+mn-ea"/>
-                <a:cs typeface="+mn-cs"/>
-              </a:defRPr>
-            </a:lvl4pPr>
-            <a:lvl5pPr marL="2057400" indent="-228600" algn="l" defTabSz="457200" rtl="0" eaLnBrk="1" latinLnBrk="0" hangingPunct="1">
-              <a:spcBef>
-                <a:spcPct val="20000"/>
-              </a:spcBef>
-              <a:buFont typeface="Arial"/>
-              <a:buChar char="»"/>
-              <a:defRPr sz="2000" kern="1200">
-                <a:solidFill>
-                  <a:schemeClr val="tx1"/>
-                </a:solidFill>
-                <a:latin typeface="+mn-lt"/>
-                <a:ea typeface="+mn-ea"/>
-                <a:cs typeface="+mn-cs"/>
-              </a:defRPr>
-            </a:lvl5pPr>
-            <a:lvl6pPr marL="2514600" indent="-228600" algn="l" defTabSz="457200" rtl="0" eaLnBrk="1" latinLnBrk="0" hangingPunct="1">
-              <a:spcBef>
-                <a:spcPct val="20000"/>
-              </a:spcBef>
-              <a:buFont typeface="Arial"/>
-              <a:buChar char="•"/>
-              <a:defRPr sz="2000" kern="1200">
-                <a:solidFill>
-                  <a:schemeClr val="tx1"/>
-                </a:solidFill>
-                <a:latin typeface="+mn-lt"/>
-                <a:ea typeface="+mn-ea"/>
-                <a:cs typeface="+mn-cs"/>
-              </a:defRPr>
-            </a:lvl6pPr>
-            <a:lvl7pPr marL="2971800" indent="-228600" algn="l" defTabSz="457200" rtl="0" eaLnBrk="1" latinLnBrk="0" hangingPunct="1">
-              <a:spcBef>
-                <a:spcPct val="20000"/>
-              </a:spcBef>
-              <a:buFont typeface="Arial"/>
-              <a:buChar char="•"/>
-              <a:defRPr sz="2000" kern="1200">
-                <a:solidFill>
-                  <a:schemeClr val="tx1"/>
-                </a:solidFill>
-                <a:latin typeface="+mn-lt"/>
-                <a:ea typeface="+mn-ea"/>
-                <a:cs typeface="+mn-cs"/>
-              </a:defRPr>
-            </a:lvl7pPr>
-            <a:lvl8pPr marL="3429000" indent="-228600" algn="l" defTabSz="457200" rtl="0" eaLnBrk="1" latinLnBrk="0" hangingPunct="1">
-              <a:spcBef>
-                <a:spcPct val="20000"/>
-              </a:spcBef>
-              <a:buFont typeface="Arial"/>
-              <a:buChar char="•"/>
-              <a:defRPr sz="2000" kern="1200">
-                <a:solidFill>
-                  <a:schemeClr val="tx1"/>
-                </a:solidFill>
-                <a:latin typeface="+mn-lt"/>
-                <a:ea typeface="+mn-ea"/>
-                <a:cs typeface="+mn-cs"/>
-              </a:defRPr>
-            </a:lvl8pPr>
-            <a:lvl9pPr marL="3886200" indent="-228600" algn="l" defTabSz="457200" rtl="0" eaLnBrk="1" latinLnBrk="0" hangingPunct="1">
-              <a:spcBef>
-                <a:spcPct val="20000"/>
-              </a:spcBef>
-              <a:buFont typeface="Arial"/>
-              <a:buChar char="•"/>
-              <a:defRPr sz="2000" kern="1200">
-                <a:solidFill>
-                  <a:schemeClr val="tx1"/>
-                </a:solidFill>
-                <a:latin typeface="+mn-lt"/>
-                <a:ea typeface="+mn-ea"/>
-                <a:cs typeface="+mn-cs"/>
-              </a:defRPr>
-            </a:lvl9pPr>
-          </a:lstStyle>
-          <a:p>
-            <a:pPr marL="380990" indent="-380990">
-              <a:buFont typeface="Arial" panose="020B0604020202020204" pitchFamily="34" charset="0"/>
-              <a:buChar char="•"/>
-            </a:pPr>
-            <a:r>
-              <a:rPr lang="en-US" sz="2133" i="1" dirty="0">
-                <a:solidFill>
-                  <a:srgbClr val="C4E3B0"/>
-                </a:solidFill>
-              </a:rPr>
-              <a:t>React is a Javascript library for building user interfaces</a:t>
-            </a:r>
-          </a:p>
-          <a:p>
-            <a:pPr marL="380990" indent="-380990">
-              <a:buFont typeface="Arial" panose="020B0604020202020204" pitchFamily="34" charset="0"/>
-              <a:buChar char="•"/>
-            </a:pPr>
-            <a:r>
-              <a:rPr lang="en-US" sz="2133" i="1" dirty="0">
-                <a:solidFill>
-                  <a:srgbClr val="C4E3B0"/>
-                </a:solidFill>
-              </a:rPr>
-              <a:t>Developed by Facebook</a:t>
-            </a:r>
-          </a:p>
-          <a:p>
-            <a:pPr marL="380990" indent="-380990">
-              <a:buFont typeface="Arial" panose="020B0604020202020204" pitchFamily="34" charset="0"/>
-              <a:buChar char="•"/>
-            </a:pPr>
-            <a:endParaRPr lang="en-US" sz="2133" i="1" dirty="0">
-              <a:solidFill>
-                <a:srgbClr val="C4E3B0"/>
-              </a:solidFill>
-            </a:endParaRPr>
-          </a:p>
-        </p:txBody>
-      </p:sp>
-      <p:sp>
-        <p:nvSpPr>
-          <p:cNvPr id="8" name="Rectangle 7"/>
-          <p:cNvSpPr/>
-          <p:nvPr/>
-        </p:nvSpPr>
-        <p:spPr>
-          <a:xfrm>
-            <a:off x="609600" y="2616201"/>
-            <a:ext cx="8544851" cy="584775"/>
-          </a:xfrm>
-          <a:prstGeom prst="rect">
-            <a:avLst/>
-          </a:prstGeom>
-        </p:spPr>
-        <p:txBody>
-          <a:bodyPr wrap="square">
-            <a:spAutoFit/>
-          </a:bodyPr>
-          <a:lstStyle/>
-          <a:p>
-            <a:r>
-              <a:rPr lang="en-US" sz="3200" b="1" spc="67" dirty="0">
-                <a:ln w="0"/>
-                <a:solidFill>
-                  <a:schemeClr val="bg1">
-                    <a:lumMod val="85000"/>
-                  </a:schemeClr>
-                </a:solidFill>
-                <a:effectLst>
-                  <a:innerShdw blurRad="63500" dist="50800" dir="13500000">
-                    <a:srgbClr val="000000">
-                      <a:alpha val="50000"/>
-                    </a:srgbClr>
-                  </a:innerShdw>
-                </a:effectLst>
-              </a:rPr>
-              <a:t>Why </a:t>
-            </a:r>
-            <a:r>
-              <a:rPr lang="en-US" sz="3200" b="1" spc="67" dirty="0" err="1">
-                <a:ln w="0"/>
-                <a:solidFill>
-                  <a:schemeClr val="bg1">
-                    <a:lumMod val="85000"/>
-                  </a:schemeClr>
-                </a:solidFill>
-                <a:effectLst>
-                  <a:innerShdw blurRad="63500" dist="50800" dir="13500000">
-                    <a:srgbClr val="000000">
-                      <a:alpha val="50000"/>
-                    </a:srgbClr>
-                  </a:innerShdw>
-                </a:effectLst>
-              </a:rPr>
-              <a:t>ReactJS</a:t>
-            </a:r>
-            <a:r>
-              <a:rPr lang="en-US" sz="3200" b="1" spc="67" dirty="0">
-                <a:ln w="0"/>
-                <a:solidFill>
-                  <a:schemeClr val="bg1">
-                    <a:lumMod val="85000"/>
-                  </a:schemeClr>
-                </a:solidFill>
-                <a:effectLst>
-                  <a:innerShdw blurRad="63500" dist="50800" dir="13500000">
-                    <a:srgbClr val="000000">
-                      <a:alpha val="50000"/>
-                    </a:srgbClr>
-                  </a:innerShdw>
-                </a:effectLst>
-              </a:rPr>
-              <a:t>?</a:t>
-            </a:r>
-          </a:p>
-        </p:txBody>
-      </p:sp>
-      <p:sp>
-        <p:nvSpPr>
-          <p:cNvPr id="9" name="Rectangle 8"/>
-          <p:cNvSpPr/>
-          <p:nvPr/>
-        </p:nvSpPr>
-        <p:spPr>
-          <a:xfrm>
-            <a:off x="508001" y="3429000"/>
-            <a:ext cx="10092436" cy="2503378"/>
-          </a:xfrm>
-          <a:prstGeom prst="rect">
-            <a:avLst/>
-          </a:prstGeom>
-        </p:spPr>
-        <p:txBody>
-          <a:bodyPr wrap="square">
-            <a:spAutoFit/>
-          </a:bodyPr>
-          <a:lstStyle/>
-          <a:p>
-            <a:pPr marL="380990" indent="-380990">
-              <a:lnSpc>
-                <a:spcPct val="150000"/>
-              </a:lnSpc>
-              <a:buFont typeface="Arial" panose="020B0604020202020204" pitchFamily="34" charset="0"/>
-              <a:buChar char="•"/>
-            </a:pPr>
-            <a:r>
-              <a:rPr lang="en-US" sz="2133" dirty="0">
-                <a:solidFill>
-                  <a:srgbClr val="C4E3B0"/>
-                </a:solidFill>
-              </a:rPr>
-              <a:t>Curbs complexity of two-way data binding</a:t>
-            </a:r>
-          </a:p>
-          <a:p>
-            <a:pPr marL="380990" indent="-380990">
-              <a:lnSpc>
-                <a:spcPct val="150000"/>
-              </a:lnSpc>
-              <a:buFont typeface="Arial" panose="020B0604020202020204" pitchFamily="34" charset="0"/>
-              <a:buChar char="•"/>
-            </a:pPr>
-            <a:r>
-              <a:rPr lang="en-US" sz="2133" dirty="0">
-                <a:solidFill>
-                  <a:srgbClr val="C4E3B0"/>
-                </a:solidFill>
-              </a:rPr>
-              <a:t>Re-rendering of DOM tree</a:t>
-            </a:r>
-          </a:p>
-          <a:p>
-            <a:pPr marL="380990" indent="-380990">
-              <a:lnSpc>
-                <a:spcPct val="150000"/>
-              </a:lnSpc>
-              <a:buFont typeface="Arial" panose="020B0604020202020204" pitchFamily="34" charset="0"/>
-              <a:buChar char="•"/>
-            </a:pPr>
-            <a:r>
-              <a:rPr lang="en-US" sz="2133" dirty="0">
-                <a:solidFill>
-                  <a:srgbClr val="C4E3B0"/>
-                </a:solidFill>
-              </a:rPr>
-              <a:t>Dynamic data updates on page like API Calls, business logic etc.</a:t>
-            </a:r>
-          </a:p>
-          <a:p>
-            <a:pPr marL="380990" indent="-380990">
-              <a:lnSpc>
-                <a:spcPct val="150000"/>
-              </a:lnSpc>
-              <a:buFont typeface="Arial" panose="020B0604020202020204" pitchFamily="34" charset="0"/>
-              <a:buChar char="•"/>
-            </a:pPr>
-            <a:r>
-              <a:rPr lang="en-US" sz="2133" dirty="0">
-                <a:solidFill>
-                  <a:srgbClr val="C4E3B0"/>
-                </a:solidFill>
-              </a:rPr>
-              <a:t>Component based approach</a:t>
-            </a:r>
-          </a:p>
-          <a:p>
-            <a:pPr marL="380990" indent="-380990">
-              <a:lnSpc>
-                <a:spcPct val="150000"/>
-              </a:lnSpc>
-              <a:buFont typeface="Arial" panose="020B0604020202020204" pitchFamily="34" charset="0"/>
-              <a:buChar char="•"/>
-            </a:pPr>
-            <a:r>
-              <a:rPr lang="en-US" sz="2133" dirty="0">
-                <a:solidFill>
-                  <a:srgbClr val="C4E3B0"/>
-                </a:solidFill>
-              </a:rPr>
-              <a:t>Helps to build complex UI architecture like Facebook</a:t>
-            </a:r>
-          </a:p>
-        </p:txBody>
-      </p:sp>
-    </p:spTree>
-    <p:custDataLst>
-      <p:tags r:id="rId1"/>
-    </p:custDataLst>
-    <p:extLst>
-      <p:ext uri="{BB962C8B-B14F-4D97-AF65-F5344CB8AC3E}">
-        <p14:creationId xmlns:p14="http://schemas.microsoft.com/office/powerpoint/2010/main" val="1940087286"/>
-      </p:ext>
-    </p:extLst>
-  </p:cSld>
-  <p:clrMapOvr>
-    <a:masterClrMapping/>
-  </p:clrMapOvr>
-</p:sld>
-</file>
-
-<file path=ppt/slides/slide30.xml><?xml version="1.0" encoding="utf-8"?>
+<file path=ppt/slides/slide31.xml><?xml version="1.0" encoding="utf-8"?>
 <p:sld xmlns:a="http://schemas.openxmlformats.org/drawingml/2006/main" xmlns:r="http://schemas.openxmlformats.org/officeDocument/2006/relationships" xmlns:p="http://schemas.openxmlformats.org/presentationml/2006/main">
   <p:cSld>
     <p:spTree>
@@ -20994,14 +20919,246 @@
       </p:grpSpPr>
       <p:sp>
         <p:nvSpPr>
-          <p:cNvPr id="10" name="Rectangle 9"/>
+          <p:cNvPr id="6" name="Title 1"/>
+          <p:cNvSpPr>
+            <a:spLocks noGrp="1"/>
+          </p:cNvSpPr>
+          <p:nvPr>
+            <p:ph type="title"/>
+          </p:nvPr>
+        </p:nvSpPr>
+        <p:spPr>
+          <a:xfrm>
+            <a:off x="512064" y="365760"/>
+            <a:ext cx="11180064" cy="1060704"/>
+          </a:xfrm>
+        </p:spPr>
+        <p:txBody>
+          <a:bodyPr/>
+          <a:lstStyle/>
+          <a:p>
+            <a:r>
+              <a:rPr lang="en-US" sz="3200" dirty="0">
+                <a:solidFill>
+                  <a:schemeClr val="bg1">
+                    <a:lumMod val="85000"/>
+                  </a:schemeClr>
+                </a:solidFill>
+              </a:rPr>
+              <a:t>Introduction: What is React JS?</a:t>
+            </a:r>
+          </a:p>
+        </p:txBody>
+      </p:sp>
+      <p:sp>
+        <p:nvSpPr>
+          <p:cNvPr id="7" name="Content Placeholder 2"/>
+          <p:cNvSpPr txBox="1">
+            <a:spLocks/>
+          </p:cNvSpPr>
+          <p:nvPr/>
+        </p:nvSpPr>
+        <p:spPr>
+          <a:xfrm>
+            <a:off x="508000" y="1397000"/>
+            <a:ext cx="10875264" cy="1198032"/>
+          </a:xfrm>
+          <a:prstGeom prst="rect">
+            <a:avLst/>
+          </a:prstGeom>
+        </p:spPr>
+        <p:txBody>
+          <a:bodyPr>
+            <a:normAutofit/>
+          </a:bodyPr>
+          <a:lstStyle>
+            <a:lvl1pPr marL="342900" indent="-342900" algn="l" defTabSz="457200" rtl="0" eaLnBrk="1" latinLnBrk="0" hangingPunct="1">
+              <a:spcBef>
+                <a:spcPct val="20000"/>
+              </a:spcBef>
+              <a:buFont typeface="Arial"/>
+              <a:buChar char="•"/>
+              <a:defRPr sz="3200" kern="1200">
+                <a:solidFill>
+                  <a:schemeClr val="tx1"/>
+                </a:solidFill>
+                <a:latin typeface="+mn-lt"/>
+                <a:ea typeface="+mn-ea"/>
+                <a:cs typeface="+mn-cs"/>
+              </a:defRPr>
+            </a:lvl1pPr>
+            <a:lvl2pPr marL="742950" indent="-285750" algn="l" defTabSz="457200" rtl="0" eaLnBrk="1" latinLnBrk="0" hangingPunct="1">
+              <a:spcBef>
+                <a:spcPct val="20000"/>
+              </a:spcBef>
+              <a:buFont typeface="Arial"/>
+              <a:buChar char="–"/>
+              <a:defRPr sz="2800" kern="1200">
+                <a:solidFill>
+                  <a:schemeClr val="tx1"/>
+                </a:solidFill>
+                <a:latin typeface="+mn-lt"/>
+                <a:ea typeface="+mn-ea"/>
+                <a:cs typeface="+mn-cs"/>
+              </a:defRPr>
+            </a:lvl2pPr>
+            <a:lvl3pPr marL="1143000" indent="-228600" algn="l" defTabSz="457200" rtl="0" eaLnBrk="1" latinLnBrk="0" hangingPunct="1">
+              <a:spcBef>
+                <a:spcPct val="20000"/>
+              </a:spcBef>
+              <a:buFont typeface="Arial"/>
+              <a:buChar char="•"/>
+              <a:defRPr sz="2400" kern="1200">
+                <a:solidFill>
+                  <a:schemeClr val="tx1"/>
+                </a:solidFill>
+                <a:latin typeface="+mn-lt"/>
+                <a:ea typeface="+mn-ea"/>
+                <a:cs typeface="+mn-cs"/>
+              </a:defRPr>
+            </a:lvl3pPr>
+            <a:lvl4pPr marL="1600200" indent="-228600" algn="l" defTabSz="457200" rtl="0" eaLnBrk="1" latinLnBrk="0" hangingPunct="1">
+              <a:spcBef>
+                <a:spcPct val="20000"/>
+              </a:spcBef>
+              <a:buFont typeface="Arial"/>
+              <a:buChar char="–"/>
+              <a:defRPr sz="2000" kern="1200">
+                <a:solidFill>
+                  <a:schemeClr val="tx1"/>
+                </a:solidFill>
+                <a:latin typeface="+mn-lt"/>
+                <a:ea typeface="+mn-ea"/>
+                <a:cs typeface="+mn-cs"/>
+              </a:defRPr>
+            </a:lvl4pPr>
+            <a:lvl5pPr marL="2057400" indent="-228600" algn="l" defTabSz="457200" rtl="0" eaLnBrk="1" latinLnBrk="0" hangingPunct="1">
+              <a:spcBef>
+                <a:spcPct val="20000"/>
+              </a:spcBef>
+              <a:buFont typeface="Arial"/>
+              <a:buChar char="»"/>
+              <a:defRPr sz="2000" kern="1200">
+                <a:solidFill>
+                  <a:schemeClr val="tx1"/>
+                </a:solidFill>
+                <a:latin typeface="+mn-lt"/>
+                <a:ea typeface="+mn-ea"/>
+                <a:cs typeface="+mn-cs"/>
+              </a:defRPr>
+            </a:lvl5pPr>
+            <a:lvl6pPr marL="2514600" indent="-228600" algn="l" defTabSz="457200" rtl="0" eaLnBrk="1" latinLnBrk="0" hangingPunct="1">
+              <a:spcBef>
+                <a:spcPct val="20000"/>
+              </a:spcBef>
+              <a:buFont typeface="Arial"/>
+              <a:buChar char="•"/>
+              <a:defRPr sz="2000" kern="1200">
+                <a:solidFill>
+                  <a:schemeClr val="tx1"/>
+                </a:solidFill>
+                <a:latin typeface="+mn-lt"/>
+                <a:ea typeface="+mn-ea"/>
+                <a:cs typeface="+mn-cs"/>
+              </a:defRPr>
+            </a:lvl6pPr>
+            <a:lvl7pPr marL="2971800" indent="-228600" algn="l" defTabSz="457200" rtl="0" eaLnBrk="1" latinLnBrk="0" hangingPunct="1">
+              <a:spcBef>
+                <a:spcPct val="20000"/>
+              </a:spcBef>
+              <a:buFont typeface="Arial"/>
+              <a:buChar char="•"/>
+              <a:defRPr sz="2000" kern="1200">
+                <a:solidFill>
+                  <a:schemeClr val="tx1"/>
+                </a:solidFill>
+                <a:latin typeface="+mn-lt"/>
+                <a:ea typeface="+mn-ea"/>
+                <a:cs typeface="+mn-cs"/>
+              </a:defRPr>
+            </a:lvl7pPr>
+            <a:lvl8pPr marL="3429000" indent="-228600" algn="l" defTabSz="457200" rtl="0" eaLnBrk="1" latinLnBrk="0" hangingPunct="1">
+              <a:spcBef>
+                <a:spcPct val="20000"/>
+              </a:spcBef>
+              <a:buFont typeface="Arial"/>
+              <a:buChar char="•"/>
+              <a:defRPr sz="2000" kern="1200">
+                <a:solidFill>
+                  <a:schemeClr val="tx1"/>
+                </a:solidFill>
+                <a:latin typeface="+mn-lt"/>
+                <a:ea typeface="+mn-ea"/>
+                <a:cs typeface="+mn-cs"/>
+              </a:defRPr>
+            </a:lvl8pPr>
+            <a:lvl9pPr marL="3886200" indent="-228600" algn="l" defTabSz="457200" rtl="0" eaLnBrk="1" latinLnBrk="0" hangingPunct="1">
+              <a:spcBef>
+                <a:spcPct val="20000"/>
+              </a:spcBef>
+              <a:buFont typeface="Arial"/>
+              <a:buChar char="•"/>
+              <a:defRPr sz="2000" kern="1200">
+                <a:solidFill>
+                  <a:schemeClr val="tx1"/>
+                </a:solidFill>
+                <a:latin typeface="+mn-lt"/>
+                <a:ea typeface="+mn-ea"/>
+                <a:cs typeface="+mn-cs"/>
+              </a:defRPr>
+            </a:lvl9pPr>
+          </a:lstStyle>
+          <a:p>
+            <a:pPr marL="380990" indent="-380990">
+              <a:buFont typeface="Arial" panose="020B0604020202020204" pitchFamily="34" charset="0"/>
+              <a:buChar char="•"/>
+            </a:pPr>
+            <a:r>
+              <a:rPr lang="en-US" sz="2133" i="1" dirty="0">
+                <a:solidFill>
+                  <a:srgbClr val="C4E3B0"/>
+                </a:solidFill>
+              </a:rPr>
+              <a:t>React is a Javascript library for building user interfaces</a:t>
+            </a:r>
+          </a:p>
+          <a:p>
+            <a:pPr marL="380990" indent="-380990">
+              <a:buFont typeface="Arial" panose="020B0604020202020204" pitchFamily="34" charset="0"/>
+              <a:buChar char="•"/>
+            </a:pPr>
+            <a:r>
+              <a:rPr lang="en-US" sz="2133" i="1" dirty="0">
+                <a:solidFill>
+                  <a:srgbClr val="C4E3B0"/>
+                </a:solidFill>
+              </a:rPr>
+              <a:t>Developed by Facebook</a:t>
+            </a:r>
+          </a:p>
+          <a:p>
+            <a:pPr marL="380990" indent="-380990">
+              <a:buFont typeface="Arial" panose="020B0604020202020204" pitchFamily="34" charset="0"/>
+              <a:buChar char="•"/>
+            </a:pPr>
+            <a:endParaRPr lang="en-US" sz="2133" i="1" dirty="0">
+              <a:solidFill>
+                <a:srgbClr val="C4E3B0"/>
+              </a:solidFill>
+            </a:endParaRPr>
+          </a:p>
+        </p:txBody>
+      </p:sp>
+      <p:sp>
+        <p:nvSpPr>
+          <p:cNvPr id="8" name="Rectangle 7"/>
           <p:cNvSpPr/>
           <p:nvPr/>
         </p:nvSpPr>
         <p:spPr>
           <a:xfrm>
-            <a:off x="1930400" y="2514600"/>
-            <a:ext cx="8026400" cy="1610826"/>
+            <a:off x="609600" y="2616201"/>
+            <a:ext cx="8544851" cy="584775"/>
           </a:xfrm>
           <a:prstGeom prst="rect">
             <a:avLst/>
@@ -21013,56 +21170,167 @@
           </a:bodyPr>
           <a:lstStyle/>
           <a:p>
-            <a:pPr algn="ctr">
-              <a:spcAft>
-                <a:spcPts val="1600"/>
-              </a:spcAft>
-            </a:pPr>
-            <a:r>
-              <a:rPr lang="en-US" sz="3200" b="1" dirty="0">
+            <a:r>
+              <a:rPr lang="en-US" sz="3200" b="1" spc="67" dirty="0">
+                <a:ln w="0"/>
                 <a:solidFill>
                   <a:schemeClr val="bg1">
                     <a:lumMod val="85000"/>
                   </a:schemeClr>
                 </a:solidFill>
+                <a:effectLst>
+                  <a:innerShdw blurRad="63500" dist="50800" dir="13500000">
+                    <a:srgbClr val="000000">
+                      <a:alpha val="50000"/>
+                    </a:srgbClr>
+                  </a:innerShdw>
+                </a:effectLst>
               </a:rPr>
-              <a:t>Who will be Benefitted ?</a:t>
-            </a:r>
-          </a:p>
-          <a:p>
-            <a:pPr marL="2057349" lvl="3" indent="-228594">
+              <a:t>Why </a:t>
+            </a:r>
+            <a:r>
+              <a:rPr lang="en-US" sz="3200" b="1" spc="67" dirty="0" err="1">
+                <a:ln w="0"/>
+                <a:solidFill>
+                  <a:schemeClr val="bg1">
+                    <a:lumMod val="85000"/>
+                  </a:schemeClr>
+                </a:solidFill>
+                <a:effectLst>
+                  <a:innerShdw blurRad="63500" dist="50800" dir="13500000">
+                    <a:srgbClr val="000000">
+                      <a:alpha val="50000"/>
+                    </a:srgbClr>
+                  </a:innerShdw>
+                </a:effectLst>
+              </a:rPr>
+              <a:t>ReactJS</a:t>
+            </a:r>
+            <a:r>
+              <a:rPr lang="en-US" sz="3200" b="1" spc="67" dirty="0">
+                <a:ln w="0"/>
+                <a:solidFill>
+                  <a:schemeClr val="bg1">
+                    <a:lumMod val="85000"/>
+                  </a:schemeClr>
+                </a:solidFill>
+                <a:effectLst>
+                  <a:innerShdw blurRad="63500" dist="50800" dir="13500000">
+                    <a:srgbClr val="000000">
+                      <a:alpha val="50000"/>
+                    </a:srgbClr>
+                  </a:innerShdw>
+                </a:effectLst>
+              </a:rPr>
+              <a:t>?</a:t>
+            </a:r>
+          </a:p>
+        </p:txBody>
+      </p:sp>
+      <p:sp>
+        <p:nvSpPr>
+          <p:cNvPr id="9" name="Rectangle 8"/>
+          <p:cNvSpPr/>
+          <p:nvPr/>
+        </p:nvSpPr>
+        <p:spPr>
+          <a:xfrm>
+            <a:off x="508001" y="3429000"/>
+            <a:ext cx="10092436" cy="2503378"/>
+          </a:xfrm>
+          <a:prstGeom prst="rect">
+            <a:avLst/>
+          </a:prstGeom>
+        </p:spPr>
+        <p:txBody>
+          <a:bodyPr wrap="square">
+            <a:spAutoFit/>
+          </a:bodyPr>
+          <a:lstStyle/>
+          <a:p>
+            <a:pPr marL="380990" indent="-380990">
+              <a:lnSpc>
+                <a:spcPct val="150000"/>
+              </a:lnSpc>
               <a:buFont typeface="Arial" panose="020B0604020202020204" pitchFamily="34" charset="0"/>
               <a:buChar char="•"/>
             </a:pPr>
             <a:r>
-              <a:rPr lang="en-US" sz="2667" dirty="0">
+              <a:rPr lang="en-US" sz="2133" dirty="0">
                 <a:solidFill>
                   <a:srgbClr val="C4E3B0"/>
                 </a:solidFill>
               </a:rPr>
-              <a:t>Associates</a:t>
-            </a:r>
-          </a:p>
-          <a:p>
-            <a:pPr marL="2057349" lvl="3" indent="-228594">
+              <a:t>Curbs complexity of two-way data binding</a:t>
+            </a:r>
+          </a:p>
+          <a:p>
+            <a:pPr marL="380990" indent="-380990">
+              <a:lnSpc>
+                <a:spcPct val="150000"/>
+              </a:lnSpc>
               <a:buFont typeface="Arial" panose="020B0604020202020204" pitchFamily="34" charset="0"/>
               <a:buChar char="•"/>
             </a:pPr>
             <a:r>
-              <a:rPr lang="en-US" sz="2667" dirty="0">
+              <a:rPr lang="en-US" sz="2133" dirty="0">
                 <a:solidFill>
                   <a:srgbClr val="C4E3B0"/>
                 </a:solidFill>
               </a:rPr>
-              <a:t>Management</a:t>
-            </a:r>
-            <a:endParaRPr lang="en-US" sz="2667" b="1" dirty="0">
-              <a:solidFill>
-                <a:schemeClr val="bg1">
-                  <a:lumMod val="85000"/>
-                </a:schemeClr>
-              </a:solidFill>
-            </a:endParaRPr>
+              <a:t>Re-rendering of DOM tree</a:t>
+            </a:r>
+          </a:p>
+          <a:p>
+            <a:pPr marL="380990" indent="-380990">
+              <a:lnSpc>
+                <a:spcPct val="150000"/>
+              </a:lnSpc>
+              <a:buFont typeface="Arial" panose="020B0604020202020204" pitchFamily="34" charset="0"/>
+              <a:buChar char="•"/>
+            </a:pPr>
+            <a:r>
+              <a:rPr lang="en-US" sz="2133" dirty="0">
+                <a:solidFill>
+                  <a:srgbClr val="C4E3B0"/>
+                </a:solidFill>
+              </a:rPr>
+              <a:t>Dynamic data updates on page like API Calls, business logic etc.</a:t>
+            </a:r>
+          </a:p>
+          <a:p>
+            <a:pPr marL="380990" indent="-380990">
+              <a:lnSpc>
+                <a:spcPct val="150000"/>
+              </a:lnSpc>
+              <a:buFont typeface="Arial" panose="020B0604020202020204" pitchFamily="34" charset="0"/>
+              <a:buChar char="•"/>
+            </a:pPr>
+            <a:r>
+              <a:rPr lang="en-US" sz="2133" dirty="0">
+                <a:solidFill>
+                  <a:srgbClr val="C4E3B0"/>
+                </a:solidFill>
+              </a:rPr>
+              <a:t>Component based approach</a:t>
+            </a:r>
+          </a:p>
+          <a:p>
+            <a:pPr marL="380990" indent="-380990">
+              <a:lnSpc>
+                <a:spcPct val="150000"/>
+              </a:lnSpc>
+              <a:buFont typeface="Arial" panose="020B0604020202020204" pitchFamily="34" charset="0"/>
+              <a:buChar char="•"/>
+            </a:pPr>
+            <a:r>
+              <a:rPr lang="en-US" sz="2133" dirty="0">
+                <a:solidFill>
+                  <a:srgbClr val="C4E3B0"/>
+                </a:solidFill>
+              </a:rPr>
+              <a:t>Helps to build complex UI architecture like Facebook</a:t>
+            </a:r>
           </a:p>
         </p:txBody>
       </p:sp>
@@ -21072,7 +21340,7 @@
     </p:custDataLst>
     <p:extLst>
       <p:ext uri="{BB962C8B-B14F-4D97-AF65-F5344CB8AC3E}">
-        <p14:creationId xmlns:p14="http://schemas.microsoft.com/office/powerpoint/2010/main" val="819693354"/>
+        <p14:creationId xmlns:p14="http://schemas.microsoft.com/office/powerpoint/2010/main" val="1940087286"/>
       </p:ext>
     </p:extLst>
   </p:cSld>
@@ -21101,94 +21369,75 @@
       </p:grpSpPr>
       <p:sp>
         <p:nvSpPr>
-          <p:cNvPr id="7" name="Title 6"/>
-          <p:cNvSpPr>
-            <a:spLocks noGrp="1"/>
-          </p:cNvSpPr>
-          <p:nvPr>
-            <p:ph type="title"/>
-          </p:nvPr>
+          <p:cNvPr id="10" name="Rectangle 9"/>
+          <p:cNvSpPr/>
+          <p:nvPr/>
         </p:nvSpPr>
         <p:spPr>
           <a:xfrm>
-            <a:off x="480847" y="279400"/>
-            <a:ext cx="11186220" cy="607259"/>
-          </a:xfrm>
-        </p:spPr>
-        <p:txBody>
-          <a:bodyPr/>
+            <a:off x="1930400" y="2514600"/>
+            <a:ext cx="8026400" cy="1610826"/>
+          </a:xfrm>
+          <a:prstGeom prst="rect">
+            <a:avLst/>
+          </a:prstGeom>
+        </p:spPr>
+        <p:txBody>
+          <a:bodyPr wrap="square">
+            <a:spAutoFit/>
+          </a:bodyPr>
           <a:lstStyle/>
           <a:p>
-            <a:r>
-              <a:rPr lang="en-US" sz="3200" dirty="0">
+            <a:pPr algn="ctr">
+              <a:spcAft>
+                <a:spcPts val="1600"/>
+              </a:spcAft>
+            </a:pPr>
+            <a:r>
+              <a:rPr lang="en-US" sz="3200" b="1" dirty="0">
                 <a:solidFill>
                   <a:schemeClr val="bg1">
                     <a:lumMod val="85000"/>
                   </a:schemeClr>
                 </a:solidFill>
               </a:rPr>
-              <a:t>Key Topics</a:t>
-            </a:r>
-          </a:p>
-        </p:txBody>
-      </p:sp>
-      <p:sp>
-        <p:nvSpPr>
-          <p:cNvPr id="8" name="Text Placeholder 7"/>
-          <p:cNvSpPr>
-            <a:spLocks noGrp="1"/>
-          </p:cNvSpPr>
-          <p:nvPr>
-            <p:ph type="body" sz="quarter" idx="13"/>
-          </p:nvPr>
-        </p:nvSpPr>
-        <p:spPr/>
-        <p:txBody>
-          <a:bodyPr>
-            <a:noAutofit/>
-          </a:bodyPr>
-          <a:lstStyle/>
-          <a:p>
-            <a:pPr marL="380990" indent="-380990">
+              <a:t>Who will be Benefitted ?</a:t>
+            </a:r>
+          </a:p>
+          <a:p>
+            <a:pPr marL="2057349" lvl="3" indent="-228594">
               <a:buFont typeface="Arial" panose="020B0604020202020204" pitchFamily="34" charset="0"/>
               <a:buChar char="•"/>
             </a:pPr>
             <a:r>
-              <a:rPr lang="en-US" sz="2133" dirty="0">
+              <a:rPr lang="en-US" sz="2667" dirty="0">
                 <a:solidFill>
                   <a:srgbClr val="C4E3B0"/>
                 </a:solidFill>
               </a:rPr>
-              <a:t>Installation </a:t>
-            </a:r>
-          </a:p>
-          <a:p>
-            <a:pPr marL="380990" indent="-380990">
+              <a:t>Associates</a:t>
+            </a:r>
+          </a:p>
+          <a:p>
+            <a:pPr marL="2057349" lvl="3" indent="-228594">
               <a:buFont typeface="Arial" panose="020B0604020202020204" pitchFamily="34" charset="0"/>
               <a:buChar char="•"/>
             </a:pPr>
             <a:r>
-              <a:rPr lang="en-US" sz="2133" dirty="0">
+              <a:rPr lang="en-US" sz="2667" dirty="0">
                 <a:solidFill>
                   <a:srgbClr val="C4E3B0"/>
                 </a:solidFill>
               </a:rPr>
-              <a:t>Project Structure</a:t>
-            </a:r>
-          </a:p>
-          <a:p>
-            <a:pPr marL="380990" indent="-380990">
-              <a:buFont typeface="Arial" panose="020B0604020202020204" pitchFamily="34" charset="0"/>
-              <a:buChar char="•"/>
-            </a:pPr>
-            <a:r>
-              <a:rPr lang="en-US" sz="2133" dirty="0">
-                <a:solidFill>
-                  <a:srgbClr val="C4E3B0"/>
-                </a:solidFill>
-              </a:rPr>
-              <a:t>React Features</a:t>
-            </a:r>
+              <a:t>Management</a:t>
+            </a:r>
+            <a:endParaRPr lang="en-US" sz="2667" b="1" dirty="0">
+              <a:solidFill>
+                <a:schemeClr val="bg1">
+                  <a:lumMod val="85000"/>
+                </a:schemeClr>
+              </a:solidFill>
+            </a:endParaRPr>
           </a:p>
         </p:txBody>
       </p:sp>
@@ -21198,7 +21447,7 @@
     </p:custDataLst>
     <p:extLst>
       <p:ext uri="{BB962C8B-B14F-4D97-AF65-F5344CB8AC3E}">
-        <p14:creationId xmlns:p14="http://schemas.microsoft.com/office/powerpoint/2010/main" val="3867859905"/>
+        <p14:creationId xmlns:p14="http://schemas.microsoft.com/office/powerpoint/2010/main" val="819693354"/>
       </p:ext>
     </p:extLst>
   </p:cSld>
@@ -21227,18 +21476,18 @@
       </p:grpSpPr>
       <p:sp>
         <p:nvSpPr>
-          <p:cNvPr id="2" name="Text Placeholder 1"/>
+          <p:cNvPr id="7" name="Title 6"/>
           <p:cNvSpPr>
             <a:spLocks noGrp="1"/>
           </p:cNvSpPr>
           <p:nvPr>
-            <p:ph type="body" sz="quarter" idx="14"/>
+            <p:ph type="title"/>
           </p:nvPr>
         </p:nvSpPr>
         <p:spPr>
           <a:xfrm>
-            <a:off x="0" y="2616200"/>
-            <a:ext cx="12177485" cy="748988"/>
+            <a:off x="480847" y="279400"/>
+            <a:ext cx="11186220" cy="607259"/>
           </a:xfrm>
         </p:spPr>
         <p:txBody>
@@ -21246,10 +21495,75 @@
           <a:lstStyle/>
           <a:p>
             <a:r>
-              <a:rPr lang="en-US" dirty="0"/>
-              <a:t>React JS Installation </a:t>
-            </a:r>
-            <a:endParaRPr lang="en-US" sz="2133" dirty="0"/>
+              <a:rPr lang="en-US" sz="3200" dirty="0">
+                <a:solidFill>
+                  <a:schemeClr val="bg1">
+                    <a:lumMod val="85000"/>
+                  </a:schemeClr>
+                </a:solidFill>
+              </a:rPr>
+              <a:t>Key Topics</a:t>
+            </a:r>
+          </a:p>
+        </p:txBody>
+      </p:sp>
+      <p:sp>
+        <p:nvSpPr>
+          <p:cNvPr id="8" name="Text Placeholder 7"/>
+          <p:cNvSpPr>
+            <a:spLocks noGrp="1"/>
+          </p:cNvSpPr>
+          <p:nvPr>
+            <p:ph type="body" sz="quarter" idx="13"/>
+          </p:nvPr>
+        </p:nvSpPr>
+        <p:spPr/>
+        <p:txBody>
+          <a:bodyPr>
+            <a:noAutofit/>
+          </a:bodyPr>
+          <a:lstStyle/>
+          <a:p>
+            <a:pPr marL="380990" indent="-380990">
+              <a:buFont typeface="Arial" panose="020B0604020202020204" pitchFamily="34" charset="0"/>
+              <a:buChar char="•"/>
+            </a:pPr>
+            <a:r>
+              <a:rPr lang="en-US" sz="2133" dirty="0">
+                <a:solidFill>
+                  <a:srgbClr val="C4E3B0"/>
+                </a:solidFill>
+              </a:rPr>
+              <a:t>Installation </a:t>
+            </a:r>
+          </a:p>
+          <a:p>
+            <a:pPr marL="380990" indent="-380990">
+              <a:buFont typeface="Arial" panose="020B0604020202020204" pitchFamily="34" charset="0"/>
+              <a:buChar char="•"/>
+            </a:pPr>
+            <a:r>
+              <a:rPr lang="en-US" sz="2133" dirty="0">
+                <a:solidFill>
+                  <a:srgbClr val="C4E3B0"/>
+                </a:solidFill>
+              </a:rPr>
+              <a:t>Project Structure</a:t>
+            </a:r>
+          </a:p>
+          <a:p>
+            <a:pPr marL="380990" indent="-380990">
+              <a:buFont typeface="Arial" panose="020B0604020202020204" pitchFamily="34" charset="0"/>
+              <a:buChar char="•"/>
+            </a:pPr>
+            <a:r>
+              <a:rPr lang="en-US" sz="2133" dirty="0">
+                <a:solidFill>
+                  <a:srgbClr val="C4E3B0"/>
+                </a:solidFill>
+              </a:rPr>
+              <a:t>React Features</a:t>
+            </a:r>
           </a:p>
         </p:txBody>
       </p:sp>
@@ -21259,7 +21573,7 @@
     </p:custDataLst>
     <p:extLst>
       <p:ext uri="{BB962C8B-B14F-4D97-AF65-F5344CB8AC3E}">
-        <p14:creationId xmlns:p14="http://schemas.microsoft.com/office/powerpoint/2010/main" val="3918345706"/>
+        <p14:creationId xmlns:p14="http://schemas.microsoft.com/office/powerpoint/2010/main" val="3867859905"/>
       </p:ext>
     </p:extLst>
   </p:cSld>
@@ -21288,6 +21602,67 @@
       </p:grpSpPr>
       <p:sp>
         <p:nvSpPr>
+          <p:cNvPr id="2" name="Text Placeholder 1"/>
+          <p:cNvSpPr>
+            <a:spLocks noGrp="1"/>
+          </p:cNvSpPr>
+          <p:nvPr>
+            <p:ph type="body" sz="quarter" idx="14"/>
+          </p:nvPr>
+        </p:nvSpPr>
+        <p:spPr>
+          <a:xfrm>
+            <a:off x="0" y="2616200"/>
+            <a:ext cx="12177485" cy="748988"/>
+          </a:xfrm>
+        </p:spPr>
+        <p:txBody>
+          <a:bodyPr/>
+          <a:lstStyle/>
+          <a:p>
+            <a:r>
+              <a:rPr lang="en-US" dirty="0"/>
+              <a:t>React JS Installation </a:t>
+            </a:r>
+            <a:endParaRPr lang="en-US" sz="2133" dirty="0"/>
+          </a:p>
+        </p:txBody>
+      </p:sp>
+    </p:spTree>
+    <p:custDataLst>
+      <p:tags r:id="rId1"/>
+    </p:custDataLst>
+    <p:extLst>
+      <p:ext uri="{BB962C8B-B14F-4D97-AF65-F5344CB8AC3E}">
+        <p14:creationId xmlns:p14="http://schemas.microsoft.com/office/powerpoint/2010/main" val="3918345706"/>
+      </p:ext>
+    </p:extLst>
+  </p:cSld>
+  <p:clrMapOvr>
+    <a:masterClrMapping/>
+  </p:clrMapOvr>
+</p:sld>
+</file>
+
+<file path=ppt/slides/slide8.xml><?xml version="1.0" encoding="utf-8"?>
+<p:sld xmlns:a="http://schemas.openxmlformats.org/drawingml/2006/main" xmlns:r="http://schemas.openxmlformats.org/officeDocument/2006/relationships" xmlns:p="http://schemas.openxmlformats.org/presentationml/2006/main">
+  <p:cSld>
+    <p:spTree>
+      <p:nvGrpSpPr>
+        <p:cNvPr id="1" name=""/>
+        <p:cNvGrpSpPr/>
+        <p:nvPr/>
+      </p:nvGrpSpPr>
+      <p:grpSpPr>
+        <a:xfrm>
+          <a:off x="0" y="0"/>
+          <a:ext cx="0" cy="0"/>
+          <a:chOff x="0" y="0"/>
+          <a:chExt cx="0" cy="0"/>
+        </a:xfrm>
+      </p:grpSpPr>
+      <p:sp>
+        <p:nvSpPr>
           <p:cNvPr id="2" name="Title 1"/>
           <p:cNvSpPr txBox="1">
             <a:spLocks/>
@@ -21725,7 +22100,7 @@
         </p:blipFill>
         <p:spPr>
           <a:xfrm>
-            <a:off x="6914474" y="4054257"/>
+            <a:off x="6979788" y="3945374"/>
             <a:ext cx="4871126" cy="2326360"/>
           </a:xfrm>
           <a:prstGeom prst="rect">
@@ -21767,7 +22142,23 @@
                   <a:schemeClr val="bg1"/>
                 </a:solidFill>
               </a:rPr>
-              <a:t>*If create-react-app my-app doesn’t work, try </a:t>
+              <a:t>*If create-react-app hello-react-</a:t>
+            </a:r>
+            <a:r>
+              <a:rPr lang="en-US" dirty="0" err="1">
+                <a:solidFill>
+                  <a:schemeClr val="bg1"/>
+                </a:solidFill>
+              </a:rPr>
+              <a:t>devbios</a:t>
+            </a:r>
+            <a:r>
+              <a:rPr lang="en-US" dirty="0">
+                <a:solidFill>
+                  <a:schemeClr val="bg1"/>
+                </a:solidFill>
+              </a:rPr>
+              <a:t> doesn’t work, try </a:t>
             </a:r>
             <a:r>
               <a:rPr lang="en-US" dirty="0" err="1">
@@ -21812,7 +22203,7 @@
 </p:sld>
 </file>
 
-<file path=ppt/slides/slide8.xml><?xml version="1.0" encoding="utf-8"?>
+<file path=ppt/slides/slide9.xml><?xml version="1.0" encoding="utf-8"?>
 <p:sld xmlns:a="http://schemas.openxmlformats.org/drawingml/2006/main" xmlns:r="http://schemas.openxmlformats.org/officeDocument/2006/relationships" xmlns:p="http://schemas.openxmlformats.org/presentationml/2006/main">
   <p:cSld>
     <p:spTree>
@@ -22041,95 +22432,6 @@
     <p:extLst>
       <p:ext uri="{BB962C8B-B14F-4D97-AF65-F5344CB8AC3E}">
         <p14:creationId xmlns:p14="http://schemas.microsoft.com/office/powerpoint/2010/main" val="3917780245"/>
-      </p:ext>
-    </p:extLst>
-  </p:cSld>
-  <p:clrMapOvr>
-    <a:masterClrMapping/>
-  </p:clrMapOvr>
-</p:sld>
-</file>
-
-<file path=ppt/slides/slide9.xml><?xml version="1.0" encoding="utf-8"?>
-<p:sld xmlns:a="http://schemas.openxmlformats.org/drawingml/2006/main" xmlns:r="http://schemas.openxmlformats.org/officeDocument/2006/relationships" xmlns:p="http://schemas.openxmlformats.org/presentationml/2006/main">
-  <p:cSld>
-    <p:spTree>
-      <p:nvGrpSpPr>
-        <p:cNvPr id="1" name=""/>
-        <p:cNvGrpSpPr/>
-        <p:nvPr/>
-      </p:nvGrpSpPr>
-      <p:grpSpPr>
-        <a:xfrm>
-          <a:off x="0" y="0"/>
-          <a:ext cx="0" cy="0"/>
-          <a:chOff x="0" y="0"/>
-          <a:chExt cx="0" cy="0"/>
-        </a:xfrm>
-      </p:grpSpPr>
-      <p:sp>
-        <p:nvSpPr>
-          <p:cNvPr id="2" name="Title 1">
-            <a:extLst>
-              <a:ext uri="{FF2B5EF4-FFF2-40B4-BE49-F238E27FC236}">
-                <a16:creationId xmlns:a16="http://schemas.microsoft.com/office/drawing/2014/main" id="{6A7D502C-2218-1441-9745-80FC9D3C9DD2}"/>
-              </a:ext>
-            </a:extLst>
-          </p:cNvPr>
-          <p:cNvSpPr>
-            <a:spLocks noGrp="1"/>
-          </p:cNvSpPr>
-          <p:nvPr>
-            <p:ph type="title"/>
-          </p:nvPr>
-        </p:nvSpPr>
-        <p:spPr/>
-        <p:txBody>
-          <a:bodyPr/>
-          <a:lstStyle/>
-          <a:p>
-            <a:pPr algn="ctr"/>
-            <a:r>
-              <a:rPr lang="en-US" dirty="0"/>
-              <a:t>Hello React!</a:t>
-            </a:r>
-          </a:p>
-        </p:txBody>
-      </p:sp>
-      <p:pic>
-        <p:nvPicPr>
-          <p:cNvPr id="4" name="Picture 3">
-            <a:extLst>
-              <a:ext uri="{FF2B5EF4-FFF2-40B4-BE49-F238E27FC236}">
-                <a16:creationId xmlns:a16="http://schemas.microsoft.com/office/drawing/2014/main" id="{1FF7DFA9-58B3-BE40-B0E5-03711620FA12}"/>
-              </a:ext>
-            </a:extLst>
-          </p:cNvPr>
-          <p:cNvPicPr>
-            <a:picLocks noChangeAspect="1"/>
-          </p:cNvPicPr>
-          <p:nvPr/>
-        </p:nvPicPr>
-        <p:blipFill>
-          <a:blip r:embed="rId2"/>
-          <a:stretch>
-            <a:fillRect/>
-          </a:stretch>
-        </p:blipFill>
-        <p:spPr>
-          <a:xfrm>
-            <a:off x="608996" y="518984"/>
-            <a:ext cx="11301813" cy="6858000"/>
-          </a:xfrm>
-          <a:prstGeom prst="rect">
-            <a:avLst/>
-          </a:prstGeom>
-        </p:spPr>
-      </p:pic>
-    </p:spTree>
-    <p:extLst>
-      <p:ext uri="{BB962C8B-B14F-4D97-AF65-F5344CB8AC3E}">
-        <p14:creationId xmlns:p14="http://schemas.microsoft.com/office/powerpoint/2010/main" val="4045679828"/>
       </p:ext>
     </p:extLst>
   </p:cSld>

--- a/01 Introduction to React.pptx
+++ b/01 Introduction to React.pptx
@@ -227,7 +227,7 @@
           <a:p>
             <a:fld id="{B376EE29-1A90-1146-96FE-FD5979F1AFC2}" type="datetimeFigureOut">
               <a:rPr lang="en-US" smtClean="0"/>
-              <a:t>6/8/20</a:t>
+              <a:t>6/10/20</a:t>
             </a:fld>
             <a:endParaRPr lang="en-US"/>
           </a:p>
@@ -2573,7 +2573,7 @@
           <a:p>
             <a:fld id="{FAC8553D-62A4-B94A-B303-E17560B89933}" type="datetimeFigureOut">
               <a:rPr lang="en-US" smtClean="0"/>
-              <a:t>6/8/20</a:t>
+              <a:t>6/10/20</a:t>
             </a:fld>
             <a:endParaRPr lang="en-US"/>
           </a:p>
@@ -2771,7 +2771,7 @@
           <a:p>
             <a:fld id="{FAC8553D-62A4-B94A-B303-E17560B89933}" type="datetimeFigureOut">
               <a:rPr lang="en-US" smtClean="0"/>
-              <a:t>6/8/20</a:t>
+              <a:t>6/10/20</a:t>
             </a:fld>
             <a:endParaRPr lang="en-US"/>
           </a:p>
@@ -2979,7 +2979,7 @@
           <a:p>
             <a:fld id="{FAC8553D-62A4-B94A-B303-E17560B89933}" type="datetimeFigureOut">
               <a:rPr lang="en-US" smtClean="0"/>
-              <a:t>6/8/20</a:t>
+              <a:t>6/10/20</a:t>
             </a:fld>
             <a:endParaRPr lang="en-US"/>
           </a:p>
@@ -3345,293 +3345,6 @@
           </a:extLst>
         </p:spPr>
       </p:pic>
-      <p:sp>
-        <p:nvSpPr>
-          <p:cNvPr id="9" name="Rectangle 8"/>
-          <p:cNvSpPr/>
-          <p:nvPr userDrawn="1"/>
-        </p:nvSpPr>
-        <p:spPr>
-          <a:xfrm>
-            <a:off x="-5181600" y="0"/>
-            <a:ext cx="4876800" cy="6858000"/>
-          </a:xfrm>
-          <a:prstGeom prst="rect">
-            <a:avLst/>
-          </a:prstGeom>
-          <a:solidFill>
-            <a:srgbClr val="0070C0">
-              <a:alpha val="50000"/>
-            </a:srgbClr>
-          </a:solidFill>
-          <a:ln>
-            <a:noFill/>
-          </a:ln>
-          <a:effectLst/>
-        </p:spPr>
-        <p:style>
-          <a:lnRef idx="1">
-            <a:schemeClr val="accent1"/>
-          </a:lnRef>
-          <a:fillRef idx="3">
-            <a:schemeClr val="accent1"/>
-          </a:fillRef>
-          <a:effectRef idx="2">
-            <a:schemeClr val="accent1"/>
-          </a:effectRef>
-          <a:fontRef idx="minor">
-            <a:schemeClr val="lt1"/>
-          </a:fontRef>
-        </p:style>
-        <p:txBody>
-          <a:bodyPr rtlCol="0" anchor="t" anchorCtr="0"/>
-          <a:lstStyle/>
-          <a:p>
-            <a:pPr marL="0" marR="0" lvl="0" indent="0" algn="l" defTabSz="1219170" rtl="0" eaLnBrk="1" fontAlgn="auto" latinLnBrk="0" hangingPunct="1">
-              <a:lnSpc>
-                <a:spcPct val="100000"/>
-              </a:lnSpc>
-              <a:spcBef>
-                <a:spcPts val="0"/>
-              </a:spcBef>
-              <a:spcAft>
-                <a:spcPts val="0"/>
-              </a:spcAft>
-              <a:buClrTx/>
-              <a:buSzTx/>
-              <a:buFont typeface="Arial" panose="020B0604020202020204" pitchFamily="34" charset="0"/>
-              <a:buNone/>
-              <a:tabLst/>
-              <a:defRPr/>
-            </a:pPr>
-            <a:r>
-              <a:rPr lang="en-US" sz="2400" b="1" dirty="0">
-                <a:solidFill>
-                  <a:schemeClr val="tx2"/>
-                </a:solidFill>
-              </a:rPr>
-              <a:t>Attention</a:t>
-            </a:r>
-          </a:p>
-          <a:p>
-            <a:pPr marL="0" lvl="0" indent="0">
-              <a:buFont typeface="Arial" panose="020B0604020202020204" pitchFamily="34" charset="0"/>
-              <a:buNone/>
-            </a:pPr>
-            <a:endParaRPr lang="en-US" sz="2400" b="1" dirty="0">
-              <a:solidFill>
-                <a:schemeClr val="tx2"/>
-              </a:solidFill>
-            </a:endParaRPr>
-          </a:p>
-          <a:p>
-            <a:pPr marL="0" lvl="0" indent="0">
-              <a:buFont typeface="Arial" panose="020B0604020202020204" pitchFamily="34" charset="0"/>
-              <a:buNone/>
-            </a:pPr>
-            <a:r>
-              <a:rPr lang="en-US" sz="2400" b="1" dirty="0">
-                <a:solidFill>
-                  <a:schemeClr val="tx2"/>
-                </a:solidFill>
-              </a:rPr>
-              <a:t>What,</a:t>
-            </a:r>
-            <a:r>
-              <a:rPr lang="en-US" sz="2400" b="1" baseline="0" dirty="0">
-                <a:solidFill>
-                  <a:schemeClr val="tx2"/>
-                </a:solidFill>
-              </a:rPr>
-              <a:t> How and Duration:</a:t>
-            </a:r>
-          </a:p>
-          <a:p>
-            <a:pPr marL="0" lvl="0" indent="0">
-              <a:buFont typeface="Arial" panose="020B0604020202020204" pitchFamily="34" charset="0"/>
-              <a:buNone/>
-            </a:pPr>
-            <a:endParaRPr lang="en-US" sz="2400" baseline="0" dirty="0">
-              <a:solidFill>
-                <a:schemeClr val="tx2"/>
-              </a:solidFill>
-            </a:endParaRPr>
-          </a:p>
-          <a:p>
-            <a:pPr marL="380990" lvl="0" indent="-380990">
-              <a:buFont typeface="Arial" panose="020B0604020202020204" pitchFamily="34" charset="0"/>
-              <a:buChar char="•"/>
-            </a:pPr>
-            <a:r>
-              <a:rPr lang="en-US" sz="2400" baseline="0" dirty="0">
-                <a:solidFill>
-                  <a:schemeClr val="tx2"/>
-                </a:solidFill>
-              </a:rPr>
-              <a:t>Introduce the topic with a brief explanation for the </a:t>
-            </a:r>
-            <a:r>
-              <a:rPr lang="en-US" sz="2400" b="1" i="1" baseline="0" dirty="0">
-                <a:solidFill>
-                  <a:schemeClr val="tx2"/>
-                </a:solidFill>
-              </a:rPr>
-              <a:t>What</a:t>
-            </a:r>
-          </a:p>
-          <a:p>
-            <a:pPr marL="380990" lvl="0" indent="-380990">
-              <a:buFont typeface="Arial" panose="020B0604020202020204" pitchFamily="34" charset="0"/>
-              <a:buChar char="•"/>
-            </a:pPr>
-            <a:r>
-              <a:rPr lang="en-US" sz="2400" i="0" baseline="0" dirty="0">
-                <a:solidFill>
-                  <a:schemeClr val="tx2"/>
-                </a:solidFill>
-              </a:rPr>
-              <a:t>Explain </a:t>
-            </a:r>
-            <a:r>
-              <a:rPr lang="en-US" sz="2400" b="1" i="1" baseline="0" dirty="0">
-                <a:solidFill>
-                  <a:schemeClr val="tx2"/>
-                </a:solidFill>
-              </a:rPr>
-              <a:t>How</a:t>
-            </a:r>
-            <a:r>
-              <a:rPr lang="en-US" sz="2400" i="0" baseline="0" dirty="0">
-                <a:solidFill>
-                  <a:schemeClr val="tx2"/>
-                </a:solidFill>
-              </a:rPr>
-              <a:t> you will cover the topic, for example: lecture, workbook activities, whiteboard exercises, assessments, group activities, demonstrations, videos, case studies, and so on</a:t>
-            </a:r>
-          </a:p>
-          <a:p>
-            <a:pPr marL="380990" lvl="0" indent="-380990">
-              <a:buFont typeface="Arial" panose="020B0604020202020204" pitchFamily="34" charset="0"/>
-              <a:buChar char="•"/>
-            </a:pPr>
-            <a:r>
-              <a:rPr lang="en-US" sz="2400" i="0" baseline="0" dirty="0">
-                <a:solidFill>
-                  <a:schemeClr val="tx2"/>
-                </a:solidFill>
-              </a:rPr>
-              <a:t>State or display the </a:t>
-            </a:r>
-            <a:r>
-              <a:rPr lang="en-US" sz="2400" b="1" i="1" baseline="0" dirty="0">
-                <a:solidFill>
-                  <a:schemeClr val="tx2"/>
-                </a:solidFill>
-              </a:rPr>
-              <a:t>Duration</a:t>
-            </a:r>
-            <a:r>
-              <a:rPr lang="en-US" sz="2400" i="0" baseline="0" dirty="0">
-                <a:solidFill>
-                  <a:schemeClr val="tx2"/>
-                </a:solidFill>
-              </a:rPr>
-              <a:t> of the training</a:t>
-            </a:r>
-          </a:p>
-          <a:p>
-            <a:pPr marL="380990" lvl="0" indent="-380990">
-              <a:buFont typeface="Arial" panose="020B0604020202020204" pitchFamily="34" charset="0"/>
-              <a:buChar char="•"/>
-            </a:pPr>
-            <a:r>
-              <a:rPr lang="en-US" sz="2400" i="0" baseline="0" dirty="0">
-                <a:solidFill>
-                  <a:schemeClr val="tx2"/>
-                </a:solidFill>
-              </a:rPr>
-              <a:t>Course title does NOT have to be the first slide, some start with the Interest generator</a:t>
-            </a:r>
-          </a:p>
-          <a:p>
-            <a:pPr marL="380990" lvl="0" indent="-380990">
-              <a:buFont typeface="Arial" panose="020B0604020202020204" pitchFamily="34" charset="0"/>
-              <a:buChar char="•"/>
-            </a:pPr>
-            <a:endParaRPr lang="en-US" sz="2400" i="0" baseline="0" dirty="0">
-              <a:solidFill>
-                <a:schemeClr val="tx2"/>
-              </a:solidFill>
-            </a:endParaRPr>
-          </a:p>
-          <a:p>
-            <a:pPr marL="0" lvl="0" indent="0">
-              <a:buFont typeface="Arial" panose="020B0604020202020204" pitchFamily="34" charset="0"/>
-              <a:buNone/>
-            </a:pPr>
-            <a:endParaRPr lang="en-US" sz="2400" dirty="0">
-              <a:solidFill>
-                <a:schemeClr val="tx2"/>
-              </a:solidFill>
-            </a:endParaRPr>
-          </a:p>
-        </p:txBody>
-      </p:sp>
-      <p:sp>
-        <p:nvSpPr>
-          <p:cNvPr id="10" name="Oval 9"/>
-          <p:cNvSpPr/>
-          <p:nvPr userDrawn="1"/>
-        </p:nvSpPr>
-        <p:spPr>
-          <a:xfrm>
-            <a:off x="-1320800" y="177800"/>
-            <a:ext cx="772415" cy="792088"/>
-          </a:xfrm>
-          <a:prstGeom prst="ellipse">
-            <a:avLst/>
-          </a:prstGeom>
-          <a:solidFill>
-            <a:schemeClr val="bg1"/>
-          </a:solidFill>
-          <a:ln w="38100">
-            <a:solidFill>
-              <a:srgbClr val="0070C0"/>
-            </a:solidFill>
-          </a:ln>
-        </p:spPr>
-        <p:style>
-          <a:lnRef idx="2">
-            <a:schemeClr val="accent1">
-              <a:shade val="50000"/>
-            </a:schemeClr>
-          </a:lnRef>
-          <a:fillRef idx="1">
-            <a:schemeClr val="accent1"/>
-          </a:fillRef>
-          <a:effectRef idx="0">
-            <a:schemeClr val="accent1"/>
-          </a:effectRef>
-          <a:fontRef idx="minor">
-            <a:schemeClr val="lt1"/>
-          </a:fontRef>
-        </p:style>
-        <p:txBody>
-          <a:bodyPr rtlCol="0" anchor="ctr"/>
-          <a:lstStyle/>
-          <a:p>
-            <a:pPr algn="ctr"/>
-            <a:r>
-              <a:rPr lang="en-US" sz="3733" b="1" dirty="0">
-                <a:solidFill>
-                  <a:schemeClr val="tx2"/>
-                </a:solidFill>
-              </a:rPr>
-              <a:t>A</a:t>
-            </a:r>
-          </a:p>
-        </p:txBody>
-      </p:sp>
     </p:spTree>
     <p:custDataLst>
       <p:tags r:id="rId1"/>
@@ -3793,264 +3506,6 @@
           </a:p>
         </p:txBody>
       </p:sp>
-      <p:sp>
-        <p:nvSpPr>
-          <p:cNvPr id="3" name="Rectangle 2"/>
-          <p:cNvSpPr/>
-          <p:nvPr userDrawn="1"/>
-        </p:nvSpPr>
-        <p:spPr>
-          <a:xfrm>
-            <a:off x="-5181600" y="0"/>
-            <a:ext cx="4876800" cy="6858000"/>
-          </a:xfrm>
-          <a:prstGeom prst="rect">
-            <a:avLst/>
-          </a:prstGeom>
-          <a:solidFill>
-            <a:srgbClr val="0070C0">
-              <a:alpha val="50000"/>
-            </a:srgbClr>
-          </a:solidFill>
-          <a:ln>
-            <a:noFill/>
-          </a:ln>
-          <a:effectLst/>
-        </p:spPr>
-        <p:style>
-          <a:lnRef idx="1">
-            <a:schemeClr val="accent1"/>
-          </a:lnRef>
-          <a:fillRef idx="3">
-            <a:schemeClr val="accent1"/>
-          </a:fillRef>
-          <a:effectRef idx="2">
-            <a:schemeClr val="accent1"/>
-          </a:effectRef>
-          <a:fontRef idx="minor">
-            <a:schemeClr val="lt1"/>
-          </a:fontRef>
-        </p:style>
-        <p:txBody>
-          <a:bodyPr rtlCol="0" anchor="t" anchorCtr="0"/>
-          <a:lstStyle/>
-          <a:p>
-            <a:pPr marL="0" lvl="0" indent="0">
-              <a:buFont typeface="Arial" panose="020B0604020202020204" pitchFamily="34" charset="0"/>
-              <a:buNone/>
-            </a:pPr>
-            <a:r>
-              <a:rPr lang="en-US" sz="2400" b="1" dirty="0">
-                <a:solidFill>
-                  <a:schemeClr val="tx2"/>
-                </a:solidFill>
-              </a:rPr>
-              <a:t>Attention</a:t>
-            </a:r>
-          </a:p>
-          <a:p>
-            <a:pPr marL="0" lvl="0" indent="0">
-              <a:buFont typeface="Arial" panose="020B0604020202020204" pitchFamily="34" charset="0"/>
-              <a:buNone/>
-            </a:pPr>
-            <a:endParaRPr lang="en-US" sz="2400" b="1" dirty="0">
-              <a:solidFill>
-                <a:schemeClr val="tx2"/>
-              </a:solidFill>
-            </a:endParaRPr>
-          </a:p>
-          <a:p>
-            <a:pPr marL="0" lvl="0" indent="0">
-              <a:buFont typeface="Arial" panose="020B0604020202020204" pitchFamily="34" charset="0"/>
-              <a:buNone/>
-            </a:pPr>
-            <a:endParaRPr lang="en-US" sz="2400" b="1" dirty="0">
-              <a:solidFill>
-                <a:schemeClr val="tx2"/>
-              </a:solidFill>
-            </a:endParaRPr>
-          </a:p>
-          <a:p>
-            <a:pPr marL="0" lvl="0" indent="0">
-              <a:buFont typeface="Arial" panose="020B0604020202020204" pitchFamily="34" charset="0"/>
-              <a:buNone/>
-            </a:pPr>
-            <a:r>
-              <a:rPr lang="en-US" sz="2400" b="1" dirty="0">
-                <a:solidFill>
-                  <a:schemeClr val="tx2"/>
-                </a:solidFill>
-              </a:rPr>
-              <a:t>Terminal</a:t>
-            </a:r>
-            <a:r>
-              <a:rPr lang="en-US" sz="2400" b="1" baseline="0" dirty="0">
-                <a:solidFill>
-                  <a:schemeClr val="tx2"/>
-                </a:solidFill>
-              </a:rPr>
-              <a:t> </a:t>
-            </a:r>
-            <a:r>
-              <a:rPr lang="en-US" sz="2400" b="1" dirty="0">
-                <a:solidFill>
-                  <a:schemeClr val="tx2"/>
-                </a:solidFill>
-              </a:rPr>
-              <a:t>Objective Guidelines:</a:t>
-            </a:r>
-          </a:p>
-          <a:p>
-            <a:pPr marL="0" lvl="0" indent="0">
-              <a:buFont typeface="Arial" panose="020B0604020202020204" pitchFamily="34" charset="0"/>
-              <a:buNone/>
-            </a:pPr>
-            <a:endParaRPr lang="en-US" sz="2400" dirty="0">
-              <a:solidFill>
-                <a:schemeClr val="tx2"/>
-              </a:solidFill>
-            </a:endParaRPr>
-          </a:p>
-          <a:p>
-            <a:pPr marL="380990" lvl="0" indent="-380990">
-              <a:buFont typeface="Arial" panose="020B0604020202020204" pitchFamily="34" charset="0"/>
-              <a:buChar char="•"/>
-            </a:pPr>
-            <a:r>
-              <a:rPr lang="en-US" sz="2400" dirty="0">
-                <a:solidFill>
-                  <a:schemeClr val="tx2"/>
-                </a:solidFill>
-              </a:rPr>
-              <a:t>Follow SMART criteria</a:t>
-            </a:r>
-          </a:p>
-          <a:p>
-            <a:pPr marL="380990" lvl="0" indent="-380990">
-              <a:buFont typeface="Arial" panose="020B0604020202020204" pitchFamily="34" charset="0"/>
-              <a:buChar char="•"/>
-            </a:pPr>
-            <a:r>
-              <a:rPr lang="en-US" sz="2400" dirty="0">
-                <a:solidFill>
-                  <a:schemeClr val="tx2"/>
-                </a:solidFill>
-              </a:rPr>
-              <a:t>Include goal, condition, and standard</a:t>
-            </a:r>
-          </a:p>
-          <a:p>
-            <a:pPr marL="380990" lvl="0" indent="-380990">
-              <a:buFont typeface="Arial" panose="020B0604020202020204" pitchFamily="34" charset="0"/>
-              <a:buChar char="•"/>
-            </a:pPr>
-            <a:r>
-              <a:rPr lang="en-US" sz="2400" dirty="0">
-                <a:solidFill>
-                  <a:schemeClr val="tx2"/>
-                </a:solidFill>
-              </a:rPr>
-              <a:t>Objective must align with final check on learning</a:t>
-            </a:r>
-          </a:p>
-          <a:p>
-            <a:pPr marL="380990" lvl="0" indent="-380990">
-              <a:buFont typeface="Arial" panose="020B0604020202020204" pitchFamily="34" charset="0"/>
-              <a:buChar char="•"/>
-            </a:pPr>
-            <a:r>
-              <a:rPr lang="en-US" sz="2400" dirty="0">
-                <a:solidFill>
-                  <a:schemeClr val="tx2"/>
-                </a:solidFill>
-              </a:rPr>
-              <a:t>Terminal objective</a:t>
-            </a:r>
-            <a:r>
-              <a:rPr lang="en-US" sz="2400" baseline="0" dirty="0">
-                <a:solidFill>
-                  <a:schemeClr val="tx2"/>
-                </a:solidFill>
-              </a:rPr>
-              <a:t> is the overarching goal</a:t>
-            </a:r>
-          </a:p>
-          <a:p>
-            <a:pPr marL="380990" lvl="0" indent="-380990">
-              <a:buFont typeface="Arial" panose="020B0604020202020204" pitchFamily="34" charset="0"/>
-              <a:buChar char="•"/>
-            </a:pPr>
-            <a:r>
-              <a:rPr lang="en-US" sz="2400" baseline="0" dirty="0">
-                <a:solidFill>
-                  <a:schemeClr val="tx2"/>
-                </a:solidFill>
-              </a:rPr>
-              <a:t>Each module will have a separate enabling objective</a:t>
-            </a:r>
-            <a:endParaRPr lang="en-US" sz="2400" dirty="0">
-              <a:solidFill>
-                <a:schemeClr val="tx2"/>
-              </a:solidFill>
-            </a:endParaRPr>
-          </a:p>
-        </p:txBody>
-      </p:sp>
-      <p:sp>
-        <p:nvSpPr>
-          <p:cNvPr id="6" name="Oval 5"/>
-          <p:cNvSpPr/>
-          <p:nvPr userDrawn="1"/>
-        </p:nvSpPr>
-        <p:spPr>
-          <a:xfrm>
-            <a:off x="-1320800" y="177800"/>
-            <a:ext cx="772415" cy="792088"/>
-          </a:xfrm>
-          <a:prstGeom prst="ellipse">
-            <a:avLst/>
-          </a:prstGeom>
-          <a:solidFill>
-            <a:schemeClr val="bg1"/>
-          </a:solidFill>
-          <a:ln w="38100">
-            <a:solidFill>
-              <a:srgbClr val="0070C0"/>
-            </a:solidFill>
-          </a:ln>
-        </p:spPr>
-        <p:style>
-          <a:lnRef idx="2">
-            <a:schemeClr val="accent1">
-              <a:shade val="50000"/>
-            </a:schemeClr>
-          </a:lnRef>
-          <a:fillRef idx="1">
-            <a:schemeClr val="accent1"/>
-          </a:fillRef>
-          <a:effectRef idx="0">
-            <a:schemeClr val="accent1"/>
-          </a:effectRef>
-          <a:fontRef idx="minor">
-            <a:schemeClr val="lt1"/>
-          </a:fontRef>
-        </p:style>
-        <p:txBody>
-          <a:bodyPr rtlCol="0" anchor="ctr"/>
-          <a:lstStyle/>
-          <a:p>
-            <a:pPr algn="ctr"/>
-            <a:r>
-              <a:rPr lang="en-US" sz="3733" b="1" dirty="0">
-                <a:solidFill>
-                  <a:schemeClr val="tx2"/>
-                </a:solidFill>
-              </a:rPr>
-              <a:t>A</a:t>
-            </a:r>
-          </a:p>
-        </p:txBody>
-      </p:sp>
     </p:spTree>
     <p:custDataLst>
       <p:tags r:id="rId1"/>
@@ -4206,239 +3661,6 @@
           <a:p>
             <a:pPr lvl="0"/>
             <a:endParaRPr lang="en-US" dirty="0"/>
-          </a:p>
-        </p:txBody>
-      </p:sp>
-      <p:sp>
-        <p:nvSpPr>
-          <p:cNvPr id="3" name="Rectangle 2"/>
-          <p:cNvSpPr/>
-          <p:nvPr userDrawn="1"/>
-        </p:nvSpPr>
-        <p:spPr>
-          <a:xfrm>
-            <a:off x="-5181600" y="0"/>
-            <a:ext cx="4876800" cy="6858000"/>
-          </a:xfrm>
-          <a:prstGeom prst="rect">
-            <a:avLst/>
-          </a:prstGeom>
-          <a:solidFill>
-            <a:srgbClr val="0070C0">
-              <a:alpha val="50000"/>
-            </a:srgbClr>
-          </a:solidFill>
-          <a:ln>
-            <a:noFill/>
-          </a:ln>
-          <a:effectLst/>
-        </p:spPr>
-        <p:style>
-          <a:lnRef idx="1">
-            <a:schemeClr val="accent1"/>
-          </a:lnRef>
-          <a:fillRef idx="3">
-            <a:schemeClr val="accent1"/>
-          </a:fillRef>
-          <a:effectRef idx="2">
-            <a:schemeClr val="accent1"/>
-          </a:effectRef>
-          <a:fontRef idx="minor">
-            <a:schemeClr val="lt1"/>
-          </a:fontRef>
-        </p:style>
-        <p:txBody>
-          <a:bodyPr rtlCol="0" anchor="t" anchorCtr="0"/>
-          <a:lstStyle/>
-          <a:p>
-            <a:pPr marL="0" lvl="0" indent="0">
-              <a:buFont typeface="Arial" panose="020B0604020202020204" pitchFamily="34" charset="0"/>
-              <a:buNone/>
-            </a:pPr>
-            <a:r>
-              <a:rPr lang="en-US" sz="2400" b="1" dirty="0">
-                <a:solidFill>
-                  <a:schemeClr val="tx2"/>
-                </a:solidFill>
-              </a:rPr>
-              <a:t>Attention</a:t>
-            </a:r>
-          </a:p>
-          <a:p>
-            <a:pPr marL="0" lvl="0" indent="0">
-              <a:buFont typeface="Arial" panose="020B0604020202020204" pitchFamily="34" charset="0"/>
-              <a:buNone/>
-            </a:pPr>
-            <a:endParaRPr lang="en-US" sz="2400" b="1" dirty="0">
-              <a:solidFill>
-                <a:schemeClr val="tx2"/>
-              </a:solidFill>
-            </a:endParaRPr>
-          </a:p>
-          <a:p>
-            <a:pPr marL="0" lvl="0" indent="0">
-              <a:buFont typeface="Arial" panose="020B0604020202020204" pitchFamily="34" charset="0"/>
-              <a:buNone/>
-            </a:pPr>
-            <a:r>
-              <a:rPr lang="en-US" sz="2400" b="1" dirty="0">
-                <a:solidFill>
-                  <a:schemeClr val="tx2"/>
-                </a:solidFill>
-              </a:rPr>
-              <a:t>Key Topics:</a:t>
-            </a:r>
-          </a:p>
-          <a:p>
-            <a:pPr marL="0" lvl="0" indent="0">
-              <a:buFont typeface="Arial" panose="020B0604020202020204" pitchFamily="34" charset="0"/>
-              <a:buNone/>
-            </a:pPr>
-            <a:endParaRPr lang="en-US" sz="2400" b="1" dirty="0">
-              <a:solidFill>
-                <a:schemeClr val="tx2"/>
-              </a:solidFill>
-            </a:endParaRPr>
-          </a:p>
-          <a:p>
-            <a:pPr marL="380990" lvl="0" indent="-380990">
-              <a:buFont typeface="Arial" panose="020B0604020202020204" pitchFamily="34" charset="0"/>
-              <a:buChar char="•"/>
-            </a:pPr>
-            <a:r>
-              <a:rPr lang="en-US" sz="2400" kern="1200" dirty="0">
-                <a:solidFill>
-                  <a:schemeClr val="tx2"/>
-                </a:solidFill>
-                <a:effectLst/>
-                <a:latin typeface="+mn-lt"/>
-                <a:ea typeface="+mn-ea"/>
-                <a:cs typeface="+mn-cs"/>
-              </a:rPr>
-              <a:t>Limit topics to what can reasonably be covered in the time allotted</a:t>
-            </a:r>
-            <a:endParaRPr lang="en-US" sz="2667" kern="1200" dirty="0">
-              <a:solidFill>
-                <a:schemeClr val="tx2"/>
-              </a:solidFill>
-              <a:effectLst/>
-              <a:latin typeface="+mn-lt"/>
-              <a:ea typeface="+mn-ea"/>
-              <a:cs typeface="+mn-cs"/>
-            </a:endParaRPr>
-          </a:p>
-          <a:p>
-            <a:pPr marL="380990" indent="-380990">
-              <a:buFont typeface="Arial" panose="020B0604020202020204" pitchFamily="34" charset="0"/>
-              <a:buChar char="•"/>
-            </a:pPr>
-            <a:r>
-              <a:rPr lang="en-US" sz="2400" kern="1200" dirty="0">
-                <a:solidFill>
-                  <a:schemeClr val="tx2"/>
-                </a:solidFill>
-                <a:effectLst/>
-                <a:latin typeface="+mn-lt"/>
-                <a:ea typeface="+mn-ea"/>
-                <a:cs typeface="+mn-cs"/>
-              </a:rPr>
-              <a:t>Remove topics that do not directly support the </a:t>
-            </a:r>
-            <a:r>
-              <a:rPr lang="en-US" sz="2400" i="1" kern="1200" dirty="0">
-                <a:solidFill>
-                  <a:schemeClr val="tx2"/>
-                </a:solidFill>
-                <a:effectLst/>
-                <a:latin typeface="+mn-lt"/>
-                <a:ea typeface="+mn-ea"/>
-                <a:cs typeface="+mn-cs"/>
-              </a:rPr>
-              <a:t>terminal</a:t>
-            </a:r>
-            <a:r>
-              <a:rPr lang="en-US" sz="2400" kern="1200" dirty="0">
-                <a:solidFill>
-                  <a:schemeClr val="tx2"/>
-                </a:solidFill>
-                <a:effectLst/>
-                <a:latin typeface="+mn-lt"/>
-                <a:ea typeface="+mn-ea"/>
-                <a:cs typeface="+mn-cs"/>
-              </a:rPr>
-              <a:t> (overall course) objective</a:t>
-            </a:r>
-            <a:endParaRPr lang="en-US" sz="2400" b="1" dirty="0">
-              <a:solidFill>
-                <a:schemeClr val="tx2"/>
-              </a:solidFill>
-            </a:endParaRPr>
-          </a:p>
-          <a:p>
-            <a:pPr marL="0" lvl="0" indent="0">
-              <a:buFont typeface="Arial" panose="020B0604020202020204" pitchFamily="34" charset="0"/>
-              <a:buNone/>
-            </a:pPr>
-            <a:endParaRPr lang="en-US" sz="2400" dirty="0">
-              <a:solidFill>
-                <a:schemeClr val="tx2"/>
-              </a:solidFill>
-            </a:endParaRPr>
-          </a:p>
-        </p:txBody>
-      </p:sp>
-      <p:sp>
-        <p:nvSpPr>
-          <p:cNvPr id="6" name="Oval 5"/>
-          <p:cNvSpPr/>
-          <p:nvPr userDrawn="1"/>
-        </p:nvSpPr>
-        <p:spPr>
-          <a:xfrm>
-            <a:off x="-1320800" y="177800"/>
-            <a:ext cx="772415" cy="792088"/>
-          </a:xfrm>
-          <a:prstGeom prst="ellipse">
-            <a:avLst/>
-          </a:prstGeom>
-          <a:solidFill>
-            <a:schemeClr val="bg1"/>
-          </a:solidFill>
-          <a:ln w="38100">
-            <a:solidFill>
-              <a:srgbClr val="0070C0"/>
-            </a:solidFill>
-          </a:ln>
-        </p:spPr>
-        <p:style>
-          <a:lnRef idx="2">
-            <a:schemeClr val="accent1">
-              <a:shade val="50000"/>
-            </a:schemeClr>
-          </a:lnRef>
-          <a:fillRef idx="1">
-            <a:schemeClr val="accent1"/>
-          </a:fillRef>
-          <a:effectRef idx="0">
-            <a:schemeClr val="accent1"/>
-          </a:effectRef>
-          <a:fontRef idx="minor">
-            <a:schemeClr val="lt1"/>
-          </a:fontRef>
-        </p:style>
-        <p:txBody>
-          <a:bodyPr rtlCol="0" anchor="ctr"/>
-          <a:lstStyle/>
-          <a:p>
-            <a:pPr algn="ctr"/>
-            <a:r>
-              <a:rPr lang="en-US" sz="3733" b="1" dirty="0">
-                <a:solidFill>
-                  <a:schemeClr val="tx2"/>
-                </a:solidFill>
-              </a:rPr>
-              <a:t>A</a:t>
-            </a:r>
           </a:p>
         </p:txBody>
       </p:sp>
@@ -4680,231 +3902,6 @@
           </a:prstGeom>
         </p:spPr>
       </p:pic>
-      <p:grpSp>
-        <p:nvGrpSpPr>
-          <p:cNvPr id="5" name="Group 4"/>
-          <p:cNvGrpSpPr/>
-          <p:nvPr userDrawn="1"/>
-        </p:nvGrpSpPr>
-        <p:grpSpPr>
-          <a:xfrm>
-            <a:off x="-5181600" y="0"/>
-            <a:ext cx="4876800" cy="6858000"/>
-            <a:chOff x="-3886200" y="0"/>
-            <a:chExt cx="3657600" cy="5143500"/>
-          </a:xfrm>
-        </p:grpSpPr>
-        <p:sp>
-          <p:nvSpPr>
-            <p:cNvPr id="6" name="Rectangle 5"/>
-            <p:cNvSpPr/>
-            <p:nvPr userDrawn="1"/>
-          </p:nvSpPr>
-          <p:spPr>
-            <a:xfrm>
-              <a:off x="-3886200" y="0"/>
-              <a:ext cx="3657600" cy="5143500"/>
-            </a:xfrm>
-            <a:prstGeom prst="rect">
-              <a:avLst/>
-            </a:prstGeom>
-            <a:solidFill>
-              <a:schemeClr val="accent2">
-                <a:lumMod val="40000"/>
-                <a:lumOff val="60000"/>
-              </a:schemeClr>
-            </a:solidFill>
-            <a:ln>
-              <a:noFill/>
-            </a:ln>
-            <a:effectLst/>
-          </p:spPr>
-          <p:style>
-            <a:lnRef idx="1">
-              <a:schemeClr val="accent1"/>
-            </a:lnRef>
-            <a:fillRef idx="3">
-              <a:schemeClr val="accent1"/>
-            </a:fillRef>
-            <a:effectRef idx="2">
-              <a:schemeClr val="accent1"/>
-            </a:effectRef>
-            <a:fontRef idx="minor">
-              <a:schemeClr val="lt1"/>
-            </a:fontRef>
-          </p:style>
-          <p:txBody>
-            <a:bodyPr rtlCol="0" anchor="t" anchorCtr="0"/>
-            <a:lstStyle/>
-            <a:p>
-              <a:pPr marL="0" lvl="0" indent="0">
-                <a:buFont typeface="Arial" panose="020B0604020202020204" pitchFamily="34" charset="0"/>
-                <a:buNone/>
-              </a:pPr>
-              <a:r>
-                <a:rPr lang="en-US" sz="2400" b="1" dirty="0">
-                  <a:solidFill>
-                    <a:schemeClr val="tx2"/>
-                  </a:solidFill>
-                </a:rPr>
-                <a:t>Body of Content</a:t>
-              </a:r>
-            </a:p>
-            <a:p>
-              <a:pPr marL="0" lvl="0" indent="0">
-                <a:buFont typeface="Arial" panose="020B0604020202020204" pitchFamily="34" charset="0"/>
-                <a:buNone/>
-              </a:pPr>
-              <a:endParaRPr lang="en-US" sz="2400" b="1" dirty="0">
-                <a:solidFill>
-                  <a:schemeClr val="tx2"/>
-                </a:solidFill>
-              </a:endParaRPr>
-            </a:p>
-            <a:p>
-              <a:pPr marL="380990" lvl="0" indent="-380990">
-                <a:buFont typeface="Arial" panose="020B0604020202020204" pitchFamily="34" charset="0"/>
-                <a:buChar char="•"/>
-              </a:pPr>
-              <a:r>
-                <a:rPr lang="en-US" sz="2400" b="0" dirty="0">
-                  <a:solidFill>
-                    <a:schemeClr val="tx2"/>
-                  </a:solidFill>
-                </a:rPr>
-                <a:t>Each </a:t>
-              </a:r>
-              <a:r>
-                <a:rPr lang="en-US" sz="2400" b="0" baseline="0" dirty="0">
-                  <a:solidFill>
-                    <a:schemeClr val="tx2"/>
-                  </a:solidFill>
-                </a:rPr>
-                <a:t>module (chapter, lesson, section) should have a separate title and adhere to the ABC Model (ABC is a continuous loop through entire training program)</a:t>
-              </a:r>
-            </a:p>
-            <a:p>
-              <a:pPr marL="380990" lvl="0" indent="-380990">
-                <a:buFont typeface="Arial" panose="020B0604020202020204" pitchFamily="34" charset="0"/>
-                <a:buChar char="•"/>
-              </a:pPr>
-              <a:r>
-                <a:rPr lang="en-US" sz="2400" b="0" baseline="0" dirty="0">
-                  <a:solidFill>
-                    <a:schemeClr val="tx2"/>
-                  </a:solidFill>
-                </a:rPr>
-                <a:t>A short class may only have one A, one B, and one C but longer courses may have a series of modules that follow ABC</a:t>
-              </a:r>
-            </a:p>
-            <a:p>
-              <a:pPr marL="380990" lvl="0" indent="-380990">
-                <a:buFont typeface="Arial" panose="020B0604020202020204" pitchFamily="34" charset="0"/>
-                <a:buChar char="•"/>
-              </a:pPr>
-              <a:r>
-                <a:rPr lang="en-US" sz="2400" b="0" baseline="0" dirty="0">
-                  <a:solidFill>
-                    <a:schemeClr val="tx2"/>
-                  </a:solidFill>
-                </a:rPr>
-                <a:t>Module objectives in B are enabling objectives</a:t>
-              </a:r>
-            </a:p>
-            <a:p>
-              <a:pPr marL="380990" lvl="0" indent="-380990">
-                <a:buFont typeface="Arial" panose="020B0604020202020204" pitchFamily="34" charset="0"/>
-                <a:buChar char="•"/>
-              </a:pPr>
-              <a:r>
-                <a:rPr lang="en-US" sz="2400" b="0" baseline="0" dirty="0">
-                  <a:solidFill>
-                    <a:schemeClr val="tx2"/>
-                  </a:solidFill>
-                </a:rPr>
-                <a:t>Use a variation of background colors in the body but ensure high contrast with text</a:t>
-              </a:r>
-            </a:p>
-            <a:p>
-              <a:pPr marL="0" lvl="0" indent="0">
-                <a:buFont typeface="Arial" panose="020B0604020202020204" pitchFamily="34" charset="0"/>
-                <a:buNone/>
-              </a:pPr>
-              <a:endParaRPr lang="en-US" sz="2400" b="1" dirty="0">
-                <a:solidFill>
-                  <a:schemeClr val="tx2"/>
-                </a:solidFill>
-              </a:endParaRPr>
-            </a:p>
-            <a:p>
-              <a:pPr marL="0" lvl="0" indent="0">
-                <a:buFont typeface="Arial" panose="020B0604020202020204" pitchFamily="34" charset="0"/>
-                <a:buNone/>
-              </a:pPr>
-              <a:endParaRPr lang="en-US" sz="2400" dirty="0">
-                <a:solidFill>
-                  <a:schemeClr val="tx2"/>
-                </a:solidFill>
-              </a:endParaRPr>
-            </a:p>
-          </p:txBody>
-        </p:sp>
-        <p:sp>
-          <p:nvSpPr>
-            <p:cNvPr id="7" name="Oval 6"/>
-            <p:cNvSpPr/>
-            <p:nvPr userDrawn="1"/>
-          </p:nvSpPr>
-          <p:spPr>
-            <a:xfrm>
-              <a:off x="-990600" y="57150"/>
-              <a:ext cx="579311" cy="594066"/>
-            </a:xfrm>
-            <a:prstGeom prst="ellipse">
-              <a:avLst/>
-            </a:prstGeom>
-            <a:solidFill>
-              <a:schemeClr val="bg1"/>
-            </a:solidFill>
-            <a:ln w="38100">
-              <a:solidFill>
-                <a:schemeClr val="accent2"/>
-              </a:solidFill>
-            </a:ln>
-          </p:spPr>
-          <p:style>
-            <a:lnRef idx="2">
-              <a:schemeClr val="accent1">
-                <a:shade val="50000"/>
-              </a:schemeClr>
-            </a:lnRef>
-            <a:fillRef idx="1">
-              <a:schemeClr val="accent1"/>
-            </a:fillRef>
-            <a:effectRef idx="0">
-              <a:schemeClr val="accent1"/>
-            </a:effectRef>
-            <a:fontRef idx="minor">
-              <a:schemeClr val="lt1"/>
-            </a:fontRef>
-          </p:style>
-          <p:txBody>
-            <a:bodyPr rtlCol="0" anchor="ctr"/>
-            <a:lstStyle/>
-            <a:p>
-              <a:pPr algn="ctr"/>
-              <a:r>
-                <a:rPr lang="en-US" sz="3733" b="1" dirty="0">
-                  <a:solidFill>
-                    <a:schemeClr val="tx2"/>
-                  </a:solidFill>
-                </a:rPr>
-                <a:t>B</a:t>
-              </a:r>
-            </a:p>
-          </p:txBody>
-        </p:sp>
-      </p:grpSp>
     </p:spTree>
     <p:custDataLst>
       <p:tags r:id="rId1"/>
@@ -5060,269 +4057,6 @@
           <a:p>
             <a:pPr lvl="0"/>
             <a:endParaRPr lang="en-US" dirty="0"/>
-          </a:p>
-        </p:txBody>
-      </p:sp>
-      <p:sp>
-        <p:nvSpPr>
-          <p:cNvPr id="3" name="Rectangle 2"/>
-          <p:cNvSpPr/>
-          <p:nvPr userDrawn="1"/>
-        </p:nvSpPr>
-        <p:spPr>
-          <a:xfrm>
-            <a:off x="-5181600" y="0"/>
-            <a:ext cx="4876800" cy="6858000"/>
-          </a:xfrm>
-          <a:prstGeom prst="rect">
-            <a:avLst/>
-          </a:prstGeom>
-          <a:solidFill>
-            <a:srgbClr val="0070C0">
-              <a:alpha val="50000"/>
-            </a:srgbClr>
-          </a:solidFill>
-          <a:ln>
-            <a:noFill/>
-          </a:ln>
-          <a:effectLst/>
-        </p:spPr>
-        <p:style>
-          <a:lnRef idx="1">
-            <a:schemeClr val="accent1"/>
-          </a:lnRef>
-          <a:fillRef idx="3">
-            <a:schemeClr val="accent1"/>
-          </a:fillRef>
-          <a:effectRef idx="2">
-            <a:schemeClr val="accent1"/>
-          </a:effectRef>
-          <a:fontRef idx="minor">
-            <a:schemeClr val="lt1"/>
-          </a:fontRef>
-        </p:style>
-        <p:txBody>
-          <a:bodyPr rtlCol="0" anchor="t" anchorCtr="0"/>
-          <a:lstStyle/>
-          <a:p>
-            <a:pPr marL="0" lvl="0" indent="0">
-              <a:buFont typeface="Arial" panose="020B0604020202020204" pitchFamily="34" charset="0"/>
-              <a:buNone/>
-            </a:pPr>
-            <a:r>
-              <a:rPr lang="en-US" sz="2400" b="1" dirty="0">
-                <a:solidFill>
-                  <a:schemeClr val="tx2"/>
-                </a:solidFill>
-              </a:rPr>
-              <a:t>Attention</a:t>
-            </a:r>
-          </a:p>
-          <a:p>
-            <a:pPr marL="0" lvl="0" indent="0">
-              <a:buFont typeface="Arial" panose="020B0604020202020204" pitchFamily="34" charset="0"/>
-              <a:buNone/>
-            </a:pPr>
-            <a:endParaRPr lang="en-US" sz="2400" b="1" dirty="0">
-              <a:solidFill>
-                <a:schemeClr val="tx2"/>
-              </a:solidFill>
-            </a:endParaRPr>
-          </a:p>
-          <a:p>
-            <a:pPr marL="0" lvl="0" indent="0">
-              <a:buFont typeface="Arial" panose="020B0604020202020204" pitchFamily="34" charset="0"/>
-              <a:buNone/>
-            </a:pPr>
-            <a:r>
-              <a:rPr lang="en-US" sz="2400" b="1" dirty="0">
-                <a:solidFill>
-                  <a:schemeClr val="tx2"/>
-                </a:solidFill>
-              </a:rPr>
-              <a:t>Need/Benefits:</a:t>
-            </a:r>
-          </a:p>
-          <a:p>
-            <a:pPr marL="0" lvl="0" indent="0">
-              <a:buFont typeface="Arial" panose="020B0604020202020204" pitchFamily="34" charset="0"/>
-              <a:buNone/>
-            </a:pPr>
-            <a:endParaRPr lang="en-US" sz="2400" b="1" dirty="0">
-              <a:solidFill>
-                <a:schemeClr val="tx2"/>
-              </a:solidFill>
-            </a:endParaRPr>
-          </a:p>
-          <a:p>
-            <a:pPr marL="380990" lvl="0" indent="-380990">
-              <a:buFont typeface="Arial" panose="020B0604020202020204" pitchFamily="34" charset="0"/>
-              <a:buChar char="•"/>
-            </a:pPr>
-            <a:r>
-              <a:rPr lang="en-US" sz="2400" kern="1200" dirty="0">
-                <a:solidFill>
-                  <a:schemeClr val="tx2"/>
-                </a:solidFill>
-                <a:effectLst/>
-                <a:latin typeface="+mn-lt"/>
-                <a:ea typeface="+mn-ea"/>
-                <a:cs typeface="+mn-cs"/>
-              </a:rPr>
-              <a:t>Provide participants with the answer to “What’s In It For Me?” (WIIFM) or ask them to share what they think about the topic and its relevancy</a:t>
-            </a:r>
-            <a:endParaRPr lang="en-US" sz="2667" kern="1200" dirty="0">
-              <a:solidFill>
-                <a:schemeClr val="tx2"/>
-              </a:solidFill>
-              <a:effectLst/>
-              <a:latin typeface="+mn-lt"/>
-              <a:ea typeface="+mn-ea"/>
-              <a:cs typeface="+mn-cs"/>
-            </a:endParaRPr>
-          </a:p>
-          <a:p>
-            <a:pPr marL="380990" indent="-380990">
-              <a:buFont typeface="Arial" panose="020B0604020202020204" pitchFamily="34" charset="0"/>
-              <a:buChar char="•"/>
-            </a:pPr>
-            <a:r>
-              <a:rPr lang="en-US" sz="2400" kern="1200" dirty="0">
-                <a:solidFill>
-                  <a:schemeClr val="tx2"/>
-                </a:solidFill>
-                <a:effectLst/>
-                <a:latin typeface="+mn-lt"/>
-                <a:ea typeface="+mn-ea"/>
-                <a:cs typeface="+mn-cs"/>
-              </a:rPr>
-              <a:t>Also present/discuss</a:t>
-            </a:r>
-            <a:r>
-              <a:rPr lang="en-US" sz="2400" kern="1200" baseline="0" dirty="0">
-                <a:solidFill>
-                  <a:schemeClr val="tx2"/>
-                </a:solidFill>
-                <a:effectLst/>
-                <a:latin typeface="+mn-lt"/>
-                <a:ea typeface="+mn-ea"/>
-                <a:cs typeface="+mn-cs"/>
-              </a:rPr>
-              <a:t> </a:t>
-            </a:r>
-            <a:r>
-              <a:rPr lang="en-US" sz="2400" kern="1200" dirty="0">
-                <a:solidFill>
-                  <a:schemeClr val="tx2"/>
-                </a:solidFill>
-                <a:effectLst/>
-                <a:latin typeface="+mn-lt"/>
-                <a:ea typeface="+mn-ea"/>
-                <a:cs typeface="+mn-cs"/>
-              </a:rPr>
-              <a:t>what’s in it for their team, manager, clients, and organization</a:t>
-            </a:r>
-          </a:p>
-          <a:p>
-            <a:pPr marL="380990" indent="-380990">
-              <a:buFont typeface="Arial" panose="020B0604020202020204" pitchFamily="34" charset="0"/>
-              <a:buChar char="•"/>
-            </a:pPr>
-            <a:r>
-              <a:rPr lang="en-US" sz="2400" b="0" kern="1200" dirty="0">
-                <a:solidFill>
-                  <a:schemeClr val="tx2"/>
-                </a:solidFill>
-                <a:effectLst/>
-                <a:latin typeface="+mn-lt"/>
-                <a:ea typeface="+mn-ea"/>
-                <a:cs typeface="+mn-cs"/>
-              </a:rPr>
-              <a:t>Think</a:t>
-            </a:r>
-            <a:r>
-              <a:rPr lang="en-US" sz="2400" b="0" kern="1200" baseline="0" dirty="0">
-                <a:solidFill>
-                  <a:schemeClr val="tx2"/>
-                </a:solidFill>
-                <a:effectLst/>
-                <a:latin typeface="+mn-lt"/>
-                <a:ea typeface="+mn-ea"/>
-                <a:cs typeface="+mn-cs"/>
-              </a:rPr>
-              <a:t> 360 degrees around the needs and benefits</a:t>
-            </a:r>
-            <a:endParaRPr lang="en-US" sz="2400" b="0" dirty="0">
-              <a:solidFill>
-                <a:schemeClr val="tx2"/>
-              </a:solidFill>
-            </a:endParaRPr>
-          </a:p>
-          <a:p>
-            <a:pPr marL="0" lvl="0" indent="0">
-              <a:buFont typeface="Arial" panose="020B0604020202020204" pitchFamily="34" charset="0"/>
-              <a:buNone/>
-            </a:pPr>
-            <a:endParaRPr lang="en-US" sz="2400" dirty="0">
-              <a:solidFill>
-                <a:schemeClr val="tx2"/>
-              </a:solidFill>
-            </a:endParaRPr>
-          </a:p>
-        </p:txBody>
-      </p:sp>
-      <p:sp>
-        <p:nvSpPr>
-          <p:cNvPr id="6" name="Oval 5"/>
-          <p:cNvSpPr/>
-          <p:nvPr userDrawn="1"/>
-        </p:nvSpPr>
-        <p:spPr>
-          <a:xfrm>
-            <a:off x="-1320800" y="177800"/>
-            <a:ext cx="772415" cy="792088"/>
-          </a:xfrm>
-          <a:prstGeom prst="ellipse">
-            <a:avLst/>
-          </a:prstGeom>
-          <a:solidFill>
-            <a:schemeClr val="bg1"/>
-          </a:solidFill>
-          <a:ln w="38100">
-            <a:solidFill>
-              <a:srgbClr val="0070C0"/>
-            </a:solidFill>
-          </a:ln>
-        </p:spPr>
-        <p:style>
-          <a:lnRef idx="2">
-            <a:schemeClr val="accent1">
-              <a:shade val="50000"/>
-            </a:schemeClr>
-          </a:lnRef>
-          <a:fillRef idx="1">
-            <a:schemeClr val="accent1"/>
-          </a:fillRef>
-          <a:effectRef idx="0">
-            <a:schemeClr val="accent1"/>
-          </a:effectRef>
-          <a:fontRef idx="minor">
-            <a:schemeClr val="lt1"/>
-          </a:fontRef>
-        </p:style>
-        <p:txBody>
-          <a:bodyPr rtlCol="0" anchor="ctr"/>
-          <a:lstStyle/>
-          <a:p>
-            <a:pPr algn="ctr"/>
-            <a:r>
-              <a:rPr lang="en-US" sz="3733" b="1" dirty="0">
-                <a:solidFill>
-                  <a:schemeClr val="tx2"/>
-                </a:solidFill>
-              </a:rPr>
-              <a:t>A</a:t>
-            </a:r>
           </a:p>
         </p:txBody>
       </p:sp>
@@ -5904,7 +4638,7 @@
           <a:p>
             <a:fld id="{FAC8553D-62A4-B94A-B303-E17560B89933}" type="datetimeFigureOut">
               <a:rPr lang="en-US" smtClean="0"/>
-              <a:t>6/8/20</a:t>
+              <a:t>6/10/20</a:t>
             </a:fld>
             <a:endParaRPr lang="en-US"/>
           </a:p>
@@ -6573,7 +5307,7 @@
           <a:p>
             <a:fld id="{FAC8553D-62A4-B94A-B303-E17560B89933}" type="datetimeFigureOut">
               <a:rPr lang="en-US" smtClean="0"/>
-              <a:t>6/8/20</a:t>
+              <a:t>6/10/20</a:t>
             </a:fld>
             <a:endParaRPr lang="en-US"/>
           </a:p>
@@ -6838,7 +5572,7 @@
           <a:p>
             <a:fld id="{FAC8553D-62A4-B94A-B303-E17560B89933}" type="datetimeFigureOut">
               <a:rPr lang="en-US" smtClean="0"/>
-              <a:t>6/8/20</a:t>
+              <a:t>6/10/20</a:t>
             </a:fld>
             <a:endParaRPr lang="en-US"/>
           </a:p>
@@ -7250,7 +5984,7 @@
           <a:p>
             <a:fld id="{FAC8553D-62A4-B94A-B303-E17560B89933}" type="datetimeFigureOut">
               <a:rPr lang="en-US" smtClean="0"/>
-              <a:t>6/8/20</a:t>
+              <a:t>6/10/20</a:t>
             </a:fld>
             <a:endParaRPr lang="en-US"/>
           </a:p>
@@ -7391,7 +6125,7 @@
           <a:p>
             <a:fld id="{FAC8553D-62A4-B94A-B303-E17560B89933}" type="datetimeFigureOut">
               <a:rPr lang="en-US" smtClean="0"/>
-              <a:t>6/8/20</a:t>
+              <a:t>6/10/20</a:t>
             </a:fld>
             <a:endParaRPr lang="en-US"/>
           </a:p>
@@ -7504,7 +6238,7 @@
           <a:p>
             <a:fld id="{FAC8553D-62A4-B94A-B303-E17560B89933}" type="datetimeFigureOut">
               <a:rPr lang="en-US" smtClean="0"/>
-              <a:t>6/8/20</a:t>
+              <a:t>6/10/20</a:t>
             </a:fld>
             <a:endParaRPr lang="en-US"/>
           </a:p>
@@ -7815,7 +6549,7 @@
           <a:p>
             <a:fld id="{FAC8553D-62A4-B94A-B303-E17560B89933}" type="datetimeFigureOut">
               <a:rPr lang="en-US" smtClean="0"/>
-              <a:t>6/8/20</a:t>
+              <a:t>6/10/20</a:t>
             </a:fld>
             <a:endParaRPr lang="en-US"/>
           </a:p>
@@ -8103,7 +6837,7 @@
           <a:p>
             <a:fld id="{FAC8553D-62A4-B94A-B303-E17560B89933}" type="datetimeFigureOut">
               <a:rPr lang="en-US" smtClean="0"/>
-              <a:t>6/8/20</a:t>
+              <a:t>6/10/20</a:t>
             </a:fld>
             <a:endParaRPr lang="en-US"/>
           </a:p>
@@ -8356,7 +7090,7 @@
           <a:p>
             <a:fld id="{FAC8553D-62A4-B94A-B303-E17560B89933}" type="datetimeFigureOut">
               <a:rPr lang="en-US" smtClean="0"/>
-              <a:t>6/8/20</a:t>
+              <a:t>6/10/20</a:t>
             </a:fld>
             <a:endParaRPr lang="en-US"/>
           </a:p>
@@ -8963,10 +7697,10 @@
       </p:sp>
       <p:pic>
         <p:nvPicPr>
-          <p:cNvPr id="4" name="Picture 3">
+          <p:cNvPr id="3" name="Picture 2">
             <a:extLst>
               <a:ext uri="{FF2B5EF4-FFF2-40B4-BE49-F238E27FC236}">
-                <a16:creationId xmlns:a16="http://schemas.microsoft.com/office/drawing/2014/main" id="{1FF7DFA9-58B3-BE40-B0E5-03711620FA12}"/>
+                <a16:creationId xmlns:a16="http://schemas.microsoft.com/office/drawing/2014/main" id="{EDE08FB8-6F5B-B541-AF1A-CEA941AED8BB}"/>
               </a:ext>
             </a:extLst>
           </p:cNvPr>
@@ -8983,8 +7717,8 @@
         </p:blipFill>
         <p:spPr>
           <a:xfrm>
-            <a:off x="608996" y="518984"/>
-            <a:ext cx="11301813" cy="6858000"/>
+            <a:off x="1182984" y="764470"/>
+            <a:ext cx="9815822" cy="6093530"/>
           </a:xfrm>
           <a:prstGeom prst="rect">
             <a:avLst/>
@@ -9130,7 +7864,7 @@
         <p:spPr>
           <a:xfrm>
             <a:off x="3817747" y="1038694"/>
-            <a:ext cx="7278620" cy="5262979"/>
+            <a:ext cx="7278620" cy="6186309"/>
           </a:xfrm>
           <a:prstGeom prst="rect">
             <a:avLst/>
@@ -9259,6 +7993,38 @@
               </a:rPr>
               <a:t> – W3C spec for browser rendering</a:t>
             </a:r>
+          </a:p>
+          <a:p>
+            <a:pPr marL="742950" lvl="1" indent="-285750">
+              <a:buFont typeface="Arial" panose="020B0604020202020204" pitchFamily="34" charset="0"/>
+              <a:buChar char="•"/>
+            </a:pPr>
+            <a:r>
+              <a:rPr lang="en-US" sz="2000" b="1" dirty="0" err="1">
+                <a:solidFill>
+                  <a:schemeClr val="bg1"/>
+                </a:solidFill>
+                <a:latin typeface="Arial" panose="020B0604020202020204" pitchFamily="34" charset="0"/>
+                <a:cs typeface="Arial" panose="020B0604020202020204" pitchFamily="34" charset="0"/>
+              </a:rPr>
+              <a:t>Robots.txt</a:t>
+            </a:r>
+            <a:r>
+              <a:rPr lang="en-US" sz="2000" b="1" dirty="0">
+                <a:solidFill>
+                  <a:schemeClr val="bg1"/>
+                </a:solidFill>
+                <a:latin typeface="Arial" panose="020B0604020202020204" pitchFamily="34" charset="0"/>
+                <a:cs typeface="Arial" panose="020B0604020202020204" pitchFamily="34" charset="0"/>
+              </a:rPr>
+              <a:t> – crawler directives </a:t>
+            </a:r>
+            <a:r>
+              <a:rPr lang="en-US" sz="2000" dirty="0">
+                <a:hlinkClick r:id="rId2"/>
+              </a:rPr>
+              <a:t>https://support.google.com/webmasters/answer/6062608?hl=en</a:t>
+            </a:r>
             <a:endParaRPr lang="en-US" sz="2000" dirty="0">
               <a:solidFill>
                 <a:schemeClr val="bg1"/>
@@ -9299,7 +8065,7 @@
                 <a:latin typeface="Arial" panose="020B0604020202020204" pitchFamily="34" charset="0"/>
                 <a:cs typeface="Arial" panose="020B0604020202020204" pitchFamily="34" charset="0"/>
               </a:rPr>
-              <a:t>– contains </a:t>
+              <a:t> – contains </a:t>
             </a:r>
             <a:r>
               <a:rPr lang="en-US" sz="2000" b="1" dirty="0" err="1">
@@ -9504,7 +8270,7 @@
             </a:r>
             <a:r>
               <a:rPr lang="en-US" sz="2000" dirty="0">
-                <a:hlinkClick r:id="rId2"/>
+                <a:hlinkClick r:id="rId3"/>
               </a:rPr>
               <a:t>https://developers.google.com/web/fundamentals/primers/service-workers/</a:t>
             </a:r>
@@ -9555,7 +8321,7 @@
           <p:nvPr/>
         </p:nvPicPr>
         <p:blipFill>
-          <a:blip r:embed="rId3"/>
+          <a:blip r:embed="rId4"/>
           <a:stretch>
             <a:fillRect/>
           </a:stretch>
@@ -9958,33 +8724,15 @@
                                   </p:childTnLst>
                                 </p:cTn>
                               </p:par>
-                            </p:childTnLst>
-                          </p:cTn>
-                        </p:par>
-                      </p:childTnLst>
-                    </p:cTn>
-                  </p:par>
-                  <p:par>
-                    <p:cTn id="23" fill="hold">
-                      <p:stCondLst>
-                        <p:cond delay="indefinite"/>
-                      </p:stCondLst>
-                      <p:childTnLst>
-                        <p:par>
-                          <p:cTn id="24" fill="hold">
-                            <p:stCondLst>
-                              <p:cond delay="0"/>
-                            </p:stCondLst>
-                            <p:childTnLst>
                               <p:par>
-                                <p:cTn id="25" presetID="2" presetClass="entr" presetSubtype="4" fill="hold" grpId="0" nodeType="clickEffect">
+                                <p:cTn id="23" presetID="2" presetClass="entr" presetSubtype="4" fill="hold" grpId="0" nodeType="withEffect">
                                   <p:stCondLst>
                                     <p:cond delay="0"/>
                                   </p:stCondLst>
                                   <p:childTnLst>
                                     <p:set>
                                       <p:cBhvr>
-                                        <p:cTn id="26" dur="1" fill="hold">
+                                        <p:cTn id="24" dur="1" fill="hold">
                                           <p:stCondLst>
                                             <p:cond delay="0"/>
                                           </p:stCondLst>
@@ -9992,7 +8740,7 @@
                                         <p:tgtEl>
                                           <p:spTgt spid="5">
                                             <p:txEl>
-                                              <p:pRg st="6" end="6"/>
+                                              <p:pRg st="5" end="5"/>
                                             </p:txEl>
                                           </p:spTgt>
                                         </p:tgtEl>
@@ -10006,11 +8754,11 @@
                                     </p:set>
                                     <p:anim calcmode="lin" valueType="num">
                                       <p:cBhvr additive="base">
-                                        <p:cTn id="27" dur="500" fill="hold"/>
+                                        <p:cTn id="25" dur="500" fill="hold"/>
                                         <p:tgtEl>
                                           <p:spTgt spid="5">
                                             <p:txEl>
-                                              <p:pRg st="6" end="6"/>
+                                              <p:pRg st="5" end="5"/>
                                             </p:txEl>
                                           </p:spTgt>
                                         </p:tgtEl>
@@ -10033,11 +8781,11 @@
                                     </p:anim>
                                     <p:anim calcmode="lin" valueType="num">
                                       <p:cBhvr additive="base">
-                                        <p:cTn id="28" dur="500" fill="hold"/>
+                                        <p:cTn id="26" dur="500" fill="hold"/>
                                         <p:tgtEl>
                                           <p:spTgt spid="5">
                                             <p:txEl>
-                                              <p:pRg st="6" end="6"/>
+                                              <p:pRg st="5" end="5"/>
                                             </p:txEl>
                                           </p:spTgt>
                                         </p:tgtEl>
@@ -10061,8 +8809,26 @@
                                   </p:childTnLst>
                                 </p:cTn>
                               </p:par>
+                            </p:childTnLst>
+                          </p:cTn>
+                        </p:par>
+                      </p:childTnLst>
+                    </p:cTn>
+                  </p:par>
+                  <p:par>
+                    <p:cTn id="27" fill="hold">
+                      <p:stCondLst>
+                        <p:cond delay="indefinite"/>
+                      </p:stCondLst>
+                      <p:childTnLst>
+                        <p:par>
+                          <p:cTn id="28" fill="hold">
+                            <p:stCondLst>
+                              <p:cond delay="0"/>
+                            </p:stCondLst>
+                            <p:childTnLst>
                               <p:par>
-                                <p:cTn id="29" presetID="2" presetClass="entr" presetSubtype="4" fill="hold" grpId="0" nodeType="withEffect">
+                                <p:cTn id="29" presetID="2" presetClass="entr" presetSubtype="4" fill="hold" grpId="0" nodeType="clickEffect">
                                   <p:stCondLst>
                                     <p:cond delay="0"/>
                                   </p:stCondLst>
@@ -10401,6 +9167,91 @@
                                   </p:childTnLst>
                                 </p:cTn>
                               </p:par>
+                              <p:par>
+                                <p:cTn id="45" presetID="2" presetClass="entr" presetSubtype="4" fill="hold" grpId="0" nodeType="withEffect">
+                                  <p:stCondLst>
+                                    <p:cond delay="0"/>
+                                  </p:stCondLst>
+                                  <p:childTnLst>
+                                    <p:set>
+                                      <p:cBhvr>
+                                        <p:cTn id="46" dur="1" fill="hold">
+                                          <p:stCondLst>
+                                            <p:cond delay="0"/>
+                                          </p:stCondLst>
+                                        </p:cTn>
+                                        <p:tgtEl>
+                                          <p:spTgt spid="5">
+                                            <p:txEl>
+                                              <p:pRg st="11" end="11"/>
+                                            </p:txEl>
+                                          </p:spTgt>
+                                        </p:tgtEl>
+                                        <p:attrNameLst>
+                                          <p:attrName>style.visibility</p:attrName>
+                                        </p:attrNameLst>
+                                      </p:cBhvr>
+                                      <p:to>
+                                        <p:strVal val="visible"/>
+                                      </p:to>
+                                    </p:set>
+                                    <p:anim calcmode="lin" valueType="num">
+                                      <p:cBhvr additive="base">
+                                        <p:cTn id="47" dur="500" fill="hold"/>
+                                        <p:tgtEl>
+                                          <p:spTgt spid="5">
+                                            <p:txEl>
+                                              <p:pRg st="11" end="11"/>
+                                            </p:txEl>
+                                          </p:spTgt>
+                                        </p:tgtEl>
+                                        <p:attrNameLst>
+                                          <p:attrName>ppt_x</p:attrName>
+                                        </p:attrNameLst>
+                                      </p:cBhvr>
+                                      <p:tavLst>
+                                        <p:tav tm="0">
+                                          <p:val>
+                                            <p:strVal val="#ppt_x"/>
+                                          </p:val>
+                                        </p:tav>
+                                        <p:tav tm="100000">
+                                          <p:val>
+                                            <p:strVal val="#ppt_x"/>
+                                          </p:val>
+                                        </p:tav>
+                                      </p:tavLst>
+                                    </p:anim>
+                                    <p:anim calcmode="lin" valueType="num">
+                                      <p:cBhvr additive="base">
+                                        <p:cTn id="48" dur="500" fill="hold"/>
+                                        <p:tgtEl>
+                                          <p:spTgt spid="5">
+                                            <p:txEl>
+                                              <p:pRg st="11" end="11"/>
+                                            </p:txEl>
+                                          </p:spTgt>
+                                        </p:tgtEl>
+                                        <p:attrNameLst>
+                                          <p:attrName>ppt_y</p:attrName>
+                                        </p:attrNameLst>
+                                      </p:cBhvr>
+                                      <p:tavLst>
+                                        <p:tav tm="0">
+                                          <p:val>
+                                            <p:strVal val="1+#ppt_h/2"/>
+                                          </p:val>
+                                        </p:tav>
+                                        <p:tav tm="100000">
+                                          <p:val>
+                                            <p:strVal val="#ppt_y"/>
+                                          </p:val>
+                                        </p:tav>
+                                      </p:tavLst>
+                                    </p:anim>
+                                  </p:childTnLst>
+                                </p:cTn>
+                              </p:par>
                             </p:childTnLst>
                           </p:cTn>
                         </p:par>
@@ -16835,6 +15686,12 @@
               <a:t>mockImplementation</a:t>
             </a:r>
             <a:endParaRPr lang="en-US" sz="8000" dirty="0"/>
+          </a:p>
+          <a:p>
+            <a:r>
+              <a:rPr lang="en-US" sz="8533" dirty="0"/>
+              <a:t>Building and Deploying</a:t>
+            </a:r>
           </a:p>
           <a:p>
             <a:endParaRPr lang="en-US" dirty="0"/>
